--- a/Presentation/Chwa PaN’ - presentation2.pptx
+++ b/Presentation/Chwa PaN’ - presentation2.pptx
@@ -5,27 +5,26 @@
     <p:sldMasterId id="2147483819" r:id="rId4"/>
   </p:sldMasterIdLst>
   <p:notesMasterIdLst>
-    <p:notesMasterId r:id="rId20"/>
+    <p:notesMasterId r:id="rId19"/>
   </p:notesMasterIdLst>
   <p:handoutMasterIdLst>
-    <p:handoutMasterId r:id="rId21"/>
+    <p:handoutMasterId r:id="rId20"/>
   </p:handoutMasterIdLst>
   <p:sldIdLst>
     <p:sldId id="256" r:id="rId5"/>
     <p:sldId id="272" r:id="rId6"/>
     <p:sldId id="265" r:id="rId7"/>
     <p:sldId id="274" r:id="rId8"/>
-    <p:sldId id="282" r:id="rId9"/>
-    <p:sldId id="273" r:id="rId10"/>
-    <p:sldId id="270" r:id="rId11"/>
-    <p:sldId id="262" r:id="rId12"/>
-    <p:sldId id="280" r:id="rId13"/>
-    <p:sldId id="279" r:id="rId14"/>
-    <p:sldId id="278" r:id="rId15"/>
-    <p:sldId id="277" r:id="rId16"/>
-    <p:sldId id="276" r:id="rId17"/>
+    <p:sldId id="262" r:id="rId9"/>
+    <p:sldId id="279" r:id="rId10"/>
+    <p:sldId id="278" r:id="rId11"/>
+    <p:sldId id="277" r:id="rId12"/>
+    <p:sldId id="282" r:id="rId13"/>
+    <p:sldId id="283" r:id="rId14"/>
+    <p:sldId id="273" r:id="rId15"/>
+    <p:sldId id="285" r:id="rId16"/>
+    <p:sldId id="284" r:id="rId17"/>
     <p:sldId id="266" r:id="rId18"/>
-    <p:sldId id="281" r:id="rId19"/>
   </p:sldIdLst>
   <p:sldSz cx="12188825" cy="6858000"/>
   <p:notesSz cx="6858000" cy="9144000"/>
@@ -283,11 +282,11 @@
         </c:dLbls>
         <c:gapWidth val="100"/>
         <c:overlap val="-24"/>
-        <c:axId val="-1972245232"/>
-        <c:axId val="-1972243056"/>
+        <c:axId val="724187520"/>
+        <c:axId val="724194592"/>
       </c:barChart>
       <c:catAx>
-        <c:axId val="-1972245232"/>
+        <c:axId val="724187520"/>
         <c:scaling>
           <c:orientation val="minMax"/>
         </c:scaling>
@@ -327,7 +326,7 @@
             <a:endParaRPr lang="en-US"/>
           </a:p>
         </c:txPr>
-        <c:crossAx val="-1972243056"/>
+        <c:crossAx val="724194592"/>
         <c:crosses val="autoZero"/>
         <c:auto val="1"/>
         <c:lblAlgn val="ctr"/>
@@ -335,7 +334,7 @@
         <c:noMultiLvlLbl val="0"/>
       </c:catAx>
       <c:valAx>
-        <c:axId val="-1972243056"/>
+        <c:axId val="724194592"/>
         <c:scaling>
           <c:orientation val="minMax"/>
         </c:scaling>
@@ -386,7 +385,7 @@
             <a:endParaRPr lang="en-US"/>
           </a:p>
         </c:txPr>
-        <c:crossAx val="-1972245232"/>
+        <c:crossAx val="724187520"/>
         <c:crosses val="autoZero"/>
         <c:crossBetween val="between"/>
       </c:valAx>
@@ -2173,8 +2172,8 @@
     </dgm:pt>
   </dgm:ptLst>
   <dgm:cxnLst>
+    <dgm:cxn modelId="{54CA38E1-8678-4786-A265-770FD25C3115}" type="presOf" srcId="{CC6B7442-0B72-4EF2-9F13-1325B51AFF9F}" destId="{99560A19-63A4-4F58-BF54-93D1A84B1A1C}" srcOrd="1" destOrd="0" presId="urn:microsoft.com/office/officeart/2005/8/layout/venn1"/>
     <dgm:cxn modelId="{8314FB70-092A-47FB-83E3-C595090DBA48}" type="presOf" srcId="{477D14C5-CED9-4CFC-B338-DFB0C8090B9F}" destId="{1114C5CF-9DB7-4B7A-9D02-B353869E5D38}" srcOrd="1" destOrd="0" presId="urn:microsoft.com/office/officeart/2005/8/layout/venn1"/>
-    <dgm:cxn modelId="{54CA38E1-8678-4786-A265-770FD25C3115}" type="presOf" srcId="{CC6B7442-0B72-4EF2-9F13-1325B51AFF9F}" destId="{99560A19-63A4-4F58-BF54-93D1A84B1A1C}" srcOrd="1" destOrd="0" presId="urn:microsoft.com/office/officeart/2005/8/layout/venn1"/>
     <dgm:cxn modelId="{7D461F02-AB37-447A-AC6B-D31C4D2EC6A9}" srcId="{90119837-5B71-4D44-BB01-DB0B084933C8}" destId="{477D14C5-CED9-4CFC-B338-DFB0C8090B9F}" srcOrd="0" destOrd="0" parTransId="{92DFCBC7-BC14-4697-8ECD-BF0D5B1EDA3B}" sibTransId="{87E3C0DB-7BEE-424E-8E11-B838D238D595}"/>
     <dgm:cxn modelId="{98BEF9E1-8D57-4A22-93E0-87299CF8A4AD}" type="presOf" srcId="{CC6B7442-0B72-4EF2-9F13-1325B51AFF9F}" destId="{2B11D8EC-23D3-4EEE-B141-81E29A0B04B6}" srcOrd="0" destOrd="0" presId="urn:microsoft.com/office/officeart/2005/8/layout/venn1"/>
     <dgm:cxn modelId="{25C8D00E-7E96-4A36-A375-D219ADDEF7E1}" type="presOf" srcId="{90119837-5B71-4D44-BB01-DB0B084933C8}" destId="{E16D65B4-494C-45C0-82F5-A63E581063CB}" srcOrd="0" destOrd="0" presId="urn:microsoft.com/office/officeart/2005/8/layout/venn1"/>
@@ -11559,65 +11558,33 @@
         </p:nvSpPr>
         <p:spPr>
           <a:xfrm>
-            <a:off x="1293812" y="152400"/>
+            <a:off x="1598612" y="457200"/>
             <a:ext cx="9601200" cy="1143000"/>
           </a:xfrm>
         </p:spPr>
         <p:txBody>
-          <a:bodyPr/>
+          <a:bodyPr>
+            <a:normAutofit/>
+          </a:bodyPr>
           <a:lstStyle/>
           <a:p>
-            <a:pPr algn="ctr"/>
+            <a:pPr algn="l"/>
             <a:r>
-              <a:rPr lang="en-US" dirty="0" smtClean="0"/>
-              <a:t>Notre </a:t>
+              <a:rPr lang="en-US" sz="4400" b="1" dirty="0" smtClean="0">
+                <a:latin typeface="Comic Sans MS" panose="030F0702030302020204" pitchFamily="66" charset="0"/>
+              </a:rPr>
+              <a:t>Notre Produit (Mobile)</a:t>
             </a:r>
-            <a:r>
-              <a:rPr lang="en-US" dirty="0" err="1" smtClean="0"/>
-              <a:t>Produit</a:t>
-            </a:r>
-            <a:r>
-              <a:rPr lang="en-US" dirty="0" smtClean="0"/>
-              <a:t> (Web)</a:t>
-            </a:r>
-            <a:endParaRPr lang="en-US" dirty="0"/>
+            <a:endParaRPr lang="en-US" sz="4400" b="1" dirty="0">
+              <a:latin typeface="Comic Sans MS" panose="030F0702030302020204" pitchFamily="66" charset="0"/>
+            </a:endParaRPr>
           </a:p>
         </p:txBody>
       </p:sp>
-      <p:pic>
-        <p:nvPicPr>
-          <p:cNvPr id="3" name="Content Placeholder 3"/>
-          <p:cNvPicPr>
-            <a:picLocks noChangeAspect="1"/>
-          </p:cNvPicPr>
-          <p:nvPr/>
-        </p:nvPicPr>
-        <p:blipFill>
-          <a:blip r:embed="rId2">
-            <a:extLst>
-              <a:ext uri="{28A0092B-C50C-407E-A947-70E740481C1C}">
-                <a14:useLocalDpi xmlns:a14="http://schemas.microsoft.com/office/drawing/2010/main" val="0"/>
-              </a:ext>
-            </a:extLst>
-          </a:blip>
-          <a:stretch>
-            <a:fillRect/>
-          </a:stretch>
-        </p:blipFill>
-        <p:spPr>
-          <a:xfrm>
-            <a:off x="1579155" y="1244141"/>
-            <a:ext cx="8836742" cy="5395809"/>
-          </a:xfrm>
-          <a:prstGeom prst="rect">
-            <a:avLst/>
-          </a:prstGeom>
-        </p:spPr>
-      </p:pic>
     </p:spTree>
     <p:extLst>
       <p:ext uri="{BB962C8B-B14F-4D97-AF65-F5344CB8AC3E}">
-        <p14:creationId xmlns:p14="http://schemas.microsoft.com/office/powerpoint/2010/main" val="2356932525"/>
+        <p14:creationId xmlns:p14="http://schemas.microsoft.com/office/powerpoint/2010/main" val="216626931"/>
       </p:ext>
     </p:extLst>
   </p:cSld>
@@ -11675,35 +11642,1492 @@
         </p:nvSpPr>
         <p:spPr>
           <a:xfrm>
-            <a:off x="1293812" y="152400"/>
-            <a:ext cx="9601200" cy="1143000"/>
+            <a:off x="1657860" y="-4293"/>
+            <a:ext cx="10016104" cy="1752599"/>
           </a:xfrm>
         </p:spPr>
         <p:txBody>
-          <a:bodyPr/>
+          <a:bodyPr>
+            <a:normAutofit/>
+          </a:bodyPr>
           <a:lstStyle/>
           <a:p>
-            <a:pPr algn="ctr"/>
+            <a:pPr algn="l"/>
             <a:r>
-              <a:rPr lang="en-US" dirty="0" smtClean="0"/>
-              <a:t>Notre </a:t>
+              <a:rPr lang="fr-HT" sz="4400" dirty="0" smtClean="0">
+                <a:latin typeface="Comic Sans MS" panose="030F0702030302020204" pitchFamily="66" charset="0"/>
+              </a:rPr>
+              <a:t>Concurrence</a:t>
             </a:r>
-            <a:r>
-              <a:rPr lang="en-US" dirty="0" err="1" smtClean="0"/>
-              <a:t>Produit</a:t>
-            </a:r>
-            <a:r>
-              <a:rPr lang="en-US" dirty="0" smtClean="0"/>
-              <a:t> (Mobile)</a:t>
-            </a:r>
-            <a:endParaRPr lang="en-US" dirty="0"/>
+            <a:endParaRPr lang="fr-HT" sz="4400" dirty="0">
+              <a:latin typeface="Comic Sans MS" panose="030F0702030302020204" pitchFamily="66" charset="0"/>
+            </a:endParaRPr>
           </a:p>
         </p:txBody>
       </p:sp>
+      <p:graphicFrame>
+        <p:nvGraphicFramePr>
+          <p:cNvPr id="7" name="Content Placeholder 5"/>
+          <p:cNvGraphicFramePr>
+            <a:graphicFrameLocks noGrp="1"/>
+          </p:cNvGraphicFramePr>
+          <p:nvPr>
+            <p:ph idx="1"/>
+            <p:extLst>
+              <p:ext uri="{D42A27DB-BD31-4B8C-83A1-F6EECF244321}">
+                <p14:modId xmlns:p14="http://schemas.microsoft.com/office/powerpoint/2010/main" val="3474849971"/>
+              </p:ext>
+            </p:extLst>
+          </p:nvPr>
+        </p:nvGraphicFramePr>
+        <p:xfrm>
+          <a:off x="1965145" y="1633530"/>
+          <a:ext cx="9982199" cy="2625569"/>
+        </p:xfrm>
+        <a:graphic>
+          <a:graphicData uri="http://schemas.openxmlformats.org/drawingml/2006/table">
+            <a:tbl>
+              <a:tblPr firstRow="1" bandRow="1">
+                <a:tableStyleId>{125E5076-3810-47DD-B79F-674D7AD40C01}</a:tableStyleId>
+              </a:tblPr>
+              <a:tblGrid>
+                <a:gridCol w="2235864"/>
+                <a:gridCol w="1818552"/>
+                <a:gridCol w="1247599"/>
+                <a:gridCol w="1793424"/>
+                <a:gridCol w="1373174"/>
+                <a:gridCol w="1513586"/>
+              </a:tblGrid>
+              <a:tr h="742049">
+                <a:tc>
+                  <a:txBody>
+                    <a:bodyPr/>
+                    <a:lstStyle/>
+                    <a:p>
+                      <a:endParaRPr lang="fr-HT" noProof="0" dirty="0">
+                        <a:solidFill>
+                          <a:sysClr val="windowText" lastClr="000000"/>
+                        </a:solidFill>
+                      </a:endParaRPr>
+                    </a:p>
+                  </a:txBody>
+                  <a:tcPr>
+                    <a:lnL w="12700" cap="flat" cmpd="sng" algn="ctr">
+                      <a:solidFill>
+                        <a:schemeClr val="tx1"/>
+                      </a:solidFill>
+                      <a:prstDash val="solid"/>
+                      <a:round/>
+                      <a:headEnd type="none" w="med" len="med"/>
+                      <a:tailEnd type="none" w="med" len="med"/>
+                    </a:lnL>
+                    <a:lnR w="12700" cap="flat" cmpd="sng" algn="ctr">
+                      <a:solidFill>
+                        <a:schemeClr val="tx1"/>
+                      </a:solidFill>
+                      <a:prstDash val="solid"/>
+                      <a:round/>
+                      <a:headEnd type="none" w="med" len="med"/>
+                      <a:tailEnd type="none" w="med" len="med"/>
+                    </a:lnR>
+                    <a:lnT w="12700" cap="flat" cmpd="sng" algn="ctr">
+                      <a:solidFill>
+                        <a:schemeClr val="tx1"/>
+                      </a:solidFill>
+                      <a:prstDash val="solid"/>
+                      <a:round/>
+                      <a:headEnd type="none" w="med" len="med"/>
+                      <a:tailEnd type="none" w="med" len="med"/>
+                    </a:lnT>
+                    <a:lnB w="12700" cap="flat" cmpd="sng" algn="ctr">
+                      <a:solidFill>
+                        <a:schemeClr val="tx1"/>
+                      </a:solidFill>
+                      <a:prstDash val="solid"/>
+                      <a:round/>
+                      <a:headEnd type="none" w="med" len="med"/>
+                      <a:tailEnd type="none" w="med" len="med"/>
+                    </a:lnB>
+                    <a:solidFill>
+                      <a:schemeClr val="bg2"/>
+                    </a:solidFill>
+                  </a:tcPr>
+                </a:tc>
+                <a:tc>
+                  <a:txBody>
+                    <a:bodyPr/>
+                    <a:lstStyle/>
+                    <a:p>
+                      <a:pPr marL="0" marR="0" indent="0" algn="ctr" defTabSz="914400" rtl="0" eaLnBrk="1" fontAlgn="auto" latinLnBrk="0" hangingPunct="1">
+                        <a:lnSpc>
+                          <a:spcPct val="100000"/>
+                        </a:lnSpc>
+                        <a:spcBef>
+                          <a:spcPts val="0"/>
+                        </a:spcBef>
+                        <a:spcAft>
+                          <a:spcPts val="0"/>
+                        </a:spcAft>
+                        <a:buClrTx/>
+                        <a:buSzTx/>
+                        <a:buFontTx/>
+                        <a:buNone/>
+                        <a:tabLst/>
+                        <a:defRPr/>
+                      </a:pPr>
+                      <a:r>
+                        <a:rPr lang="fr-HT" sz="2000" baseline="0" noProof="0" dirty="0" smtClean="0">
+                          <a:solidFill>
+                            <a:sysClr val="windowText" lastClr="000000"/>
+                          </a:solidFill>
+                          <a:latin typeface="Comic Sans MS" panose="030F0702030302020204" pitchFamily="66" charset="0"/>
+                        </a:rPr>
+                        <a:t>information</a:t>
+                      </a:r>
+                      <a:endParaRPr lang="fr-HT" sz="2000" b="1" noProof="0" dirty="0">
+                        <a:solidFill>
+                          <a:sysClr val="windowText" lastClr="000000"/>
+                        </a:solidFill>
+                        <a:latin typeface="Comic Sans MS" panose="030F0702030302020204" pitchFamily="66" charset="0"/>
+                        <a:cs typeface="Arial" panose="020B0604020202020204" pitchFamily="34" charset="0"/>
+                      </a:endParaRPr>
+                    </a:p>
+                  </a:txBody>
+                  <a:tcPr>
+                    <a:lnL w="12700" cap="flat" cmpd="sng" algn="ctr">
+                      <a:solidFill>
+                        <a:schemeClr val="tx1"/>
+                      </a:solidFill>
+                      <a:prstDash val="solid"/>
+                      <a:round/>
+                      <a:headEnd type="none" w="med" len="med"/>
+                      <a:tailEnd type="none" w="med" len="med"/>
+                    </a:lnL>
+                    <a:lnR w="12700" cap="flat" cmpd="sng" algn="ctr">
+                      <a:solidFill>
+                        <a:schemeClr val="tx1"/>
+                      </a:solidFill>
+                      <a:prstDash val="solid"/>
+                      <a:round/>
+                      <a:headEnd type="none" w="med" len="med"/>
+                      <a:tailEnd type="none" w="med" len="med"/>
+                    </a:lnR>
+                    <a:lnT w="12700" cap="flat" cmpd="sng" algn="ctr">
+                      <a:solidFill>
+                        <a:schemeClr val="tx1"/>
+                      </a:solidFill>
+                      <a:prstDash val="solid"/>
+                      <a:round/>
+                      <a:headEnd type="none" w="med" len="med"/>
+                      <a:tailEnd type="none" w="med" len="med"/>
+                    </a:lnT>
+                    <a:lnB w="12700" cap="flat" cmpd="sng" algn="ctr">
+                      <a:solidFill>
+                        <a:schemeClr val="tx1"/>
+                      </a:solidFill>
+                      <a:prstDash val="solid"/>
+                      <a:round/>
+                      <a:headEnd type="none" w="med" len="med"/>
+                      <a:tailEnd type="none" w="med" len="med"/>
+                    </a:lnB>
+                    <a:solidFill>
+                      <a:schemeClr val="bg2"/>
+                    </a:solidFill>
+                  </a:tcPr>
+                </a:tc>
+                <a:tc>
+                  <a:txBody>
+                    <a:bodyPr/>
+                    <a:lstStyle/>
+                    <a:p>
+                      <a:pPr algn="ctr"/>
+                      <a:r>
+                        <a:rPr lang="fr-HT" sz="2000" noProof="0" dirty="0" smtClean="0">
+                          <a:solidFill>
+                            <a:sysClr val="windowText" lastClr="000000"/>
+                          </a:solidFill>
+                          <a:latin typeface="Comic Sans MS" panose="030F0702030302020204" pitchFamily="66" charset="0"/>
+                        </a:rPr>
+                        <a:t>Forum</a:t>
+                      </a:r>
+                      <a:endParaRPr lang="fr-HT" sz="2000" noProof="0" dirty="0">
+                        <a:solidFill>
+                          <a:sysClr val="windowText" lastClr="000000"/>
+                        </a:solidFill>
+                        <a:latin typeface="Comic Sans MS" panose="030F0702030302020204" pitchFamily="66" charset="0"/>
+                        <a:cs typeface="Arial" panose="020B0604020202020204" pitchFamily="34" charset="0"/>
+                      </a:endParaRPr>
+                    </a:p>
+                  </a:txBody>
+                  <a:tcPr>
+                    <a:lnL w="12700" cap="flat" cmpd="sng" algn="ctr">
+                      <a:solidFill>
+                        <a:schemeClr val="tx1"/>
+                      </a:solidFill>
+                      <a:prstDash val="solid"/>
+                      <a:round/>
+                      <a:headEnd type="none" w="med" len="med"/>
+                      <a:tailEnd type="none" w="med" len="med"/>
+                    </a:lnL>
+                    <a:lnR w="12700" cap="flat" cmpd="sng" algn="ctr">
+                      <a:solidFill>
+                        <a:schemeClr val="tx1"/>
+                      </a:solidFill>
+                      <a:prstDash val="solid"/>
+                      <a:round/>
+                      <a:headEnd type="none" w="med" len="med"/>
+                      <a:tailEnd type="none" w="med" len="med"/>
+                    </a:lnR>
+                    <a:lnT w="12700" cap="flat" cmpd="sng" algn="ctr">
+                      <a:solidFill>
+                        <a:schemeClr val="tx1"/>
+                      </a:solidFill>
+                      <a:prstDash val="solid"/>
+                      <a:round/>
+                      <a:headEnd type="none" w="med" len="med"/>
+                      <a:tailEnd type="none" w="med" len="med"/>
+                    </a:lnT>
+                    <a:lnB w="12700" cap="flat" cmpd="sng" algn="ctr">
+                      <a:solidFill>
+                        <a:schemeClr val="tx1"/>
+                      </a:solidFill>
+                      <a:prstDash val="solid"/>
+                      <a:round/>
+                      <a:headEnd type="none" w="med" len="med"/>
+                      <a:tailEnd type="none" w="med" len="med"/>
+                    </a:lnB>
+                    <a:solidFill>
+                      <a:schemeClr val="bg2"/>
+                    </a:solidFill>
+                  </a:tcPr>
+                </a:tc>
+                <a:tc>
+                  <a:txBody>
+                    <a:bodyPr/>
+                    <a:lstStyle/>
+                    <a:p>
+                      <a:r>
+                        <a:rPr lang="fr-HT" sz="2000" baseline="0" noProof="0" dirty="0" smtClean="0">
+                          <a:solidFill>
+                            <a:sysClr val="windowText" lastClr="000000"/>
+                          </a:solidFill>
+                          <a:latin typeface="Comic Sans MS" panose="030F0702030302020204" pitchFamily="66" charset="0"/>
+                        </a:rPr>
+                        <a:t>Calendrier menstruelle</a:t>
+                      </a:r>
+                      <a:endParaRPr lang="fr-HT" sz="2000" noProof="0" dirty="0">
+                        <a:solidFill>
+                          <a:sysClr val="windowText" lastClr="000000"/>
+                        </a:solidFill>
+                        <a:latin typeface="Comic Sans MS" panose="030F0702030302020204" pitchFamily="66" charset="0"/>
+                        <a:cs typeface="Arial" panose="020B0604020202020204" pitchFamily="34" charset="0"/>
+                      </a:endParaRPr>
+                    </a:p>
+                  </a:txBody>
+                  <a:tcPr>
+                    <a:lnL w="12700" cap="flat" cmpd="sng" algn="ctr">
+                      <a:solidFill>
+                        <a:schemeClr val="tx1"/>
+                      </a:solidFill>
+                      <a:prstDash val="solid"/>
+                      <a:round/>
+                      <a:headEnd type="none" w="med" len="med"/>
+                      <a:tailEnd type="none" w="med" len="med"/>
+                    </a:lnL>
+                    <a:lnR w="12700" cap="flat" cmpd="sng" algn="ctr">
+                      <a:solidFill>
+                        <a:schemeClr val="tx1"/>
+                      </a:solidFill>
+                      <a:prstDash val="solid"/>
+                      <a:round/>
+                      <a:headEnd type="none" w="med" len="med"/>
+                      <a:tailEnd type="none" w="med" len="med"/>
+                    </a:lnR>
+                    <a:lnT w="12700" cap="flat" cmpd="sng" algn="ctr">
+                      <a:solidFill>
+                        <a:schemeClr val="tx1"/>
+                      </a:solidFill>
+                      <a:prstDash val="solid"/>
+                      <a:round/>
+                      <a:headEnd type="none" w="med" len="med"/>
+                      <a:tailEnd type="none" w="med" len="med"/>
+                    </a:lnT>
+                    <a:lnB w="12700" cap="flat" cmpd="sng" algn="ctr">
+                      <a:solidFill>
+                        <a:schemeClr val="tx1"/>
+                      </a:solidFill>
+                      <a:prstDash val="solid"/>
+                      <a:round/>
+                      <a:headEnd type="none" w="med" len="med"/>
+                      <a:tailEnd type="none" w="med" len="med"/>
+                    </a:lnB>
+                    <a:solidFill>
+                      <a:schemeClr val="bg2"/>
+                    </a:solidFill>
+                  </a:tcPr>
+                </a:tc>
+                <a:tc>
+                  <a:txBody>
+                    <a:bodyPr/>
+                    <a:lstStyle/>
+                    <a:p>
+                      <a:pPr algn="ctr"/>
+                      <a:r>
+                        <a:rPr lang="fr-HT" sz="2000" noProof="0" dirty="0" smtClean="0">
+                          <a:solidFill>
+                            <a:sysClr val="windowText" lastClr="000000"/>
+                          </a:solidFill>
+                          <a:latin typeface="Comic Sans MS" panose="030F0702030302020204" pitchFamily="66" charset="0"/>
+                        </a:rPr>
+                        <a:t>Adoption</a:t>
+                      </a:r>
+                      <a:endParaRPr lang="fr-HT" sz="2000" noProof="0" dirty="0">
+                        <a:solidFill>
+                          <a:sysClr val="windowText" lastClr="000000"/>
+                        </a:solidFill>
+                        <a:latin typeface="Comic Sans MS" panose="030F0702030302020204" pitchFamily="66" charset="0"/>
+                        <a:cs typeface="Arial" panose="020B0604020202020204" pitchFamily="34" charset="0"/>
+                      </a:endParaRPr>
+                    </a:p>
+                  </a:txBody>
+                  <a:tcPr>
+                    <a:lnL w="12700" cap="flat" cmpd="sng" algn="ctr">
+                      <a:solidFill>
+                        <a:schemeClr val="tx1"/>
+                      </a:solidFill>
+                      <a:prstDash val="solid"/>
+                      <a:round/>
+                      <a:headEnd type="none" w="med" len="med"/>
+                      <a:tailEnd type="none" w="med" len="med"/>
+                    </a:lnL>
+                    <a:lnR w="12700" cap="flat" cmpd="sng" algn="ctr">
+                      <a:solidFill>
+                        <a:schemeClr val="tx1"/>
+                      </a:solidFill>
+                      <a:prstDash val="solid"/>
+                      <a:round/>
+                      <a:headEnd type="none" w="med" len="med"/>
+                      <a:tailEnd type="none" w="med" len="med"/>
+                    </a:lnR>
+                    <a:lnT w="12700" cap="flat" cmpd="sng" algn="ctr">
+                      <a:solidFill>
+                        <a:schemeClr val="tx1"/>
+                      </a:solidFill>
+                      <a:prstDash val="solid"/>
+                      <a:round/>
+                      <a:headEnd type="none" w="med" len="med"/>
+                      <a:tailEnd type="none" w="med" len="med"/>
+                    </a:lnT>
+                    <a:lnB w="12700" cap="flat" cmpd="sng" algn="ctr">
+                      <a:solidFill>
+                        <a:schemeClr val="tx1"/>
+                      </a:solidFill>
+                      <a:prstDash val="solid"/>
+                      <a:round/>
+                      <a:headEnd type="none" w="med" len="med"/>
+                      <a:tailEnd type="none" w="med" len="med"/>
+                    </a:lnB>
+                    <a:solidFill>
+                      <a:schemeClr val="bg2"/>
+                    </a:solidFill>
+                  </a:tcPr>
+                </a:tc>
+                <a:tc>
+                  <a:txBody>
+                    <a:bodyPr/>
+                    <a:lstStyle/>
+                    <a:p>
+                      <a:pPr algn="ctr"/>
+                      <a:r>
+                        <a:rPr lang="fr-HT" sz="2000" noProof="0" dirty="0" smtClean="0">
+                          <a:solidFill>
+                            <a:sysClr val="windowText" lastClr="000000"/>
+                          </a:solidFill>
+                          <a:latin typeface="Comic Sans MS" panose="030F0702030302020204" pitchFamily="66" charset="0"/>
+                          <a:cs typeface="Arial" panose="020B0604020202020204" pitchFamily="34" charset="0"/>
+                        </a:rPr>
+                        <a:t>Actualité</a:t>
+                      </a:r>
+                      <a:endParaRPr lang="fr-HT" sz="2000" noProof="0" dirty="0">
+                        <a:solidFill>
+                          <a:sysClr val="windowText" lastClr="000000"/>
+                        </a:solidFill>
+                        <a:latin typeface="Comic Sans MS" panose="030F0702030302020204" pitchFamily="66" charset="0"/>
+                        <a:cs typeface="Arial" panose="020B0604020202020204" pitchFamily="34" charset="0"/>
+                      </a:endParaRPr>
+                    </a:p>
+                  </a:txBody>
+                  <a:tcPr>
+                    <a:lnL w="12700" cap="flat" cmpd="sng" algn="ctr">
+                      <a:solidFill>
+                        <a:schemeClr val="tx1"/>
+                      </a:solidFill>
+                      <a:prstDash val="solid"/>
+                      <a:round/>
+                      <a:headEnd type="none" w="med" len="med"/>
+                      <a:tailEnd type="none" w="med" len="med"/>
+                    </a:lnL>
+                    <a:lnR w="12700" cap="flat" cmpd="sng" algn="ctr">
+                      <a:solidFill>
+                        <a:schemeClr val="tx1"/>
+                      </a:solidFill>
+                      <a:prstDash val="solid"/>
+                      <a:round/>
+                      <a:headEnd type="none" w="med" len="med"/>
+                      <a:tailEnd type="none" w="med" len="med"/>
+                    </a:lnR>
+                    <a:lnT w="12700" cap="flat" cmpd="sng" algn="ctr">
+                      <a:solidFill>
+                        <a:schemeClr val="tx1"/>
+                      </a:solidFill>
+                      <a:prstDash val="solid"/>
+                      <a:round/>
+                      <a:headEnd type="none" w="med" len="med"/>
+                      <a:tailEnd type="none" w="med" len="med"/>
+                    </a:lnT>
+                    <a:lnB w="12700" cap="flat" cmpd="sng" algn="ctr">
+                      <a:solidFill>
+                        <a:schemeClr val="tx1"/>
+                      </a:solidFill>
+                      <a:prstDash val="solid"/>
+                      <a:round/>
+                      <a:headEnd type="none" w="med" len="med"/>
+                      <a:tailEnd type="none" w="med" len="med"/>
+                    </a:lnB>
+                    <a:solidFill>
+                      <a:schemeClr val="bg2"/>
+                    </a:solidFill>
+                  </a:tcPr>
+                </a:tc>
+              </a:tr>
+              <a:tr h="941760">
+                <a:tc>
+                  <a:txBody>
+                    <a:bodyPr/>
+                    <a:lstStyle/>
+                    <a:p>
+                      <a:endParaRPr lang="en-US" dirty="0"/>
+                    </a:p>
+                  </a:txBody>
+                  <a:tcPr>
+                    <a:lnL w="12700" cap="flat" cmpd="sng" algn="ctr">
+                      <a:solidFill>
+                        <a:schemeClr val="tx1"/>
+                      </a:solidFill>
+                      <a:prstDash val="solid"/>
+                      <a:round/>
+                      <a:headEnd type="none" w="med" len="med"/>
+                      <a:tailEnd type="none" w="med" len="med"/>
+                    </a:lnL>
+                    <a:lnR w="12700" cap="flat" cmpd="sng" algn="ctr">
+                      <a:solidFill>
+                        <a:schemeClr val="tx1"/>
+                      </a:solidFill>
+                      <a:prstDash val="solid"/>
+                      <a:round/>
+                      <a:headEnd type="none" w="med" len="med"/>
+                      <a:tailEnd type="none" w="med" len="med"/>
+                    </a:lnR>
+                    <a:lnT w="12700" cap="flat" cmpd="sng" algn="ctr">
+                      <a:solidFill>
+                        <a:schemeClr val="tx1"/>
+                      </a:solidFill>
+                      <a:prstDash val="solid"/>
+                      <a:round/>
+                      <a:headEnd type="none" w="med" len="med"/>
+                      <a:tailEnd type="none" w="med" len="med"/>
+                    </a:lnT>
+                    <a:lnB w="12700" cap="flat" cmpd="sng" algn="ctr">
+                      <a:solidFill>
+                        <a:schemeClr val="tx1"/>
+                      </a:solidFill>
+                      <a:prstDash val="solid"/>
+                      <a:round/>
+                      <a:headEnd type="none" w="med" len="med"/>
+                      <a:tailEnd type="none" w="med" len="med"/>
+                    </a:lnB>
+                  </a:tcPr>
+                </a:tc>
+                <a:tc>
+                  <a:txBody>
+                    <a:bodyPr/>
+                    <a:lstStyle/>
+                    <a:p>
+                      <a:endParaRPr lang="en-US" dirty="0"/>
+                    </a:p>
+                  </a:txBody>
+                  <a:tcPr>
+                    <a:lnL w="12700" cap="flat" cmpd="sng" algn="ctr">
+                      <a:solidFill>
+                        <a:schemeClr val="tx1"/>
+                      </a:solidFill>
+                      <a:prstDash val="solid"/>
+                      <a:round/>
+                      <a:headEnd type="none" w="med" len="med"/>
+                      <a:tailEnd type="none" w="med" len="med"/>
+                    </a:lnL>
+                    <a:lnR w="12700" cap="flat" cmpd="sng" algn="ctr">
+                      <a:solidFill>
+                        <a:schemeClr val="tx1"/>
+                      </a:solidFill>
+                      <a:prstDash val="solid"/>
+                      <a:round/>
+                      <a:headEnd type="none" w="med" len="med"/>
+                      <a:tailEnd type="none" w="med" len="med"/>
+                    </a:lnR>
+                    <a:lnT w="12700" cap="flat" cmpd="sng" algn="ctr">
+                      <a:solidFill>
+                        <a:schemeClr val="tx1"/>
+                      </a:solidFill>
+                      <a:prstDash val="solid"/>
+                      <a:round/>
+                      <a:headEnd type="none" w="med" len="med"/>
+                      <a:tailEnd type="none" w="med" len="med"/>
+                    </a:lnT>
+                    <a:lnB w="12700" cap="flat" cmpd="sng" algn="ctr">
+                      <a:solidFill>
+                        <a:schemeClr val="tx1"/>
+                      </a:solidFill>
+                      <a:prstDash val="solid"/>
+                      <a:round/>
+                      <a:headEnd type="none" w="med" len="med"/>
+                      <a:tailEnd type="none" w="med" len="med"/>
+                    </a:lnB>
+                  </a:tcPr>
+                </a:tc>
+                <a:tc>
+                  <a:txBody>
+                    <a:bodyPr/>
+                    <a:lstStyle/>
+                    <a:p>
+                      <a:endParaRPr lang="en-US" dirty="0"/>
+                    </a:p>
+                  </a:txBody>
+                  <a:tcPr>
+                    <a:lnL w="12700" cap="flat" cmpd="sng" algn="ctr">
+                      <a:solidFill>
+                        <a:schemeClr val="tx1"/>
+                      </a:solidFill>
+                      <a:prstDash val="solid"/>
+                      <a:round/>
+                      <a:headEnd type="none" w="med" len="med"/>
+                      <a:tailEnd type="none" w="med" len="med"/>
+                    </a:lnL>
+                    <a:lnR w="12700" cap="flat" cmpd="sng" algn="ctr">
+                      <a:solidFill>
+                        <a:schemeClr val="tx1"/>
+                      </a:solidFill>
+                      <a:prstDash val="solid"/>
+                      <a:round/>
+                      <a:headEnd type="none" w="med" len="med"/>
+                      <a:tailEnd type="none" w="med" len="med"/>
+                    </a:lnR>
+                    <a:lnT w="12700" cap="flat" cmpd="sng" algn="ctr">
+                      <a:solidFill>
+                        <a:schemeClr val="tx1"/>
+                      </a:solidFill>
+                      <a:prstDash val="solid"/>
+                      <a:round/>
+                      <a:headEnd type="none" w="med" len="med"/>
+                      <a:tailEnd type="none" w="med" len="med"/>
+                    </a:lnT>
+                    <a:lnB w="12700" cap="flat" cmpd="sng" algn="ctr">
+                      <a:solidFill>
+                        <a:schemeClr val="tx1"/>
+                      </a:solidFill>
+                      <a:prstDash val="solid"/>
+                      <a:round/>
+                      <a:headEnd type="none" w="med" len="med"/>
+                      <a:tailEnd type="none" w="med" len="med"/>
+                    </a:lnB>
+                  </a:tcPr>
+                </a:tc>
+                <a:tc>
+                  <a:txBody>
+                    <a:bodyPr/>
+                    <a:lstStyle/>
+                    <a:p>
+                      <a:endParaRPr lang="en-US" dirty="0"/>
+                    </a:p>
+                  </a:txBody>
+                  <a:tcPr>
+                    <a:lnL w="12700" cap="flat" cmpd="sng" algn="ctr">
+                      <a:solidFill>
+                        <a:schemeClr val="tx1"/>
+                      </a:solidFill>
+                      <a:prstDash val="solid"/>
+                      <a:round/>
+                      <a:headEnd type="none" w="med" len="med"/>
+                      <a:tailEnd type="none" w="med" len="med"/>
+                    </a:lnL>
+                    <a:lnR w="12700" cap="flat" cmpd="sng" algn="ctr">
+                      <a:solidFill>
+                        <a:schemeClr val="tx1"/>
+                      </a:solidFill>
+                      <a:prstDash val="solid"/>
+                      <a:round/>
+                      <a:headEnd type="none" w="med" len="med"/>
+                      <a:tailEnd type="none" w="med" len="med"/>
+                    </a:lnR>
+                    <a:lnT w="12700" cap="flat" cmpd="sng" algn="ctr">
+                      <a:solidFill>
+                        <a:schemeClr val="tx1"/>
+                      </a:solidFill>
+                      <a:prstDash val="solid"/>
+                      <a:round/>
+                      <a:headEnd type="none" w="med" len="med"/>
+                      <a:tailEnd type="none" w="med" len="med"/>
+                    </a:lnT>
+                    <a:lnB w="12700" cap="flat" cmpd="sng" algn="ctr">
+                      <a:solidFill>
+                        <a:schemeClr val="tx1"/>
+                      </a:solidFill>
+                      <a:prstDash val="solid"/>
+                      <a:round/>
+                      <a:headEnd type="none" w="med" len="med"/>
+                      <a:tailEnd type="none" w="med" len="med"/>
+                    </a:lnB>
+                  </a:tcPr>
+                </a:tc>
+                <a:tc>
+                  <a:txBody>
+                    <a:bodyPr/>
+                    <a:lstStyle/>
+                    <a:p>
+                      <a:endParaRPr lang="en-US" dirty="0"/>
+                    </a:p>
+                  </a:txBody>
+                  <a:tcPr>
+                    <a:lnL w="12700" cap="flat" cmpd="sng" algn="ctr">
+                      <a:solidFill>
+                        <a:schemeClr val="tx1"/>
+                      </a:solidFill>
+                      <a:prstDash val="solid"/>
+                      <a:round/>
+                      <a:headEnd type="none" w="med" len="med"/>
+                      <a:tailEnd type="none" w="med" len="med"/>
+                    </a:lnL>
+                    <a:lnR w="12700" cap="flat" cmpd="sng" algn="ctr">
+                      <a:solidFill>
+                        <a:schemeClr val="tx1"/>
+                      </a:solidFill>
+                      <a:prstDash val="solid"/>
+                      <a:round/>
+                      <a:headEnd type="none" w="med" len="med"/>
+                      <a:tailEnd type="none" w="med" len="med"/>
+                    </a:lnR>
+                    <a:lnT w="12700" cap="flat" cmpd="sng" algn="ctr">
+                      <a:solidFill>
+                        <a:schemeClr val="tx1"/>
+                      </a:solidFill>
+                      <a:prstDash val="solid"/>
+                      <a:round/>
+                      <a:headEnd type="none" w="med" len="med"/>
+                      <a:tailEnd type="none" w="med" len="med"/>
+                    </a:lnT>
+                    <a:lnB w="12700" cap="flat" cmpd="sng" algn="ctr">
+                      <a:solidFill>
+                        <a:schemeClr val="tx1"/>
+                      </a:solidFill>
+                      <a:prstDash val="solid"/>
+                      <a:round/>
+                      <a:headEnd type="none" w="med" len="med"/>
+                      <a:tailEnd type="none" w="med" len="med"/>
+                    </a:lnB>
+                  </a:tcPr>
+                </a:tc>
+                <a:tc>
+                  <a:txBody>
+                    <a:bodyPr/>
+                    <a:lstStyle/>
+                    <a:p>
+                      <a:endParaRPr lang="en-US" dirty="0"/>
+                    </a:p>
+                  </a:txBody>
+                  <a:tcPr>
+                    <a:lnL w="12700" cap="flat" cmpd="sng" algn="ctr">
+                      <a:solidFill>
+                        <a:schemeClr val="tx1"/>
+                      </a:solidFill>
+                      <a:prstDash val="solid"/>
+                      <a:round/>
+                      <a:headEnd type="none" w="med" len="med"/>
+                      <a:tailEnd type="none" w="med" len="med"/>
+                    </a:lnL>
+                    <a:lnR w="12700" cap="flat" cmpd="sng" algn="ctr">
+                      <a:solidFill>
+                        <a:schemeClr val="tx1"/>
+                      </a:solidFill>
+                      <a:prstDash val="solid"/>
+                      <a:round/>
+                      <a:headEnd type="none" w="med" len="med"/>
+                      <a:tailEnd type="none" w="med" len="med"/>
+                    </a:lnR>
+                    <a:lnT w="12700" cap="flat" cmpd="sng" algn="ctr">
+                      <a:solidFill>
+                        <a:schemeClr val="tx1"/>
+                      </a:solidFill>
+                      <a:prstDash val="solid"/>
+                      <a:round/>
+                      <a:headEnd type="none" w="med" len="med"/>
+                      <a:tailEnd type="none" w="med" len="med"/>
+                    </a:lnT>
+                    <a:lnB w="12700" cap="flat" cmpd="sng" algn="ctr">
+                      <a:solidFill>
+                        <a:schemeClr val="tx1"/>
+                      </a:solidFill>
+                      <a:prstDash val="solid"/>
+                      <a:round/>
+                      <a:headEnd type="none" w="med" len="med"/>
+                      <a:tailEnd type="none" w="med" len="med"/>
+                    </a:lnB>
+                  </a:tcPr>
+                </a:tc>
+              </a:tr>
+              <a:tr h="941760">
+                <a:tc>
+                  <a:txBody>
+                    <a:bodyPr/>
+                    <a:lstStyle/>
+                    <a:p>
+                      <a:endParaRPr lang="en-US" dirty="0"/>
+                    </a:p>
+                  </a:txBody>
+                  <a:tcPr>
+                    <a:lnL w="12700" cap="flat" cmpd="sng" algn="ctr">
+                      <a:solidFill>
+                        <a:schemeClr val="tx1"/>
+                      </a:solidFill>
+                      <a:prstDash val="solid"/>
+                      <a:round/>
+                      <a:headEnd type="none" w="med" len="med"/>
+                      <a:tailEnd type="none" w="med" len="med"/>
+                    </a:lnL>
+                    <a:lnR w="12700" cap="flat" cmpd="sng" algn="ctr">
+                      <a:solidFill>
+                        <a:schemeClr val="tx1"/>
+                      </a:solidFill>
+                      <a:prstDash val="solid"/>
+                      <a:round/>
+                      <a:headEnd type="none" w="med" len="med"/>
+                      <a:tailEnd type="none" w="med" len="med"/>
+                    </a:lnR>
+                    <a:lnT w="12700" cap="flat" cmpd="sng" algn="ctr">
+                      <a:solidFill>
+                        <a:schemeClr val="tx1"/>
+                      </a:solidFill>
+                      <a:prstDash val="solid"/>
+                      <a:round/>
+                      <a:headEnd type="none" w="med" len="med"/>
+                      <a:tailEnd type="none" w="med" len="med"/>
+                    </a:lnT>
+                    <a:lnB w="12700" cap="flat" cmpd="sng" algn="ctr">
+                      <a:solidFill>
+                        <a:schemeClr val="tx1"/>
+                      </a:solidFill>
+                      <a:prstDash val="solid"/>
+                      <a:round/>
+                      <a:headEnd type="none" w="med" len="med"/>
+                      <a:tailEnd type="none" w="med" len="med"/>
+                    </a:lnB>
+                  </a:tcPr>
+                </a:tc>
+                <a:tc>
+                  <a:txBody>
+                    <a:bodyPr/>
+                    <a:lstStyle/>
+                    <a:p>
+                      <a:endParaRPr lang="en-US" dirty="0"/>
+                    </a:p>
+                  </a:txBody>
+                  <a:tcPr>
+                    <a:lnL w="12700" cap="flat" cmpd="sng" algn="ctr">
+                      <a:solidFill>
+                        <a:schemeClr val="tx1"/>
+                      </a:solidFill>
+                      <a:prstDash val="solid"/>
+                      <a:round/>
+                      <a:headEnd type="none" w="med" len="med"/>
+                      <a:tailEnd type="none" w="med" len="med"/>
+                    </a:lnL>
+                    <a:lnR w="12700" cap="flat" cmpd="sng" algn="ctr">
+                      <a:solidFill>
+                        <a:schemeClr val="tx1"/>
+                      </a:solidFill>
+                      <a:prstDash val="solid"/>
+                      <a:round/>
+                      <a:headEnd type="none" w="med" len="med"/>
+                      <a:tailEnd type="none" w="med" len="med"/>
+                    </a:lnR>
+                    <a:lnT w="12700" cap="flat" cmpd="sng" algn="ctr">
+                      <a:solidFill>
+                        <a:schemeClr val="tx1"/>
+                      </a:solidFill>
+                      <a:prstDash val="solid"/>
+                      <a:round/>
+                      <a:headEnd type="none" w="med" len="med"/>
+                      <a:tailEnd type="none" w="med" len="med"/>
+                    </a:lnT>
+                    <a:lnB w="12700" cap="flat" cmpd="sng" algn="ctr">
+                      <a:solidFill>
+                        <a:schemeClr val="tx1"/>
+                      </a:solidFill>
+                      <a:prstDash val="solid"/>
+                      <a:round/>
+                      <a:headEnd type="none" w="med" len="med"/>
+                      <a:tailEnd type="none" w="med" len="med"/>
+                    </a:lnB>
+                  </a:tcPr>
+                </a:tc>
+                <a:tc>
+                  <a:txBody>
+                    <a:bodyPr/>
+                    <a:lstStyle/>
+                    <a:p>
+                      <a:endParaRPr lang="en-US" dirty="0"/>
+                    </a:p>
+                  </a:txBody>
+                  <a:tcPr>
+                    <a:lnL w="12700" cap="flat" cmpd="sng" algn="ctr">
+                      <a:solidFill>
+                        <a:schemeClr val="tx1"/>
+                      </a:solidFill>
+                      <a:prstDash val="solid"/>
+                      <a:round/>
+                      <a:headEnd type="none" w="med" len="med"/>
+                      <a:tailEnd type="none" w="med" len="med"/>
+                    </a:lnL>
+                    <a:lnR w="12700" cap="flat" cmpd="sng" algn="ctr">
+                      <a:solidFill>
+                        <a:schemeClr val="tx1"/>
+                      </a:solidFill>
+                      <a:prstDash val="solid"/>
+                      <a:round/>
+                      <a:headEnd type="none" w="med" len="med"/>
+                      <a:tailEnd type="none" w="med" len="med"/>
+                    </a:lnR>
+                    <a:lnT w="12700" cap="flat" cmpd="sng" algn="ctr">
+                      <a:solidFill>
+                        <a:schemeClr val="tx1"/>
+                      </a:solidFill>
+                      <a:prstDash val="solid"/>
+                      <a:round/>
+                      <a:headEnd type="none" w="med" len="med"/>
+                      <a:tailEnd type="none" w="med" len="med"/>
+                    </a:lnT>
+                    <a:lnB w="12700" cap="flat" cmpd="sng" algn="ctr">
+                      <a:solidFill>
+                        <a:schemeClr val="tx1"/>
+                      </a:solidFill>
+                      <a:prstDash val="solid"/>
+                      <a:round/>
+                      <a:headEnd type="none" w="med" len="med"/>
+                      <a:tailEnd type="none" w="med" len="med"/>
+                    </a:lnB>
+                  </a:tcPr>
+                </a:tc>
+                <a:tc>
+                  <a:txBody>
+                    <a:bodyPr/>
+                    <a:lstStyle/>
+                    <a:p>
+                      <a:endParaRPr lang="en-US" dirty="0"/>
+                    </a:p>
+                  </a:txBody>
+                  <a:tcPr>
+                    <a:lnL w="12700" cap="flat" cmpd="sng" algn="ctr">
+                      <a:solidFill>
+                        <a:schemeClr val="tx1"/>
+                      </a:solidFill>
+                      <a:prstDash val="solid"/>
+                      <a:round/>
+                      <a:headEnd type="none" w="med" len="med"/>
+                      <a:tailEnd type="none" w="med" len="med"/>
+                    </a:lnL>
+                    <a:lnR w="12700" cap="flat" cmpd="sng" algn="ctr">
+                      <a:solidFill>
+                        <a:schemeClr val="tx1"/>
+                      </a:solidFill>
+                      <a:prstDash val="solid"/>
+                      <a:round/>
+                      <a:headEnd type="none" w="med" len="med"/>
+                      <a:tailEnd type="none" w="med" len="med"/>
+                    </a:lnR>
+                    <a:lnT w="12700" cap="flat" cmpd="sng" algn="ctr">
+                      <a:solidFill>
+                        <a:schemeClr val="tx1"/>
+                      </a:solidFill>
+                      <a:prstDash val="solid"/>
+                      <a:round/>
+                      <a:headEnd type="none" w="med" len="med"/>
+                      <a:tailEnd type="none" w="med" len="med"/>
+                    </a:lnT>
+                    <a:lnB w="12700" cap="flat" cmpd="sng" algn="ctr">
+                      <a:solidFill>
+                        <a:schemeClr val="tx1"/>
+                      </a:solidFill>
+                      <a:prstDash val="solid"/>
+                      <a:round/>
+                      <a:headEnd type="none" w="med" len="med"/>
+                      <a:tailEnd type="none" w="med" len="med"/>
+                    </a:lnB>
+                  </a:tcPr>
+                </a:tc>
+                <a:tc>
+                  <a:txBody>
+                    <a:bodyPr/>
+                    <a:lstStyle/>
+                    <a:p>
+                      <a:endParaRPr lang="en-US" dirty="0"/>
+                    </a:p>
+                  </a:txBody>
+                  <a:tcPr>
+                    <a:lnL w="12700" cap="flat" cmpd="sng" algn="ctr">
+                      <a:solidFill>
+                        <a:schemeClr val="tx1"/>
+                      </a:solidFill>
+                      <a:prstDash val="solid"/>
+                      <a:round/>
+                      <a:headEnd type="none" w="med" len="med"/>
+                      <a:tailEnd type="none" w="med" len="med"/>
+                    </a:lnL>
+                    <a:lnR w="12700" cap="flat" cmpd="sng" algn="ctr">
+                      <a:solidFill>
+                        <a:schemeClr val="tx1"/>
+                      </a:solidFill>
+                      <a:prstDash val="solid"/>
+                      <a:round/>
+                      <a:headEnd type="none" w="med" len="med"/>
+                      <a:tailEnd type="none" w="med" len="med"/>
+                    </a:lnR>
+                    <a:lnT w="12700" cap="flat" cmpd="sng" algn="ctr">
+                      <a:solidFill>
+                        <a:schemeClr val="tx1"/>
+                      </a:solidFill>
+                      <a:prstDash val="solid"/>
+                      <a:round/>
+                      <a:headEnd type="none" w="med" len="med"/>
+                      <a:tailEnd type="none" w="med" len="med"/>
+                    </a:lnT>
+                    <a:lnB w="12700" cap="flat" cmpd="sng" algn="ctr">
+                      <a:solidFill>
+                        <a:schemeClr val="tx1"/>
+                      </a:solidFill>
+                      <a:prstDash val="solid"/>
+                      <a:round/>
+                      <a:headEnd type="none" w="med" len="med"/>
+                      <a:tailEnd type="none" w="med" len="med"/>
+                    </a:lnB>
+                  </a:tcPr>
+                </a:tc>
+                <a:tc>
+                  <a:txBody>
+                    <a:bodyPr/>
+                    <a:lstStyle/>
+                    <a:p>
+                      <a:endParaRPr lang="en-US" dirty="0"/>
+                    </a:p>
+                  </a:txBody>
+                  <a:tcPr>
+                    <a:lnL w="12700" cap="flat" cmpd="sng" algn="ctr">
+                      <a:solidFill>
+                        <a:schemeClr val="tx1"/>
+                      </a:solidFill>
+                      <a:prstDash val="solid"/>
+                      <a:round/>
+                      <a:headEnd type="none" w="med" len="med"/>
+                      <a:tailEnd type="none" w="med" len="med"/>
+                    </a:lnL>
+                    <a:lnR w="12700" cap="flat" cmpd="sng" algn="ctr">
+                      <a:solidFill>
+                        <a:schemeClr val="tx1"/>
+                      </a:solidFill>
+                      <a:prstDash val="solid"/>
+                      <a:round/>
+                      <a:headEnd type="none" w="med" len="med"/>
+                      <a:tailEnd type="none" w="med" len="med"/>
+                    </a:lnR>
+                    <a:lnT w="12700" cap="flat" cmpd="sng" algn="ctr">
+                      <a:solidFill>
+                        <a:schemeClr val="tx1"/>
+                      </a:solidFill>
+                      <a:prstDash val="solid"/>
+                      <a:round/>
+                      <a:headEnd type="none" w="med" len="med"/>
+                      <a:tailEnd type="none" w="med" len="med"/>
+                    </a:lnT>
+                    <a:lnB w="12700" cap="flat" cmpd="sng" algn="ctr">
+                      <a:solidFill>
+                        <a:schemeClr val="tx1"/>
+                      </a:solidFill>
+                      <a:prstDash val="solid"/>
+                      <a:round/>
+                      <a:headEnd type="none" w="med" len="med"/>
+                      <a:tailEnd type="none" w="med" len="med"/>
+                    </a:lnB>
+                  </a:tcPr>
+                </a:tc>
+              </a:tr>
+            </a:tbl>
+          </a:graphicData>
+        </a:graphic>
+      </p:graphicFrame>
+      <p:sp>
+        <p:nvSpPr>
+          <p:cNvPr id="4" name="Oval 3"/>
+          <p:cNvSpPr/>
+          <p:nvPr/>
+        </p:nvSpPr>
+        <p:spPr>
+          <a:xfrm>
+            <a:off x="4748886" y="3466340"/>
+            <a:ext cx="773072" cy="674342"/>
+          </a:xfrm>
+          <a:prstGeom prst="ellipse">
+            <a:avLst/>
+          </a:prstGeom>
+        </p:spPr>
+        <p:style>
+          <a:lnRef idx="1">
+            <a:schemeClr val="accent2"/>
+          </a:lnRef>
+          <a:fillRef idx="2">
+            <a:schemeClr val="accent2"/>
+          </a:fillRef>
+          <a:effectRef idx="1">
+            <a:schemeClr val="accent2"/>
+          </a:effectRef>
+          <a:fontRef idx="minor">
+            <a:schemeClr val="dk1"/>
+          </a:fontRef>
+        </p:style>
+        <p:txBody>
+          <a:bodyPr rtlCol="0" anchor="ctr"/>
+          <a:lstStyle/>
+          <a:p>
+            <a:pPr algn="ctr"/>
+            <a:endParaRPr lang="en-US"/>
+          </a:p>
+        </p:txBody>
+      </p:sp>
+      <p:sp>
+        <p:nvSpPr>
+          <p:cNvPr id="14" name="Oval 13"/>
+          <p:cNvSpPr/>
+          <p:nvPr/>
+        </p:nvSpPr>
+        <p:spPr>
+          <a:xfrm>
+            <a:off x="7712437" y="3429000"/>
+            <a:ext cx="773072" cy="674342"/>
+          </a:xfrm>
+          <a:prstGeom prst="ellipse">
+            <a:avLst/>
+          </a:prstGeom>
+        </p:spPr>
+        <p:style>
+          <a:lnRef idx="1">
+            <a:schemeClr val="accent2"/>
+          </a:lnRef>
+          <a:fillRef idx="2">
+            <a:schemeClr val="accent2"/>
+          </a:fillRef>
+          <a:effectRef idx="1">
+            <a:schemeClr val="accent2"/>
+          </a:effectRef>
+          <a:fontRef idx="minor">
+            <a:schemeClr val="dk1"/>
+          </a:fontRef>
+        </p:style>
+        <p:txBody>
+          <a:bodyPr rtlCol="0" anchor="ctr"/>
+          <a:lstStyle/>
+          <a:p>
+            <a:pPr algn="ctr"/>
+            <a:endParaRPr lang="en-US"/>
+          </a:p>
+        </p:txBody>
+      </p:sp>
+      <p:sp>
+        <p:nvSpPr>
+          <p:cNvPr id="15" name="Oval 14"/>
+          <p:cNvSpPr/>
+          <p:nvPr/>
+        </p:nvSpPr>
+        <p:spPr>
+          <a:xfrm>
+            <a:off x="4732622" y="2492793"/>
+            <a:ext cx="773072" cy="674342"/>
+          </a:xfrm>
+          <a:prstGeom prst="ellipse">
+            <a:avLst/>
+          </a:prstGeom>
+        </p:spPr>
+        <p:style>
+          <a:lnRef idx="1">
+            <a:schemeClr val="accent2"/>
+          </a:lnRef>
+          <a:fillRef idx="2">
+            <a:schemeClr val="accent2"/>
+          </a:fillRef>
+          <a:effectRef idx="1">
+            <a:schemeClr val="accent2"/>
+          </a:effectRef>
+          <a:fontRef idx="minor">
+            <a:schemeClr val="dk1"/>
+          </a:fontRef>
+        </p:style>
+        <p:txBody>
+          <a:bodyPr rtlCol="0" anchor="ctr"/>
+          <a:lstStyle/>
+          <a:p>
+            <a:pPr algn="ctr"/>
+            <a:endParaRPr lang="en-US"/>
+          </a:p>
+        </p:txBody>
+      </p:sp>
+      <p:pic>
+        <p:nvPicPr>
+          <p:cNvPr id="17" name="Picture 16"/>
+          <p:cNvPicPr>
+            <a:picLocks noChangeAspect="1"/>
+          </p:cNvPicPr>
+          <p:nvPr/>
+        </p:nvPicPr>
+        <p:blipFill>
+          <a:blip r:embed="rId2">
+            <a:extLst>
+              <a:ext uri="{28A0092B-C50C-407E-A947-70E740481C1C}">
+                <a14:useLocalDpi xmlns:a14="http://schemas.microsoft.com/office/drawing/2010/main" val="0"/>
+              </a:ext>
+            </a:extLst>
+          </a:blip>
+          <a:stretch>
+            <a:fillRect/>
+          </a:stretch>
+        </p:blipFill>
+        <p:spPr>
+          <a:xfrm>
+            <a:off x="1990388" y="2492793"/>
+            <a:ext cx="2133600" cy="605814"/>
+          </a:xfrm>
+          <a:prstGeom prst="rect">
+            <a:avLst/>
+          </a:prstGeom>
+        </p:spPr>
+      </p:pic>
+      <p:sp>
+        <p:nvSpPr>
+          <p:cNvPr id="18" name="Oval 17"/>
+          <p:cNvSpPr/>
+          <p:nvPr/>
+        </p:nvSpPr>
+        <p:spPr>
+          <a:xfrm>
+            <a:off x="10745939" y="2512168"/>
+            <a:ext cx="773072" cy="674342"/>
+          </a:xfrm>
+          <a:prstGeom prst="ellipse">
+            <a:avLst/>
+          </a:prstGeom>
+        </p:spPr>
+        <p:style>
+          <a:lnRef idx="1">
+            <a:schemeClr val="accent2"/>
+          </a:lnRef>
+          <a:fillRef idx="2">
+            <a:schemeClr val="accent2"/>
+          </a:fillRef>
+          <a:effectRef idx="1">
+            <a:schemeClr val="accent2"/>
+          </a:effectRef>
+          <a:fontRef idx="minor">
+            <a:schemeClr val="dk1"/>
+          </a:fontRef>
+        </p:style>
+        <p:txBody>
+          <a:bodyPr rtlCol="0" anchor="ctr"/>
+          <a:lstStyle/>
+          <a:p>
+            <a:pPr algn="ctr"/>
+            <a:endParaRPr lang="en-US"/>
+          </a:p>
+        </p:txBody>
+      </p:sp>
+      <p:sp>
+        <p:nvSpPr>
+          <p:cNvPr id="19" name="Oval 18"/>
+          <p:cNvSpPr/>
+          <p:nvPr/>
+        </p:nvSpPr>
+        <p:spPr>
+          <a:xfrm>
+            <a:off x="6183172" y="2492793"/>
+            <a:ext cx="773072" cy="674342"/>
+          </a:xfrm>
+          <a:prstGeom prst="ellipse">
+            <a:avLst/>
+          </a:prstGeom>
+        </p:spPr>
+        <p:style>
+          <a:lnRef idx="1">
+            <a:schemeClr val="accent2"/>
+          </a:lnRef>
+          <a:fillRef idx="2">
+            <a:schemeClr val="accent2"/>
+          </a:fillRef>
+          <a:effectRef idx="1">
+            <a:schemeClr val="accent2"/>
+          </a:effectRef>
+          <a:fontRef idx="minor">
+            <a:schemeClr val="dk1"/>
+          </a:fontRef>
+        </p:style>
+        <p:txBody>
+          <a:bodyPr rtlCol="0" anchor="ctr"/>
+          <a:lstStyle/>
+          <a:p>
+            <a:pPr algn="ctr"/>
+            <a:endParaRPr lang="en-US"/>
+          </a:p>
+        </p:txBody>
+      </p:sp>
+      <p:sp>
+        <p:nvSpPr>
+          <p:cNvPr id="21" name="Oval 20"/>
+          <p:cNvSpPr/>
+          <p:nvPr/>
+        </p:nvSpPr>
+        <p:spPr>
+          <a:xfrm>
+            <a:off x="6199379" y="3404198"/>
+            <a:ext cx="773072" cy="674342"/>
+          </a:xfrm>
+          <a:prstGeom prst="ellipse">
+            <a:avLst/>
+          </a:prstGeom>
+        </p:spPr>
+        <p:style>
+          <a:lnRef idx="1">
+            <a:schemeClr val="accent2"/>
+          </a:lnRef>
+          <a:fillRef idx="2">
+            <a:schemeClr val="accent2"/>
+          </a:fillRef>
+          <a:effectRef idx="1">
+            <a:schemeClr val="accent2"/>
+          </a:effectRef>
+          <a:fontRef idx="minor">
+            <a:schemeClr val="dk1"/>
+          </a:fontRef>
+        </p:style>
+        <p:txBody>
+          <a:bodyPr rtlCol="0" anchor="ctr"/>
+          <a:lstStyle/>
+          <a:p>
+            <a:pPr algn="ctr"/>
+            <a:endParaRPr lang="en-US"/>
+          </a:p>
+        </p:txBody>
+      </p:sp>
+      <p:sp>
+        <p:nvSpPr>
+          <p:cNvPr id="24" name="&quot;No&quot; Symbol 23"/>
+          <p:cNvSpPr/>
+          <p:nvPr/>
+        </p:nvSpPr>
+        <p:spPr>
+          <a:xfrm>
+            <a:off x="9323808" y="2416209"/>
+            <a:ext cx="856056" cy="687938"/>
+          </a:xfrm>
+          <a:prstGeom prst="noSmoking">
+            <a:avLst/>
+          </a:prstGeom>
+        </p:spPr>
+        <p:style>
+          <a:lnRef idx="1">
+            <a:schemeClr val="accent2"/>
+          </a:lnRef>
+          <a:fillRef idx="2">
+            <a:schemeClr val="accent2"/>
+          </a:fillRef>
+          <a:effectRef idx="1">
+            <a:schemeClr val="accent2"/>
+          </a:effectRef>
+          <a:fontRef idx="minor">
+            <a:schemeClr val="dk1"/>
+          </a:fontRef>
+        </p:style>
+        <p:txBody>
+          <a:bodyPr rtlCol="0" anchor="ctr"/>
+          <a:lstStyle/>
+          <a:p>
+            <a:pPr algn="ctr"/>
+            <a:endParaRPr lang="en-US">
+              <a:solidFill>
+                <a:schemeClr val="tx1"/>
+              </a:solidFill>
+            </a:endParaRPr>
+          </a:p>
+        </p:txBody>
+      </p:sp>
+      <p:sp>
+        <p:nvSpPr>
+          <p:cNvPr id="25" name="&quot;No&quot; Symbol 24"/>
+          <p:cNvSpPr/>
+          <p:nvPr/>
+        </p:nvSpPr>
+        <p:spPr>
+          <a:xfrm>
+            <a:off x="10783028" y="3415404"/>
+            <a:ext cx="856056" cy="687938"/>
+          </a:xfrm>
+          <a:prstGeom prst="noSmoking">
+            <a:avLst/>
+          </a:prstGeom>
+        </p:spPr>
+        <p:style>
+          <a:lnRef idx="1">
+            <a:schemeClr val="accent2"/>
+          </a:lnRef>
+          <a:fillRef idx="2">
+            <a:schemeClr val="accent2"/>
+          </a:fillRef>
+          <a:effectRef idx="1">
+            <a:schemeClr val="accent2"/>
+          </a:effectRef>
+          <a:fontRef idx="minor">
+            <a:schemeClr val="dk1"/>
+          </a:fontRef>
+        </p:style>
+        <p:txBody>
+          <a:bodyPr rtlCol="0" anchor="ctr"/>
+          <a:lstStyle/>
+          <a:p>
+            <a:pPr algn="ctr"/>
+            <a:endParaRPr lang="en-US">
+              <a:solidFill>
+                <a:schemeClr val="tx1"/>
+              </a:solidFill>
+            </a:endParaRPr>
+          </a:p>
+        </p:txBody>
+      </p:sp>
+      <p:sp>
+        <p:nvSpPr>
+          <p:cNvPr id="26" name="&quot;No&quot; Symbol 25"/>
+          <p:cNvSpPr/>
+          <p:nvPr/>
+        </p:nvSpPr>
+        <p:spPr>
+          <a:xfrm>
+            <a:off x="7711998" y="2451731"/>
+            <a:ext cx="856056" cy="687938"/>
+          </a:xfrm>
+          <a:prstGeom prst="noSmoking">
+            <a:avLst/>
+          </a:prstGeom>
+        </p:spPr>
+        <p:style>
+          <a:lnRef idx="1">
+            <a:schemeClr val="accent2"/>
+          </a:lnRef>
+          <a:fillRef idx="2">
+            <a:schemeClr val="accent2"/>
+          </a:fillRef>
+          <a:effectRef idx="1">
+            <a:schemeClr val="accent2"/>
+          </a:effectRef>
+          <a:fontRef idx="minor">
+            <a:schemeClr val="dk1"/>
+          </a:fontRef>
+        </p:style>
+        <p:txBody>
+          <a:bodyPr rtlCol="0" anchor="ctr"/>
+          <a:lstStyle/>
+          <a:p>
+            <a:pPr algn="ctr"/>
+            <a:endParaRPr lang="en-US">
+              <a:solidFill>
+                <a:schemeClr val="tx1"/>
+              </a:solidFill>
+            </a:endParaRPr>
+          </a:p>
+        </p:txBody>
+      </p:sp>
+      <p:sp>
+        <p:nvSpPr>
+          <p:cNvPr id="27" name="Oval 26"/>
+          <p:cNvSpPr/>
+          <p:nvPr/>
+        </p:nvSpPr>
+        <p:spPr>
+          <a:xfrm>
+            <a:off x="9365300" y="3472273"/>
+            <a:ext cx="773072" cy="674342"/>
+          </a:xfrm>
+          <a:prstGeom prst="ellipse">
+            <a:avLst/>
+          </a:prstGeom>
+        </p:spPr>
+        <p:style>
+          <a:lnRef idx="1">
+            <a:schemeClr val="accent2"/>
+          </a:lnRef>
+          <a:fillRef idx="2">
+            <a:schemeClr val="accent2"/>
+          </a:fillRef>
+          <a:effectRef idx="1">
+            <a:schemeClr val="accent2"/>
+          </a:effectRef>
+          <a:fontRef idx="minor">
+            <a:schemeClr val="dk1"/>
+          </a:fontRef>
+        </p:style>
+        <p:txBody>
+          <a:bodyPr rtlCol="0" anchor="ctr"/>
+          <a:lstStyle/>
+          <a:p>
+            <a:pPr algn="ctr"/>
+            <a:endParaRPr lang="en-US"/>
+          </a:p>
+        </p:txBody>
+      </p:sp>
+      <p:pic>
+        <p:nvPicPr>
+          <p:cNvPr id="28" name="Picture 27"/>
+          <p:cNvPicPr>
+            <a:picLocks noChangeAspect="1"/>
+          </p:cNvPicPr>
+          <p:nvPr/>
+        </p:nvPicPr>
+        <p:blipFill>
+          <a:blip r:embed="rId3" cstate="print">
+            <a:extLst>
+              <a:ext uri="{28A0092B-C50C-407E-A947-70E740481C1C}">
+                <a14:useLocalDpi xmlns:a14="http://schemas.microsoft.com/office/drawing/2010/main" val="0"/>
+              </a:ext>
+            </a:extLst>
+          </a:blip>
+          <a:stretch>
+            <a:fillRect/>
+          </a:stretch>
+        </p:blipFill>
+        <p:spPr>
+          <a:xfrm>
+            <a:off x="2016380" y="2924868"/>
+            <a:ext cx="1836451" cy="1836451"/>
+          </a:xfrm>
+          <a:prstGeom prst="rect">
+            <a:avLst/>
+          </a:prstGeom>
+        </p:spPr>
+      </p:pic>
     </p:spTree>
     <p:extLst>
       <p:ext uri="{BB962C8B-B14F-4D97-AF65-F5344CB8AC3E}">
-        <p14:creationId xmlns:p14="http://schemas.microsoft.com/office/powerpoint/2010/main" val="285194977"/>
+        <p14:creationId xmlns:p14="http://schemas.microsoft.com/office/powerpoint/2010/main" val="1648180212"/>
       </p:ext>
     </p:extLst>
   </p:cSld>
@@ -11761,35 +13185,33 @@
         </p:nvSpPr>
         <p:spPr>
           <a:xfrm>
-            <a:off x="1293812" y="152400"/>
-            <a:ext cx="9601200" cy="1143000"/>
+            <a:off x="1522412" y="381000"/>
+            <a:ext cx="10016104" cy="1752599"/>
           </a:xfrm>
         </p:spPr>
         <p:txBody>
-          <a:bodyPr/>
+          <a:bodyPr>
+            <a:normAutofit/>
+          </a:bodyPr>
           <a:lstStyle/>
           <a:p>
-            <a:pPr algn="ctr"/>
+            <a:pPr algn="l"/>
             <a:r>
-              <a:rPr lang="en-US" dirty="0" smtClean="0"/>
-              <a:t>Notre </a:t>
+              <a:rPr lang="en-US" sz="4400" dirty="0" smtClean="0">
+                <a:latin typeface="Comic Sans MS" panose="030F0702030302020204" pitchFamily="66" charset="0"/>
+              </a:rPr>
+              <a:t>Perspectives</a:t>
             </a:r>
-            <a:r>
-              <a:rPr lang="en-US" dirty="0" err="1" smtClean="0"/>
-              <a:t>Produit</a:t>
-            </a:r>
-            <a:r>
-              <a:rPr lang="en-US" dirty="0" smtClean="0"/>
-              <a:t> (Mobile)</a:t>
-            </a:r>
-            <a:endParaRPr lang="en-US" dirty="0"/>
+            <a:endParaRPr lang="en-US" sz="4400" dirty="0">
+              <a:latin typeface="Comic Sans MS" panose="030F0702030302020204" pitchFamily="66" charset="0"/>
+            </a:endParaRPr>
           </a:p>
         </p:txBody>
       </p:sp>
     </p:spTree>
     <p:extLst>
       <p:ext uri="{BB962C8B-B14F-4D97-AF65-F5344CB8AC3E}">
-        <p14:creationId xmlns:p14="http://schemas.microsoft.com/office/powerpoint/2010/main" val="1305913753"/>
+        <p14:creationId xmlns:p14="http://schemas.microsoft.com/office/powerpoint/2010/main" val="174846089"/>
       </p:ext>
     </p:extLst>
   </p:cSld>
@@ -11847,35 +13269,372 @@
         </p:nvSpPr>
         <p:spPr>
           <a:xfrm>
-            <a:off x="1293812" y="152400"/>
-            <a:ext cx="9601200" cy="1143000"/>
+            <a:off x="1674812" y="76200"/>
+            <a:ext cx="10016104" cy="1137634"/>
           </a:xfrm>
         </p:spPr>
         <p:txBody>
-          <a:bodyPr/>
+          <a:bodyPr>
+            <a:normAutofit/>
+          </a:bodyPr>
           <a:lstStyle/>
           <a:p>
-            <a:pPr algn="ctr"/>
+            <a:pPr algn="l"/>
             <a:r>
-              <a:rPr lang="en-US" dirty="0" smtClean="0"/>
+              <a:rPr lang="en-US" sz="4400" b="1" dirty="0" smtClean="0">
+                <a:latin typeface="Comic Sans MS" panose="030F0702030302020204" pitchFamily="66" charset="0"/>
+              </a:rPr>
               <a:t>Notre </a:t>
             </a:r>
             <a:r>
-              <a:rPr lang="en-US" dirty="0" err="1" smtClean="0"/>
-              <a:t>Produit</a:t>
+              <a:rPr lang="fr-HT" sz="4400" b="1" dirty="0" smtClean="0">
+                <a:latin typeface="Comic Sans MS" panose="030F0702030302020204" pitchFamily="66" charset="0"/>
+              </a:rPr>
+              <a:t>équipe</a:t>
             </a:r>
+            <a:endParaRPr lang="fr-HT" sz="4400" b="1" dirty="0">
+              <a:latin typeface="Comic Sans MS" panose="030F0702030302020204" pitchFamily="66" charset="0"/>
+            </a:endParaRPr>
+          </a:p>
+        </p:txBody>
+      </p:sp>
+      <p:pic>
+        <p:nvPicPr>
+          <p:cNvPr id="3" name="Picture 2"/>
+          <p:cNvPicPr>
+            <a:picLocks noChangeAspect="1"/>
+          </p:cNvPicPr>
+          <p:nvPr/>
+        </p:nvPicPr>
+        <p:blipFill>
+          <a:blip r:embed="rId2" cstate="print">
+            <a:extLst>
+              <a:ext uri="{28A0092B-C50C-407E-A947-70E740481C1C}">
+                <a14:useLocalDpi xmlns:a14="http://schemas.microsoft.com/office/drawing/2010/main" val="0"/>
+              </a:ext>
+            </a:extLst>
+          </a:blip>
+          <a:stretch>
+            <a:fillRect/>
+          </a:stretch>
+        </p:blipFill>
+        <p:spPr>
+          <a:xfrm>
+            <a:off x="9469395" y="5904688"/>
+            <a:ext cx="2590818" cy="953312"/>
+          </a:xfrm>
+          <a:prstGeom prst="rect">
+            <a:avLst/>
+          </a:prstGeom>
+        </p:spPr>
+      </p:pic>
+      <p:pic>
+        <p:nvPicPr>
+          <p:cNvPr id="4" name="Image 5" descr="guest.jpg"/>
+          <p:cNvPicPr>
+            <a:picLocks noChangeAspect="1"/>
+          </p:cNvPicPr>
+          <p:nvPr/>
+        </p:nvPicPr>
+        <p:blipFill>
+          <a:blip r:embed="rId3"/>
+          <a:stretch>
+            <a:fillRect/>
+          </a:stretch>
+        </p:blipFill>
+        <p:spPr>
+          <a:xfrm>
+            <a:off x="1751012" y="1447800"/>
+            <a:ext cx="1778000" cy="1764665"/>
+          </a:xfrm>
+          <a:prstGeom prst="rect">
+            <a:avLst/>
+          </a:prstGeom>
+          <a:ln>
+            <a:noFill/>
+          </a:ln>
+          <a:effectLst>
+            <a:softEdge rad="112500"/>
+          </a:effectLst>
+        </p:spPr>
+      </p:pic>
+      <p:pic>
+        <p:nvPicPr>
+          <p:cNvPr id="5" name="Image 5" descr="guest.jpg"/>
+          <p:cNvPicPr>
+            <a:picLocks noChangeAspect="1"/>
+          </p:cNvPicPr>
+          <p:nvPr/>
+        </p:nvPicPr>
+        <p:blipFill>
+          <a:blip r:embed="rId3"/>
+          <a:stretch>
+            <a:fillRect/>
+          </a:stretch>
+        </p:blipFill>
+        <p:spPr>
+          <a:xfrm>
+            <a:off x="4341812" y="2330132"/>
+            <a:ext cx="1778000" cy="1764665"/>
+          </a:xfrm>
+          <a:prstGeom prst="rect">
+            <a:avLst/>
+          </a:prstGeom>
+          <a:ln>
+            <a:noFill/>
+          </a:ln>
+          <a:effectLst>
+            <a:softEdge rad="112500"/>
+          </a:effectLst>
+        </p:spPr>
+      </p:pic>
+      <p:pic>
+        <p:nvPicPr>
+          <p:cNvPr id="6" name="Image 5" descr="guest.jpg"/>
+          <p:cNvPicPr>
+            <a:picLocks noChangeAspect="1"/>
+          </p:cNvPicPr>
+          <p:nvPr/>
+        </p:nvPicPr>
+        <p:blipFill>
+          <a:blip r:embed="rId3"/>
+          <a:stretch>
+            <a:fillRect/>
+          </a:stretch>
+        </p:blipFill>
+        <p:spPr>
+          <a:xfrm>
+            <a:off x="7161212" y="1113892"/>
+            <a:ext cx="1778000" cy="1764665"/>
+          </a:xfrm>
+          <a:prstGeom prst="rect">
+            <a:avLst/>
+          </a:prstGeom>
+          <a:ln>
+            <a:noFill/>
+          </a:ln>
+          <a:effectLst>
+            <a:softEdge rad="112500"/>
+          </a:effectLst>
+        </p:spPr>
+      </p:pic>
+      <p:pic>
+        <p:nvPicPr>
+          <p:cNvPr id="7" name="Image 5" descr="guest.jpg"/>
+          <p:cNvPicPr>
+            <a:picLocks noChangeAspect="1"/>
+          </p:cNvPicPr>
+          <p:nvPr/>
+        </p:nvPicPr>
+        <p:blipFill>
+          <a:blip r:embed="rId3"/>
+          <a:stretch>
+            <a:fillRect/>
+          </a:stretch>
+        </p:blipFill>
+        <p:spPr>
+          <a:xfrm>
+            <a:off x="9443794" y="2327600"/>
+            <a:ext cx="1778000" cy="1764665"/>
+          </a:xfrm>
+          <a:prstGeom prst="rect">
+            <a:avLst/>
+          </a:prstGeom>
+          <a:ln>
+            <a:noFill/>
+          </a:ln>
+          <a:effectLst>
+            <a:softEdge rad="112500"/>
+          </a:effectLst>
+        </p:spPr>
+      </p:pic>
+      <p:sp>
+        <p:nvSpPr>
+          <p:cNvPr id="8" name="ZoneTexte 12"/>
+          <p:cNvSpPr txBox="1"/>
+          <p:nvPr/>
+        </p:nvSpPr>
+        <p:spPr>
+          <a:xfrm>
+            <a:off x="1751012" y="3261765"/>
+            <a:ext cx="1752600" cy="646331"/>
+          </a:xfrm>
+          <a:prstGeom prst="rect">
+            <a:avLst/>
+          </a:prstGeom>
+          <a:noFill/>
+        </p:spPr>
+        <p:txBody>
+          <a:bodyPr wrap="square" rtlCol="0">
+            <a:spAutoFit/>
+          </a:bodyPr>
+          <a:lstStyle/>
+          <a:p>
+            <a:pPr algn="ctr"/>
             <a:r>
-              <a:rPr lang="en-US" dirty="0" smtClean="0"/>
-              <a:t> (Mobile)</a:t>
+              <a:rPr lang="en-US" b="1" dirty="0" smtClean="0">
+                <a:solidFill>
+                  <a:srgbClr val="554117"/>
+                </a:solidFill>
+              </a:rPr>
+              <a:t>Alcindor Amanda</a:t>
             </a:r>
-            <a:endParaRPr lang="en-US" dirty="0"/>
+            <a:endParaRPr lang="en-US" b="1" dirty="0">
+              <a:solidFill>
+                <a:srgbClr val="554117"/>
+              </a:solidFill>
+            </a:endParaRPr>
+          </a:p>
+        </p:txBody>
+      </p:sp>
+      <p:sp>
+        <p:nvSpPr>
+          <p:cNvPr id="9" name="ZoneTexte 12"/>
+          <p:cNvSpPr txBox="1"/>
+          <p:nvPr/>
+        </p:nvSpPr>
+        <p:spPr>
+          <a:xfrm>
+            <a:off x="4703762" y="4130472"/>
+            <a:ext cx="1054100" cy="646331"/>
+          </a:xfrm>
+          <a:prstGeom prst="rect">
+            <a:avLst/>
+          </a:prstGeom>
+          <a:noFill/>
+        </p:spPr>
+        <p:txBody>
+          <a:bodyPr wrap="square" rtlCol="0">
+            <a:spAutoFit/>
+          </a:bodyPr>
+          <a:lstStyle/>
+          <a:p>
+            <a:pPr algn="ctr"/>
+            <a:r>
+              <a:rPr lang="en-US" b="1" dirty="0" smtClean="0">
+                <a:solidFill>
+                  <a:srgbClr val="554117"/>
+                </a:solidFill>
+              </a:rPr>
+              <a:t>Thodly Dugue</a:t>
+            </a:r>
+            <a:endParaRPr lang="en-US" b="1" dirty="0">
+              <a:solidFill>
+                <a:srgbClr val="554117"/>
+              </a:solidFill>
+            </a:endParaRPr>
+          </a:p>
+        </p:txBody>
+      </p:sp>
+      <p:sp>
+        <p:nvSpPr>
+          <p:cNvPr id="10" name="ZoneTexte 12"/>
+          <p:cNvSpPr txBox="1"/>
+          <p:nvPr/>
+        </p:nvSpPr>
+        <p:spPr>
+          <a:xfrm>
+            <a:off x="7161212" y="3064408"/>
+            <a:ext cx="1752600" cy="646331"/>
+          </a:xfrm>
+          <a:prstGeom prst="rect">
+            <a:avLst/>
+          </a:prstGeom>
+          <a:noFill/>
+        </p:spPr>
+        <p:txBody>
+          <a:bodyPr wrap="square" rtlCol="0">
+            <a:spAutoFit/>
+          </a:bodyPr>
+          <a:lstStyle/>
+          <a:p>
+            <a:pPr algn="ctr"/>
+            <a:r>
+              <a:rPr lang="en-US" b="1" dirty="0" smtClean="0">
+                <a:solidFill>
+                  <a:srgbClr val="554117"/>
+                </a:solidFill>
+              </a:rPr>
+              <a:t>Laguerre</a:t>
+            </a:r>
+          </a:p>
+          <a:p>
+            <a:pPr algn="ctr"/>
+            <a:r>
+              <a:rPr lang="en-US" b="1" dirty="0" err="1" smtClean="0">
+                <a:solidFill>
+                  <a:srgbClr val="554117"/>
+                </a:solidFill>
+              </a:rPr>
+              <a:t>Vellie</a:t>
+            </a:r>
+            <a:endParaRPr lang="en-US" b="1" dirty="0">
+              <a:solidFill>
+                <a:srgbClr val="554117"/>
+              </a:solidFill>
+            </a:endParaRPr>
+          </a:p>
+        </p:txBody>
+      </p:sp>
+      <p:sp>
+        <p:nvSpPr>
+          <p:cNvPr id="11" name="ZoneTexte 12"/>
+          <p:cNvSpPr txBox="1"/>
+          <p:nvPr/>
+        </p:nvSpPr>
+        <p:spPr>
+          <a:xfrm>
+            <a:off x="9469395" y="4151123"/>
+            <a:ext cx="1752600" cy="646331"/>
+          </a:xfrm>
+          <a:prstGeom prst="rect">
+            <a:avLst/>
+          </a:prstGeom>
+          <a:noFill/>
+        </p:spPr>
+        <p:txBody>
+          <a:bodyPr wrap="square" rtlCol="0">
+            <a:spAutoFit/>
+          </a:bodyPr>
+          <a:lstStyle/>
+          <a:p>
+            <a:pPr algn="ctr"/>
+            <a:r>
+              <a:rPr lang="en-US" b="1" dirty="0" err="1" smtClean="0">
+                <a:solidFill>
+                  <a:srgbClr val="554117"/>
+                </a:solidFill>
+              </a:rPr>
+              <a:t>Ladouceur</a:t>
+            </a:r>
+            <a:endParaRPr lang="en-US" b="1" dirty="0" smtClean="0">
+              <a:solidFill>
+                <a:srgbClr val="554117"/>
+              </a:solidFill>
+            </a:endParaRPr>
+          </a:p>
+          <a:p>
+            <a:pPr algn="ctr"/>
+            <a:r>
+              <a:rPr lang="en-US" b="1" dirty="0" smtClean="0">
+                <a:solidFill>
+                  <a:srgbClr val="554117"/>
+                </a:solidFill>
+              </a:rPr>
+              <a:t>Lyse</a:t>
+            </a:r>
+            <a:endParaRPr lang="en-US" b="1" dirty="0">
+              <a:solidFill>
+                <a:srgbClr val="554117"/>
+              </a:solidFill>
+            </a:endParaRPr>
           </a:p>
         </p:txBody>
       </p:sp>
     </p:spTree>
     <p:extLst>
       <p:ext uri="{BB962C8B-B14F-4D97-AF65-F5344CB8AC3E}">
-        <p14:creationId xmlns:p14="http://schemas.microsoft.com/office/powerpoint/2010/main" val="982031248"/>
+        <p14:creationId xmlns:p14="http://schemas.microsoft.com/office/powerpoint/2010/main" val="116377946"/>
       </p:ext>
     </p:extLst>
   </p:cSld>
@@ -11938,14 +13697,20 @@
           </a:xfrm>
         </p:spPr>
         <p:txBody>
-          <a:bodyPr/>
+          <a:bodyPr>
+            <a:normAutofit/>
+          </a:bodyPr>
           <a:lstStyle/>
           <a:p>
             <a:r>
-              <a:rPr lang="en-US" dirty="0" smtClean="0"/>
+              <a:rPr lang="en-US" sz="4400" b="1" dirty="0" smtClean="0">
+                <a:latin typeface="Comic Sans MS" panose="030F0702030302020204" pitchFamily="66" charset="0"/>
+              </a:rPr>
               <a:t>DEMO</a:t>
             </a:r>
-            <a:endParaRPr lang="en-US" dirty="0"/>
+            <a:endParaRPr lang="en-US" sz="4400" b="1" dirty="0">
+              <a:latin typeface="Comic Sans MS" panose="030F0702030302020204" pitchFamily="66" charset="0"/>
+            </a:endParaRPr>
           </a:p>
         </p:txBody>
       </p:sp>
@@ -11961,8 +13726,8 @@
         </p:nvSpPr>
         <p:spPr>
           <a:xfrm>
-            <a:off x="5484812" y="228600"/>
-            <a:ext cx="6553200" cy="6400800"/>
+            <a:off x="4494212" y="228600"/>
+            <a:ext cx="7467600" cy="6400800"/>
           </a:xfrm>
         </p:spPr>
       </p:sp>
@@ -11970,84 +13735,6 @@
     <p:extLst>
       <p:ext uri="{BB962C8B-B14F-4D97-AF65-F5344CB8AC3E}">
         <p14:creationId xmlns:p14="http://schemas.microsoft.com/office/powerpoint/2010/main" val="235593404"/>
-      </p:ext>
-    </p:extLst>
-  </p:cSld>
-  <p:clrMapOvr>
-    <a:masterClrMapping/>
-  </p:clrMapOvr>
-  <mc:AlternateContent xmlns:mc="http://schemas.openxmlformats.org/markup-compatibility/2006" xmlns:p14="http://schemas.microsoft.com/office/powerpoint/2010/main">
-    <mc:Choice Requires="p14">
-      <p:transition spd="med" p14:dur="700">
-        <p:fade/>
-      </p:transition>
-    </mc:Choice>
-    <mc:Fallback xmlns="">
-      <p:transition spd="med">
-        <p:fade/>
-      </p:transition>
-    </mc:Fallback>
-  </mc:AlternateContent>
-  <p:timing>
-    <p:tnLst>
-      <p:par>
-        <p:cTn id="1" dur="indefinite" restart="never" nodeType="tmRoot"/>
-      </p:par>
-    </p:tnLst>
-  </p:timing>
-</p:sld>
-</file>
-
-<file path=ppt/slides/slide15.xml><?xml version="1.0" encoding="utf-8"?>
-<p:sld xmlns:a="http://schemas.openxmlformats.org/drawingml/2006/main" xmlns:r="http://schemas.openxmlformats.org/officeDocument/2006/relationships" xmlns:p="http://schemas.openxmlformats.org/presentationml/2006/main">
-  <p:cSld>
-    <p:spTree>
-      <p:nvGrpSpPr>
-        <p:cNvPr id="1" name=""/>
-        <p:cNvGrpSpPr/>
-        <p:nvPr/>
-      </p:nvGrpSpPr>
-      <p:grpSpPr>
-        <a:xfrm>
-          <a:off x="0" y="0"/>
-          <a:ext cx="0" cy="0"/>
-          <a:chOff x="0" y="0"/>
-          <a:chExt cx="0" cy="0"/>
-        </a:xfrm>
-      </p:grpSpPr>
-      <p:sp>
-        <p:nvSpPr>
-          <p:cNvPr id="5" name="Title 4"/>
-          <p:cNvSpPr>
-            <a:spLocks noGrp="1"/>
-          </p:cNvSpPr>
-          <p:nvPr>
-            <p:ph type="title"/>
-          </p:nvPr>
-        </p:nvSpPr>
-        <p:spPr>
-          <a:xfrm>
-            <a:off x="1293812" y="2895600"/>
-            <a:ext cx="9601200" cy="1143000"/>
-          </a:xfrm>
-        </p:spPr>
-        <p:txBody>
-          <a:bodyPr/>
-          <a:lstStyle/>
-          <a:p>
-            <a:pPr algn="ctr"/>
-            <a:r>
-              <a:rPr lang="en-US" dirty="0" smtClean="0"/>
-              <a:t>MERCI !!!!!</a:t>
-            </a:r>
-            <a:endParaRPr lang="en-US" dirty="0"/>
-          </a:p>
-        </p:txBody>
-      </p:sp>
-    </p:spTree>
-    <p:extLst>
-      <p:ext uri="{BB962C8B-B14F-4D97-AF65-F5344CB8AC3E}">
-        <p14:creationId xmlns:p14="http://schemas.microsoft.com/office/powerpoint/2010/main" val="2536502060"/>
       </p:ext>
     </p:extLst>
   </p:cSld>
@@ -13377,42 +15064,8 @@
         </p:nvSpPr>
         <p:spPr>
           <a:xfrm>
-            <a:off x="1598612" y="367294"/>
-            <a:ext cx="4310139" cy="1066800"/>
-          </a:xfrm>
-        </p:spPr>
-        <p:txBody>
-          <a:bodyPr>
-            <a:noAutofit/>
-          </a:bodyPr>
-          <a:lstStyle/>
-          <a:p>
-            <a:r>
-              <a:rPr lang="fr-HT" sz="4400" b="1" dirty="0" smtClean="0">
-                <a:latin typeface="Comic Sans MS" panose="030F0702030302020204" pitchFamily="66" charset="0"/>
-              </a:rPr>
-              <a:t>Avantages</a:t>
-            </a:r>
-            <a:endParaRPr lang="fr-HT" sz="4400" b="1" dirty="0">
-              <a:latin typeface="Comic Sans MS" panose="030F0702030302020204" pitchFamily="66" charset="0"/>
-            </a:endParaRPr>
-          </a:p>
-        </p:txBody>
-      </p:sp>
-      <p:sp>
-        <p:nvSpPr>
-          <p:cNvPr id="4" name="Text Placeholder 3"/>
-          <p:cNvSpPr>
-            <a:spLocks noGrp="1"/>
-          </p:cNvSpPr>
-          <p:nvPr>
-            <p:ph type="body" sz="half" idx="2"/>
-          </p:nvPr>
-        </p:nvSpPr>
-        <p:spPr>
-          <a:xfrm>
-            <a:off x="1979612" y="1828800"/>
-            <a:ext cx="3581400" cy="1981200"/>
+            <a:off x="1598612" y="163132"/>
+            <a:ext cx="9601200" cy="1143000"/>
           </a:xfrm>
         </p:spPr>
         <p:txBody>
@@ -13421,55 +15074,52 @@
           </a:bodyPr>
           <a:lstStyle/>
           <a:p>
-            <a:pPr marL="342900" indent="-342900" algn="l">
-              <a:buFont typeface="Arial" panose="020B0604020202020204" pitchFamily="34" charset="0"/>
-              <a:buChar char="•"/>
-            </a:pPr>
+            <a:pPr algn="l"/>
             <a:r>
-              <a:rPr lang="fr-HT" sz="2400" dirty="0" smtClean="0"/>
-              <a:t>Manque d’information</a:t>
+              <a:rPr lang="en-US" sz="4400" b="1" dirty="0" smtClean="0">
+                <a:latin typeface="Comic Sans MS" panose="030F0702030302020204" pitchFamily="66" charset="0"/>
+              </a:rPr>
+              <a:t>Notre Produit (Web)</a:t>
             </a:r>
-            <a:endParaRPr lang="fr-HT" sz="2000" dirty="0" smtClean="0"/>
-          </a:p>
-          <a:p>
-            <a:pPr marL="342900" indent="-342900" algn="l">
-              <a:buFont typeface="Arial" panose="020B0604020202020204" pitchFamily="34" charset="0"/>
-              <a:buChar char="•"/>
-            </a:pPr>
-            <a:r>
-              <a:rPr lang="fr-HT" sz="2400" dirty="0" smtClean="0"/>
-              <a:t>Manque de formation</a:t>
-            </a:r>
-          </a:p>
-          <a:p>
-            <a:pPr algn="l"/>
-            <a:endParaRPr lang="fr-HT" sz="2400" dirty="0" smtClean="0"/>
+            <a:endParaRPr lang="en-US" sz="4400" b="1" dirty="0">
+              <a:latin typeface="Comic Sans MS" panose="030F0702030302020204" pitchFamily="66" charset="0"/>
+            </a:endParaRPr>
           </a:p>
         </p:txBody>
       </p:sp>
-      <p:sp>
-        <p:nvSpPr>
-          <p:cNvPr id="3" name="Content Placeholder 2"/>
-          <p:cNvSpPr>
-            <a:spLocks noGrp="1"/>
-          </p:cNvSpPr>
-          <p:nvPr>
-            <p:ph idx="1"/>
-          </p:nvPr>
-        </p:nvSpPr>
-        <p:spPr/>
-        <p:txBody>
-          <a:bodyPr/>
-          <a:lstStyle/>
-          <a:p>
-            <a:endParaRPr lang="en-US"/>
-          </a:p>
-        </p:txBody>
-      </p:sp>
+      <p:pic>
+        <p:nvPicPr>
+          <p:cNvPr id="3" name="Content Placeholder 3"/>
+          <p:cNvPicPr>
+            <a:picLocks noChangeAspect="1"/>
+          </p:cNvPicPr>
+          <p:nvPr/>
+        </p:nvPicPr>
+        <p:blipFill rotWithShape="1">
+          <a:blip r:embed="rId2">
+            <a:extLst>
+              <a:ext uri="{28A0092B-C50C-407E-A947-70E740481C1C}">
+                <a14:useLocalDpi xmlns:a14="http://schemas.microsoft.com/office/drawing/2010/main" val="0"/>
+              </a:ext>
+            </a:extLst>
+          </a:blip>
+          <a:srcRect t="9864" b="6830"/>
+          <a:stretch/>
+        </p:blipFill>
+        <p:spPr>
+          <a:xfrm>
+            <a:off x="2589212" y="1295400"/>
+            <a:ext cx="9410482" cy="5181600"/>
+          </a:xfrm>
+          <a:prstGeom prst="rect">
+            <a:avLst/>
+          </a:prstGeom>
+        </p:spPr>
+      </p:pic>
     </p:spTree>
     <p:extLst>
       <p:ext uri="{BB962C8B-B14F-4D97-AF65-F5344CB8AC3E}">
-        <p14:creationId xmlns:p14="http://schemas.microsoft.com/office/powerpoint/2010/main" val="3780057943"/>
+        <p14:creationId xmlns:p14="http://schemas.microsoft.com/office/powerpoint/2010/main" val="371841401"/>
       </p:ext>
     </p:extLst>
   </p:cSld>
@@ -13525,273 +15175,65 @@
             <p:ph type="title"/>
           </p:nvPr>
         </p:nvSpPr>
-        <p:spPr/>
-        <p:txBody>
-          <a:bodyPr/>
-          <a:lstStyle/>
-          <a:p>
-            <a:pPr algn="ctr"/>
-            <a:r>
-              <a:rPr lang="en-US" dirty="0" smtClean="0"/>
-              <a:t>Etude du </a:t>
-            </a:r>
-            <a:r>
-              <a:rPr lang="en-US" dirty="0" err="1" smtClean="0"/>
-              <a:t>marche</a:t>
-            </a:r>
-            <a:endParaRPr lang="en-US" dirty="0"/>
-          </a:p>
-        </p:txBody>
-      </p:sp>
-      <p:sp>
-        <p:nvSpPr>
-          <p:cNvPr id="5" name="Content Placeholder 4"/>
-          <p:cNvSpPr>
-            <a:spLocks noGrp="1"/>
-          </p:cNvSpPr>
-          <p:nvPr>
-            <p:ph sz="half" idx="1"/>
-          </p:nvPr>
-        </p:nvSpPr>
         <p:spPr>
           <a:xfrm>
-            <a:off x="379412" y="1676400"/>
-            <a:ext cx="4648199" cy="4343400"/>
+            <a:off x="1579155" y="137631"/>
+            <a:ext cx="9601200" cy="1143000"/>
           </a:xfrm>
         </p:spPr>
         <p:txBody>
-          <a:bodyPr/>
+          <a:bodyPr>
+            <a:normAutofit/>
+          </a:bodyPr>
           <a:lstStyle/>
           <a:p>
-            <a:endParaRPr lang="en-US" dirty="0"/>
+            <a:pPr algn="l"/>
+            <a:r>
+              <a:rPr lang="en-US" sz="4400" b="1" dirty="0" smtClean="0">
+                <a:latin typeface="Comic Sans MS" panose="030F0702030302020204" pitchFamily="66" charset="0"/>
+              </a:rPr>
+              <a:t>Notre Produit (Web)</a:t>
+            </a:r>
+            <a:endParaRPr lang="en-US" sz="4400" b="1" dirty="0">
+              <a:latin typeface="Comic Sans MS" panose="030F0702030302020204" pitchFamily="66" charset="0"/>
+            </a:endParaRPr>
           </a:p>
         </p:txBody>
       </p:sp>
-      <p:graphicFrame>
-        <p:nvGraphicFramePr>
-          <p:cNvPr id="6" name="Content Placeholder 5"/>
-          <p:cNvGraphicFramePr>
-            <a:graphicFrameLocks noGrp="1"/>
-          </p:cNvGraphicFramePr>
-          <p:nvPr>
-            <p:ph sz="half" idx="2"/>
-            <p:extLst>
-              <p:ext uri="{D42A27DB-BD31-4B8C-83A1-F6EECF244321}">
-                <p14:modId xmlns:p14="http://schemas.microsoft.com/office/powerpoint/2010/main" val="3526859976"/>
-              </p:ext>
-            </p:extLst>
-          </p:nvPr>
-        </p:nvGraphicFramePr>
-        <p:xfrm>
-          <a:off x="5942011" y="1828800"/>
-          <a:ext cx="5791200" cy="3733800"/>
-        </p:xfrm>
-        <a:graphic>
-          <a:graphicData uri="http://schemas.openxmlformats.org/drawingml/2006/table">
-            <a:tbl>
-              <a:tblPr firstRow="1" bandRow="1">
-                <a:tableStyleId>{5C22544A-7EE6-4342-B048-85BDC9FD1C3A}</a:tableStyleId>
-              </a:tblPr>
-              <a:tblGrid>
-                <a:gridCol w="1930400">
-                  <a:extLst>
-                    <a:ext uri="{9D8B030D-6E8A-4147-A177-3AD203B41FA5}">
-                      <a16:colId xmlns:a16="http://schemas.microsoft.com/office/drawing/2014/main" xmlns="" val="20000"/>
-                    </a:ext>
-                  </a:extLst>
-                </a:gridCol>
-                <a:gridCol w="1930400">
-                  <a:extLst>
-                    <a:ext uri="{9D8B030D-6E8A-4147-A177-3AD203B41FA5}">
-                      <a16:colId xmlns:a16="http://schemas.microsoft.com/office/drawing/2014/main" xmlns="" val="20001"/>
-                    </a:ext>
-                  </a:extLst>
-                </a:gridCol>
-                <a:gridCol w="1930400">
-                  <a:extLst>
-                    <a:ext uri="{9D8B030D-6E8A-4147-A177-3AD203B41FA5}">
-                      <a16:colId xmlns:a16="http://schemas.microsoft.com/office/drawing/2014/main" xmlns="" val="20002"/>
-                    </a:ext>
-                  </a:extLst>
-                </a:gridCol>
-              </a:tblGrid>
-              <a:tr h="1244600">
-                <a:tc>
-                  <a:txBody>
-                    <a:bodyPr/>
-                    <a:lstStyle/>
-                    <a:p>
-                      <a:endParaRPr lang="en-US" dirty="0"/>
-                    </a:p>
-                  </a:txBody>
-                  <a:tcPr anchor="ctr">
-                    <a:solidFill>
-                      <a:srgbClr val="3075C9"/>
-                    </a:solidFill>
-                  </a:tcPr>
-                </a:tc>
-                <a:tc>
-                  <a:txBody>
-                    <a:bodyPr/>
-                    <a:lstStyle/>
-                    <a:p>
-                      <a:pPr algn="ctr"/>
-                      <a:r>
-                        <a:rPr lang="en-US" dirty="0" smtClean="0"/>
-                        <a:t>Site</a:t>
-                      </a:r>
-                      <a:r>
-                        <a:rPr lang="en-US" baseline="0" dirty="0" smtClean="0"/>
-                        <a:t> web</a:t>
-                      </a:r>
-                      <a:endParaRPr lang="en-US" dirty="0"/>
-                    </a:p>
-                  </a:txBody>
-                  <a:tcPr anchor="ctr">
-                    <a:solidFill>
-                      <a:srgbClr val="3075C9"/>
-                    </a:solidFill>
-                  </a:tcPr>
-                </a:tc>
-                <a:tc>
-                  <a:txBody>
-                    <a:bodyPr/>
-                    <a:lstStyle/>
-                    <a:p>
-                      <a:pPr algn="ctr"/>
-                      <a:r>
-                        <a:rPr lang="en-US" dirty="0" smtClean="0"/>
-                        <a:t>App</a:t>
-                      </a:r>
-                      <a:r>
-                        <a:rPr lang="en-US" baseline="0" dirty="0" smtClean="0"/>
-                        <a:t> Mobil</a:t>
-                      </a:r>
-                      <a:endParaRPr lang="en-US" dirty="0"/>
-                    </a:p>
-                  </a:txBody>
-                  <a:tcPr anchor="ctr">
-                    <a:solidFill>
-                      <a:srgbClr val="3075C9"/>
-                    </a:solidFill>
-                  </a:tcPr>
-                </a:tc>
-                <a:extLst>
-                  <a:ext uri="{0D108BD9-81ED-4DB2-BD59-A6C34878D82A}">
-                    <a16:rowId xmlns:a16="http://schemas.microsoft.com/office/drawing/2014/main" xmlns="" val="10000"/>
-                  </a:ext>
-                </a:extLst>
-              </a:tr>
-              <a:tr h="1244600">
-                <a:tc>
-                  <a:txBody>
-                    <a:bodyPr/>
-                    <a:lstStyle/>
-                    <a:p>
-                      <a:r>
-                        <a:rPr lang="en-US" dirty="0" smtClean="0"/>
-                        <a:t>Local</a:t>
-                      </a:r>
-                      <a:endParaRPr lang="en-US" dirty="0"/>
-                    </a:p>
-                  </a:txBody>
-                  <a:tcPr anchor="ctr"/>
-                </a:tc>
-                <a:tc>
-                  <a:txBody>
-                    <a:bodyPr/>
-                    <a:lstStyle/>
-                    <a:p>
-                      <a:pPr algn="ctr"/>
-                      <a:r>
-                        <a:rPr lang="en-US" dirty="0" err="1" smtClean="0"/>
-                        <a:t>Aucun</a:t>
-                      </a:r>
-                      <a:endParaRPr lang="en-US" dirty="0"/>
-                    </a:p>
-                  </a:txBody>
-                  <a:tcPr anchor="ctr"/>
-                </a:tc>
-                <a:tc>
-                  <a:txBody>
-                    <a:bodyPr/>
-                    <a:lstStyle/>
-                    <a:p>
-                      <a:pPr algn="ctr"/>
-                      <a:r>
-                        <a:rPr lang="en-US" dirty="0" err="1" smtClean="0"/>
-                        <a:t>Aucun</a:t>
-                      </a:r>
-                      <a:endParaRPr lang="en-US" dirty="0"/>
-                    </a:p>
-                  </a:txBody>
-                  <a:tcPr anchor="ctr"/>
-                </a:tc>
-                <a:extLst>
-                  <a:ext uri="{0D108BD9-81ED-4DB2-BD59-A6C34878D82A}">
-                    <a16:rowId xmlns:a16="http://schemas.microsoft.com/office/drawing/2014/main" xmlns="" val="10001"/>
-                  </a:ext>
-                </a:extLst>
-              </a:tr>
-              <a:tr h="1244600">
-                <a:tc>
-                  <a:txBody>
-                    <a:bodyPr/>
-                    <a:lstStyle/>
-                    <a:p>
-                      <a:r>
-                        <a:rPr lang="en-US" dirty="0" smtClean="0"/>
-                        <a:t>International</a:t>
-                      </a:r>
-                      <a:endParaRPr lang="en-US" dirty="0"/>
-                    </a:p>
-                  </a:txBody>
-                  <a:tcPr anchor="ctr"/>
-                </a:tc>
-                <a:tc>
-                  <a:txBody>
-                    <a:bodyPr/>
-                    <a:lstStyle/>
-                    <a:p>
-                      <a:pPr algn="ctr"/>
-                      <a:r>
-                        <a:rPr lang="en-US" dirty="0" err="1" smtClean="0"/>
-                        <a:t>Indetermine</a:t>
-                      </a:r>
-                      <a:endParaRPr lang="en-US" dirty="0"/>
-                    </a:p>
-                  </a:txBody>
-                  <a:tcPr anchor="ctr"/>
-                </a:tc>
-                <a:tc>
-                  <a:txBody>
-                    <a:bodyPr/>
-                    <a:lstStyle/>
-                    <a:p>
-                      <a:pPr algn="ctr"/>
-                      <a:r>
-                        <a:rPr lang="en-US" dirty="0" err="1" smtClean="0"/>
-                        <a:t>Indeterminee</a:t>
-                      </a:r>
-                      <a:endParaRPr lang="en-US" dirty="0"/>
-                    </a:p>
-                  </a:txBody>
-                  <a:tcPr anchor="ctr"/>
-                </a:tc>
-                <a:extLst>
-                  <a:ext uri="{0D108BD9-81ED-4DB2-BD59-A6C34878D82A}">
-                    <a16:rowId xmlns:a16="http://schemas.microsoft.com/office/drawing/2014/main" xmlns="" val="10002"/>
-                  </a:ext>
-                </a:extLst>
-              </a:tr>
-            </a:tbl>
-          </a:graphicData>
-        </a:graphic>
-      </p:graphicFrame>
+      <p:pic>
+        <p:nvPicPr>
+          <p:cNvPr id="3" name="Content Placeholder 3"/>
+          <p:cNvPicPr>
+            <a:picLocks noChangeAspect="1"/>
+          </p:cNvPicPr>
+          <p:nvPr/>
+        </p:nvPicPr>
+        <p:blipFill>
+          <a:blip r:embed="rId2">
+            <a:extLst>
+              <a:ext uri="{28A0092B-C50C-407E-A947-70E740481C1C}">
+                <a14:useLocalDpi xmlns:a14="http://schemas.microsoft.com/office/drawing/2010/main" val="0"/>
+              </a:ext>
+            </a:extLst>
+          </a:blip>
+          <a:stretch>
+            <a:fillRect/>
+          </a:stretch>
+        </p:blipFill>
+        <p:spPr>
+          <a:xfrm>
+            <a:off x="2741612" y="1143000"/>
+            <a:ext cx="9067800" cy="5536895"/>
+          </a:xfrm>
+          <a:prstGeom prst="rect">
+            <a:avLst/>
+          </a:prstGeom>
+        </p:spPr>
+      </p:pic>
     </p:spTree>
     <p:extLst>
       <p:ext uri="{BB962C8B-B14F-4D97-AF65-F5344CB8AC3E}">
-        <p14:creationId xmlns:p14="http://schemas.microsoft.com/office/powerpoint/2010/main" val="1648180212"/>
+        <p14:creationId xmlns:p14="http://schemas.microsoft.com/office/powerpoint/2010/main" val="2356932525"/>
       </p:ext>
     </p:extLst>
   </p:cSld>
@@ -13847,93 +15289,52 @@
             <p:ph type="title"/>
           </p:nvPr>
         </p:nvSpPr>
-        <p:spPr/>
-        <p:txBody>
-          <a:bodyPr/>
-          <a:lstStyle/>
-          <a:p>
-            <a:pPr algn="ctr"/>
-            <a:r>
-              <a:rPr lang="en-US" dirty="0" err="1" smtClean="0"/>
-              <a:t>Chwa</a:t>
-            </a:r>
-            <a:r>
-              <a:rPr lang="en-US" dirty="0" smtClean="0"/>
-              <a:t> </a:t>
-            </a:r>
-            <a:r>
-              <a:rPr lang="en-US" dirty="0" err="1" smtClean="0"/>
-              <a:t>PaN</a:t>
-            </a:r>
-            <a:r>
-              <a:rPr lang="en-US" dirty="0" smtClean="0"/>
-              <a:t>’</a:t>
-            </a:r>
-            <a:endParaRPr lang="en-US" dirty="0"/>
-          </a:p>
-        </p:txBody>
-      </p:sp>
-      <p:sp>
-        <p:nvSpPr>
-          <p:cNvPr id="4" name="Content Placeholder 3"/>
-          <p:cNvSpPr>
-            <a:spLocks noGrp="1"/>
-          </p:cNvSpPr>
-          <p:nvPr>
-            <p:ph sz="half" idx="2"/>
-          </p:nvPr>
-        </p:nvSpPr>
         <p:spPr>
           <a:xfrm>
-            <a:off x="760413" y="1828800"/>
-            <a:ext cx="5181600" cy="4343400"/>
+            <a:off x="-382588" y="228600"/>
+            <a:ext cx="9601200" cy="1143000"/>
           </a:xfrm>
         </p:spPr>
         <p:txBody>
-          <a:bodyPr/>
+          <a:bodyPr>
+            <a:normAutofit/>
+          </a:bodyPr>
           <a:lstStyle/>
           <a:p>
+            <a:pPr algn="ctr"/>
             <a:r>
-              <a:rPr lang="en-US" dirty="0" smtClean="0"/>
-              <a:t>Site web</a:t>
+              <a:rPr lang="en-US" sz="4400" b="1" dirty="0" smtClean="0">
+                <a:latin typeface="Comic Sans MS" panose="030F0702030302020204" pitchFamily="66" charset="0"/>
+              </a:rPr>
+              <a:t>Notre Produit </a:t>
             </a:r>
-          </a:p>
-          <a:p>
-            <a:endParaRPr lang="en-US" dirty="0"/>
-          </a:p>
-        </p:txBody>
-      </p:sp>
-      <p:sp>
-        <p:nvSpPr>
-          <p:cNvPr id="6" name="Content Placeholder 5"/>
-          <p:cNvSpPr>
-            <a:spLocks noGrp="1"/>
-          </p:cNvSpPr>
-          <p:nvPr>
-            <p:ph sz="quarter" idx="4"/>
-          </p:nvPr>
-        </p:nvSpPr>
-        <p:spPr>
-          <a:xfrm>
-            <a:off x="6246812" y="1828800"/>
-            <a:ext cx="5105400" cy="4343400"/>
-          </a:xfrm>
-        </p:spPr>
-        <p:txBody>
-          <a:bodyPr/>
-          <a:lstStyle/>
-          <a:p>
             <a:r>
-              <a:rPr lang="en-US" dirty="0" smtClean="0"/>
-              <a:t>App Mobil</a:t>
+              <a:rPr lang="en-US" sz="4400" b="1" dirty="0" smtClean="0">
+                <a:latin typeface="Comic Sans MS" panose="030F0702030302020204" pitchFamily="66" charset="0"/>
+              </a:rPr>
+              <a:t>(</a:t>
             </a:r>
-            <a:endParaRPr lang="en-US" dirty="0"/>
+            <a:r>
+              <a:rPr lang="en-US" sz="4400" b="1" dirty="0" smtClean="0">
+                <a:latin typeface="Comic Sans MS" panose="030F0702030302020204" pitchFamily="66" charset="0"/>
+              </a:rPr>
+              <a:t>Web</a:t>
+            </a:r>
+            <a:r>
+              <a:rPr lang="en-US" sz="4400" b="1" dirty="0" smtClean="0">
+                <a:latin typeface="Comic Sans MS" panose="030F0702030302020204" pitchFamily="66" charset="0"/>
+              </a:rPr>
+              <a:t>)</a:t>
+            </a:r>
+            <a:endParaRPr lang="en-US" sz="4400" b="1" dirty="0">
+              <a:latin typeface="Comic Sans MS" panose="030F0702030302020204" pitchFamily="66" charset="0"/>
+            </a:endParaRPr>
           </a:p>
         </p:txBody>
       </p:sp>
       <p:pic>
         <p:nvPicPr>
-          <p:cNvPr id="7" name="Content Placeholder 1"/>
+          <p:cNvPr id="3" name="Picture 2"/>
           <p:cNvPicPr>
             <a:picLocks noChangeAspect="1"/>
           </p:cNvPicPr>
@@ -13953,8 +15354,8 @@
         </p:blipFill>
         <p:spPr>
           <a:xfrm>
-            <a:off x="227012" y="2200653"/>
-            <a:ext cx="5424721" cy="4299207"/>
+            <a:off x="2970212" y="1251396"/>
+            <a:ext cx="8940026" cy="5454204"/>
           </a:xfrm>
           <a:prstGeom prst="rect">
             <a:avLst/>
@@ -13964,7 +15365,7 @@
     </p:spTree>
     <p:extLst>
       <p:ext uri="{BB962C8B-B14F-4D97-AF65-F5344CB8AC3E}">
-        <p14:creationId xmlns:p14="http://schemas.microsoft.com/office/powerpoint/2010/main" val="4130843238"/>
+        <p14:creationId xmlns:p14="http://schemas.microsoft.com/office/powerpoint/2010/main" val="285194977"/>
       </p:ext>
     </p:extLst>
   </p:cSld>
@@ -14022,64 +15423,33 @@
         </p:nvSpPr>
         <p:spPr>
           <a:xfrm>
-            <a:off x="1293812" y="152400"/>
+            <a:off x="1598612" y="457200"/>
             <a:ext cx="9601200" cy="1143000"/>
           </a:xfrm>
         </p:spPr>
         <p:txBody>
-          <a:bodyPr/>
+          <a:bodyPr>
+            <a:normAutofit/>
+          </a:bodyPr>
           <a:lstStyle/>
           <a:p>
-            <a:pPr algn="ctr"/>
+            <a:pPr algn="l"/>
             <a:r>
-              <a:rPr lang="en-US" dirty="0" smtClean="0"/>
-              <a:t>Notre </a:t>
+              <a:rPr lang="en-US" sz="4400" b="1" dirty="0" smtClean="0">
+                <a:latin typeface="Comic Sans MS" panose="030F0702030302020204" pitchFamily="66" charset="0"/>
+              </a:rPr>
+              <a:t>Notre Produit (Mobile)</a:t>
             </a:r>
-            <a:r>
-              <a:rPr lang="en-US" dirty="0" err="1" smtClean="0"/>
-              <a:t>Produit</a:t>
-            </a:r>
-            <a:r>
-              <a:rPr lang="en-US" dirty="0" smtClean="0"/>
-              <a:t> (Web)</a:t>
-            </a:r>
-            <a:endParaRPr lang="en-US" dirty="0"/>
+            <a:endParaRPr lang="en-US" sz="4400" b="1" dirty="0">
+              <a:latin typeface="Comic Sans MS" panose="030F0702030302020204" pitchFamily="66" charset="0"/>
+            </a:endParaRPr>
           </a:p>
         </p:txBody>
       </p:sp>
-      <p:pic>
-        <p:nvPicPr>
-          <p:cNvPr id="3" name="Content Placeholder 3"/>
-          <p:cNvPicPr>
-            <a:picLocks noChangeAspect="1"/>
-          </p:cNvPicPr>
-          <p:nvPr/>
-        </p:nvPicPr>
-        <p:blipFill rotWithShape="1">
-          <a:blip r:embed="rId2">
-            <a:extLst>
-              <a:ext uri="{28A0092B-C50C-407E-A947-70E740481C1C}">
-                <a14:useLocalDpi xmlns:a14="http://schemas.microsoft.com/office/drawing/2010/main" val="0"/>
-              </a:ext>
-            </a:extLst>
-          </a:blip>
-          <a:srcRect t="9864" b="6830"/>
-          <a:stretch/>
-        </p:blipFill>
-        <p:spPr>
-          <a:xfrm>
-            <a:off x="1389171" y="1325880"/>
-            <a:ext cx="9410482" cy="5181600"/>
-          </a:xfrm>
-          <a:prstGeom prst="rect">
-            <a:avLst/>
-          </a:prstGeom>
-        </p:spPr>
-      </p:pic>
     </p:spTree>
     <p:extLst>
       <p:ext uri="{BB962C8B-B14F-4D97-AF65-F5344CB8AC3E}">
-        <p14:creationId xmlns:p14="http://schemas.microsoft.com/office/powerpoint/2010/main" val="371841401"/>
+        <p14:creationId xmlns:p14="http://schemas.microsoft.com/office/powerpoint/2010/main" val="1305913753"/>
       </p:ext>
     </p:extLst>
   </p:cSld>
@@ -14137,65 +15507,33 @@
         </p:nvSpPr>
         <p:spPr>
           <a:xfrm>
-            <a:off x="1293812" y="152400"/>
+            <a:off x="1598612" y="457200"/>
             <a:ext cx="9601200" cy="1143000"/>
           </a:xfrm>
         </p:spPr>
         <p:txBody>
-          <a:bodyPr/>
+          <a:bodyPr>
+            <a:normAutofit/>
+          </a:bodyPr>
           <a:lstStyle/>
           <a:p>
-            <a:pPr algn="ctr"/>
+            <a:pPr algn="l"/>
             <a:r>
-              <a:rPr lang="en-US" dirty="0" smtClean="0"/>
-              <a:t>Notre </a:t>
+              <a:rPr lang="en-US" sz="4400" b="1" dirty="0" smtClean="0">
+                <a:latin typeface="Comic Sans MS" panose="030F0702030302020204" pitchFamily="66" charset="0"/>
+              </a:rPr>
+              <a:t>Notre Produit (Mobile)</a:t>
             </a:r>
-            <a:r>
-              <a:rPr lang="en-US" dirty="0" err="1" smtClean="0"/>
-              <a:t>Produit</a:t>
-            </a:r>
-            <a:r>
-              <a:rPr lang="en-US" dirty="0" smtClean="0"/>
-              <a:t> (Web)</a:t>
-            </a:r>
-            <a:endParaRPr lang="en-US" dirty="0"/>
+            <a:endParaRPr lang="en-US" sz="4400" b="1" dirty="0">
+              <a:latin typeface="Comic Sans MS" panose="030F0702030302020204" pitchFamily="66" charset="0"/>
+            </a:endParaRPr>
           </a:p>
         </p:txBody>
       </p:sp>
-      <p:pic>
-        <p:nvPicPr>
-          <p:cNvPr id="3" name="Content Placeholder 3"/>
-          <p:cNvPicPr>
-            <a:picLocks noChangeAspect="1"/>
-          </p:cNvPicPr>
-          <p:nvPr/>
-        </p:nvPicPr>
-        <p:blipFill>
-          <a:blip r:embed="rId2">
-            <a:extLst>
-              <a:ext uri="{28A0092B-C50C-407E-A947-70E740481C1C}">
-                <a14:useLocalDpi xmlns:a14="http://schemas.microsoft.com/office/drawing/2010/main" val="0"/>
-              </a:ext>
-            </a:extLst>
-          </a:blip>
-          <a:stretch>
-            <a:fillRect/>
-          </a:stretch>
-        </p:blipFill>
-        <p:spPr>
-          <a:xfrm>
-            <a:off x="2398712" y="1295400"/>
-            <a:ext cx="7391400" cy="5331504"/>
-          </a:xfrm>
-          <a:prstGeom prst="rect">
-            <a:avLst/>
-          </a:prstGeom>
-        </p:spPr>
-      </p:pic>
     </p:spTree>
     <p:extLst>
       <p:ext uri="{BB962C8B-B14F-4D97-AF65-F5344CB8AC3E}">
-        <p14:creationId xmlns:p14="http://schemas.microsoft.com/office/powerpoint/2010/main" val="1467027862"/>
+        <p14:creationId xmlns:p14="http://schemas.microsoft.com/office/powerpoint/2010/main" val="363244663"/>
       </p:ext>
     </p:extLst>
   </p:cSld>
@@ -14919,6 +16257,15 @@
 </file>
 
 <file path=customXml/item1.xml><?xml version="1.0" encoding="utf-8"?>
+<?mso-contentType ?>
+<FormTemplates xmlns="http://schemas.microsoft.com/sharepoint/v3/contenttype/forms">
+  <Display>DocumentLibraryForm</Display>
+  <Edit>AssetEditForm</Edit>
+  <New>DocumentLibraryForm</New>
+</FormTemplates>
+</file>
+
+<file path=customXml/item2.xml><?xml version="1.0" encoding="utf-8"?>
 <ct:contentTypeSchema xmlns:ct="http://schemas.microsoft.com/office/2006/metadata/contentType" xmlns:ma="http://schemas.microsoft.com/office/2006/metadata/properties/metaAttributes" ct:_="" ma:_="" ma:contentTypeName="TemplateFile" ma:contentTypeID="0x0101006EDDDB5EE6D98C44930B742096920B300400F5B6D36B3EF94B4E9A635CDF2A18F5B8" ma:contentTypeVersion="72" ma:contentTypeDescription="Create a new document." ma:contentTypeScope="" ma:versionID="a23e56308344d904b51738559c3d67c9">
   <xsd:schema xmlns:xsd="http://www.w3.org/2001/XMLSchema" xmlns:xs="http://www.w3.org/2001/XMLSchema" xmlns:p="http://schemas.microsoft.com/office/2006/metadata/properties" xmlns:ns2="4873beb7-5857-4685-be1f-d57550cc96cc" targetNamespace="http://schemas.microsoft.com/office/2006/metadata/properties" ma:root="true" ma:fieldsID="cd0908cc4600e77bf5da051303e00c8d" ns2:_="">
     <xsd:import namespace="4873beb7-5857-4685-be1f-d57550cc96cc"/>
@@ -15958,15 +17305,6 @@
 </ct:contentTypeSchema>
 </file>
 
-<file path=customXml/item2.xml><?xml version="1.0" encoding="utf-8"?>
-<?mso-contentType ?>
-<FormTemplates xmlns="http://schemas.microsoft.com/sharepoint/v3/contenttype/forms">
-  <Display>DocumentLibraryForm</Display>
-  <Edit>AssetEditForm</Edit>
-  <New>DocumentLibraryForm</New>
-</FormTemplates>
-</file>
-
 <file path=customXml/item3.xml><?xml version="1.0" encoding="utf-8"?>
 <p:properties xmlns:p="http://schemas.microsoft.com/office/2006/metadata/properties" xmlns:xsi="http://www.w3.org/2001/XMLSchema-instance" xmlns:pc="http://schemas.microsoft.com/office/infopath/2007/PartnerControls">
   <documentManagement>
@@ -16094,6 +17432,14 @@
 </file>
 
 <file path=customXml/itemProps1.xml><?xml version="1.0" encoding="utf-8"?>
+<ds:datastoreItem xmlns:ds="http://schemas.openxmlformats.org/officeDocument/2006/customXml" ds:itemID="{3C20563B-C646-42AF-9D0D-76DF086793C3}">
+  <ds:schemaRefs>
+    <ds:schemaRef ds:uri="http://schemas.microsoft.com/sharepoint/v3/contenttype/forms"/>
+  </ds:schemaRefs>
+</ds:datastoreItem>
+</file>
+
+<file path=customXml/itemProps2.xml><?xml version="1.0" encoding="utf-8"?>
 <ds:datastoreItem xmlns:ds="http://schemas.openxmlformats.org/officeDocument/2006/customXml" ds:itemID="{6EB9514F-6A45-47F4-BC6D-A865E2971712}">
   <ds:schemaRefs>
     <ds:schemaRef ds:uri="http://schemas.microsoft.com/office/2006/metadata/contentType"/>
@@ -16107,14 +17453,6 @@
     <ds:schemaRef ds:uri="http://purl.org/dc/elements/1.1/"/>
     <ds:schemaRef ds:uri="http://purl.org/dc/terms/"/>
     <ds:schemaRef ds:uri="http://schemas.microsoft.com/internal/obd"/>
-  </ds:schemaRefs>
-</ds:datastoreItem>
-</file>
-
-<file path=customXml/itemProps2.xml><?xml version="1.0" encoding="utf-8"?>
-<ds:datastoreItem xmlns:ds="http://schemas.openxmlformats.org/officeDocument/2006/customXml" ds:itemID="{3C20563B-C646-42AF-9D0D-76DF086793C3}">
-  <ds:schemaRefs>
-    <ds:schemaRef ds:uri="http://schemas.microsoft.com/sharepoint/v3/contenttype/forms"/>
   </ds:schemaRefs>
 </ds:datastoreItem>
 </file>

--- a/Presentation/Chwa PaN’ - presentation2.pptx
+++ b/Presentation/Chwa PaN’ - presentation2.pptx
@@ -5,26 +5,27 @@
     <p:sldMasterId id="2147483819" r:id="rId4"/>
   </p:sldMasterIdLst>
   <p:notesMasterIdLst>
-    <p:notesMasterId r:id="rId19"/>
+    <p:notesMasterId r:id="rId20"/>
   </p:notesMasterIdLst>
   <p:handoutMasterIdLst>
-    <p:handoutMasterId r:id="rId20"/>
+    <p:handoutMasterId r:id="rId21"/>
   </p:handoutMasterIdLst>
   <p:sldIdLst>
     <p:sldId id="256" r:id="rId5"/>
     <p:sldId id="272" r:id="rId6"/>
     <p:sldId id="265" r:id="rId7"/>
-    <p:sldId id="274" r:id="rId8"/>
-    <p:sldId id="262" r:id="rId9"/>
-    <p:sldId id="279" r:id="rId10"/>
-    <p:sldId id="278" r:id="rId11"/>
-    <p:sldId id="277" r:id="rId12"/>
-    <p:sldId id="282" r:id="rId13"/>
-    <p:sldId id="283" r:id="rId14"/>
-    <p:sldId id="273" r:id="rId15"/>
-    <p:sldId id="285" r:id="rId16"/>
-    <p:sldId id="284" r:id="rId17"/>
-    <p:sldId id="266" r:id="rId18"/>
+    <p:sldId id="286" r:id="rId8"/>
+    <p:sldId id="274" r:id="rId9"/>
+    <p:sldId id="262" r:id="rId10"/>
+    <p:sldId id="279" r:id="rId11"/>
+    <p:sldId id="278" r:id="rId12"/>
+    <p:sldId id="277" r:id="rId13"/>
+    <p:sldId id="282" r:id="rId14"/>
+    <p:sldId id="283" r:id="rId15"/>
+    <p:sldId id="273" r:id="rId16"/>
+    <p:sldId id="285" r:id="rId17"/>
+    <p:sldId id="284" r:id="rId18"/>
+    <p:sldId id="266" r:id="rId19"/>
   </p:sldIdLst>
   <p:sldSz cx="12188825" cy="6858000"/>
   <p:notesSz cx="6858000" cy="9144000"/>
@@ -282,11 +283,11 @@
         </c:dLbls>
         <c:gapWidth val="100"/>
         <c:overlap val="-24"/>
-        <c:axId val="724187520"/>
-        <c:axId val="724194592"/>
+        <c:axId val="-1357960912"/>
+        <c:axId val="-1255695072"/>
       </c:barChart>
       <c:catAx>
-        <c:axId val="724187520"/>
+        <c:axId val="-1357960912"/>
         <c:scaling>
           <c:orientation val="minMax"/>
         </c:scaling>
@@ -326,7 +327,7 @@
             <a:endParaRPr lang="en-US"/>
           </a:p>
         </c:txPr>
-        <c:crossAx val="724194592"/>
+        <c:crossAx val="-1255695072"/>
         <c:crosses val="autoZero"/>
         <c:auto val="1"/>
         <c:lblAlgn val="ctr"/>
@@ -334,7 +335,7 @@
         <c:noMultiLvlLbl val="0"/>
       </c:catAx>
       <c:valAx>
-        <c:axId val="724194592"/>
+        <c:axId val="-1255695072"/>
         <c:scaling>
           <c:orientation val="minMax"/>
         </c:scaling>
@@ -385,7 +386,7 @@
             <a:endParaRPr lang="en-US"/>
           </a:p>
         </c:txPr>
-        <c:crossAx val="724187520"/>
+        <c:crossAx val="-1357960912"/>
         <c:crosses val="autoZero"/>
         <c:crossBetween val="between"/>
       </c:valAx>
@@ -2172,8 +2173,8 @@
     </dgm:pt>
   </dgm:ptLst>
   <dgm:cxnLst>
+    <dgm:cxn modelId="{8314FB70-092A-47FB-83E3-C595090DBA48}" type="presOf" srcId="{477D14C5-CED9-4CFC-B338-DFB0C8090B9F}" destId="{1114C5CF-9DB7-4B7A-9D02-B353869E5D38}" srcOrd="1" destOrd="0" presId="urn:microsoft.com/office/officeart/2005/8/layout/venn1"/>
     <dgm:cxn modelId="{54CA38E1-8678-4786-A265-770FD25C3115}" type="presOf" srcId="{CC6B7442-0B72-4EF2-9F13-1325B51AFF9F}" destId="{99560A19-63A4-4F58-BF54-93D1A84B1A1C}" srcOrd="1" destOrd="0" presId="urn:microsoft.com/office/officeart/2005/8/layout/venn1"/>
-    <dgm:cxn modelId="{8314FB70-092A-47FB-83E3-C595090DBA48}" type="presOf" srcId="{477D14C5-CED9-4CFC-B338-DFB0C8090B9F}" destId="{1114C5CF-9DB7-4B7A-9D02-B353869E5D38}" srcOrd="1" destOrd="0" presId="urn:microsoft.com/office/officeart/2005/8/layout/venn1"/>
     <dgm:cxn modelId="{7D461F02-AB37-447A-AC6B-D31C4D2EC6A9}" srcId="{90119837-5B71-4D44-BB01-DB0B084933C8}" destId="{477D14C5-CED9-4CFC-B338-DFB0C8090B9F}" srcOrd="0" destOrd="0" parTransId="{92DFCBC7-BC14-4697-8ECD-BF0D5B1EDA3B}" sibTransId="{87E3C0DB-7BEE-424E-8E11-B838D238D595}"/>
     <dgm:cxn modelId="{98BEF9E1-8D57-4A22-93E0-87299CF8A4AD}" type="presOf" srcId="{CC6B7442-0B72-4EF2-9F13-1325B51AFF9F}" destId="{2B11D8EC-23D3-4EEE-B141-81E29A0B04B6}" srcOrd="0" destOrd="0" presId="urn:microsoft.com/office/officeart/2005/8/layout/venn1"/>
     <dgm:cxn modelId="{25C8D00E-7E96-4A36-A375-D219ADDEF7E1}" type="presOf" srcId="{90119837-5B71-4D44-BB01-DB0B084933C8}" destId="{E16D65B4-494C-45C0-82F5-A63E581063CB}" srcOrd="0" destOrd="0" presId="urn:microsoft.com/office/officeart/2005/8/layout/venn1"/>
@@ -11584,6 +11585,90 @@
     </p:spTree>
     <p:extLst>
       <p:ext uri="{BB962C8B-B14F-4D97-AF65-F5344CB8AC3E}">
+        <p14:creationId xmlns:p14="http://schemas.microsoft.com/office/powerpoint/2010/main" val="363244663"/>
+      </p:ext>
+    </p:extLst>
+  </p:cSld>
+  <p:clrMapOvr>
+    <a:masterClrMapping/>
+  </p:clrMapOvr>
+  <mc:AlternateContent xmlns:mc="http://schemas.openxmlformats.org/markup-compatibility/2006" xmlns:p14="http://schemas.microsoft.com/office/powerpoint/2010/main">
+    <mc:Choice Requires="p14">
+      <p:transition spd="med" p14:dur="700">
+        <p:fade/>
+      </p:transition>
+    </mc:Choice>
+    <mc:Fallback xmlns="">
+      <p:transition spd="med">
+        <p:fade/>
+      </p:transition>
+    </mc:Fallback>
+  </mc:AlternateContent>
+  <p:timing>
+    <p:tnLst>
+      <p:par>
+        <p:cTn id="1" dur="indefinite" restart="never" nodeType="tmRoot"/>
+      </p:par>
+    </p:tnLst>
+  </p:timing>
+</p:sld>
+</file>
+
+<file path=ppt/slides/slide11.xml><?xml version="1.0" encoding="utf-8"?>
+<p:sld xmlns:a="http://schemas.openxmlformats.org/drawingml/2006/main" xmlns:r="http://schemas.openxmlformats.org/officeDocument/2006/relationships" xmlns:p="http://schemas.openxmlformats.org/presentationml/2006/main">
+  <p:cSld>
+    <p:spTree>
+      <p:nvGrpSpPr>
+        <p:cNvPr id="1" name=""/>
+        <p:cNvGrpSpPr/>
+        <p:nvPr/>
+      </p:nvGrpSpPr>
+      <p:grpSpPr>
+        <a:xfrm>
+          <a:off x="0" y="0"/>
+          <a:ext cx="0" cy="0"/>
+          <a:chOff x="0" y="0"/>
+          <a:chExt cx="0" cy="0"/>
+        </a:xfrm>
+      </p:grpSpPr>
+      <p:sp>
+        <p:nvSpPr>
+          <p:cNvPr id="2" name="Title 1"/>
+          <p:cNvSpPr>
+            <a:spLocks noGrp="1"/>
+          </p:cNvSpPr>
+          <p:nvPr>
+            <p:ph type="title"/>
+          </p:nvPr>
+        </p:nvSpPr>
+        <p:spPr>
+          <a:xfrm>
+            <a:off x="1598612" y="457200"/>
+            <a:ext cx="9601200" cy="1143000"/>
+          </a:xfrm>
+        </p:spPr>
+        <p:txBody>
+          <a:bodyPr>
+            <a:normAutofit/>
+          </a:bodyPr>
+          <a:lstStyle/>
+          <a:p>
+            <a:pPr algn="l"/>
+            <a:r>
+              <a:rPr lang="en-US" sz="4400" b="1" dirty="0" smtClean="0">
+                <a:latin typeface="Comic Sans MS" panose="030F0702030302020204" pitchFamily="66" charset="0"/>
+              </a:rPr>
+              <a:t>Notre Produit (Mobile)</a:t>
+            </a:r>
+            <a:endParaRPr lang="en-US" sz="4400" b="1" dirty="0">
+              <a:latin typeface="Comic Sans MS" panose="030F0702030302020204" pitchFamily="66" charset="0"/>
+            </a:endParaRPr>
+          </a:p>
+        </p:txBody>
+      </p:sp>
+    </p:spTree>
+    <p:extLst>
+      <p:ext uri="{BB962C8B-B14F-4D97-AF65-F5344CB8AC3E}">
         <p14:creationId xmlns:p14="http://schemas.microsoft.com/office/powerpoint/2010/main" val="216626931"/>
       </p:ext>
     </p:extLst>
@@ -11613,7 +11698,7 @@
 </p:sld>
 </file>
 
-<file path=ppt/slides/slide11.xml><?xml version="1.0" encoding="utf-8"?>
+<file path=ppt/slides/slide12.xml><?xml version="1.0" encoding="utf-8"?>
 <p:sld xmlns:a="http://schemas.openxmlformats.org/drawingml/2006/main" xmlns:r="http://schemas.openxmlformats.org/officeDocument/2006/relationships" xmlns:p="http://schemas.openxmlformats.org/presentationml/2006/main">
   <p:cSld>
     <p:spTree>
@@ -13156,7 +13241,7 @@
 </p:sld>
 </file>
 
-<file path=ppt/slides/slide12.xml><?xml version="1.0" encoding="utf-8"?>
+<file path=ppt/slides/slide13.xml><?xml version="1.0" encoding="utf-8"?>
 <p:sld xmlns:a="http://schemas.openxmlformats.org/drawingml/2006/main" xmlns:r="http://schemas.openxmlformats.org/officeDocument/2006/relationships" xmlns:p="http://schemas.openxmlformats.org/presentationml/2006/main">
   <p:cSld>
     <p:spTree>
@@ -13240,7 +13325,7 @@
 </p:sld>
 </file>
 
-<file path=ppt/slides/slide13.xml><?xml version="1.0" encoding="utf-8"?>
+<file path=ppt/slides/slide14.xml><?xml version="1.0" encoding="utf-8"?>
 <p:sld xmlns:a="http://schemas.openxmlformats.org/drawingml/2006/main" xmlns:r="http://schemas.openxmlformats.org/officeDocument/2006/relationships" xmlns:p="http://schemas.openxmlformats.org/presentationml/2006/main">
   <p:cSld>
     <p:spTree>
@@ -13663,7 +13748,7 @@
 </p:sld>
 </file>
 
-<file path=ppt/slides/slide14.xml><?xml version="1.0" encoding="utf-8"?>
+<file path=ppt/slides/slide15.xml><?xml version="1.0" encoding="utf-8"?>
 <p:sld xmlns:a="http://schemas.openxmlformats.org/drawingml/2006/main" xmlns:r="http://schemas.openxmlformats.org/officeDocument/2006/relationships" xmlns:p="http://schemas.openxmlformats.org/presentationml/2006/main">
   <p:cSld>
     <p:spTree>
@@ -14730,6 +14815,201 @@
         </p:nvSpPr>
         <p:spPr>
           <a:xfrm>
+            <a:off x="1446212" y="0"/>
+            <a:ext cx="5424745" cy="1371600"/>
+          </a:xfrm>
+        </p:spPr>
+        <p:txBody>
+          <a:bodyPr>
+            <a:normAutofit/>
+          </a:bodyPr>
+          <a:lstStyle/>
+          <a:p>
+            <a:pPr algn="l"/>
+            <a:r>
+              <a:rPr lang="en-US" sz="4400" b="1" dirty="0" err="1" smtClean="0">
+                <a:latin typeface="Comic Sans MS" panose="030F0702030302020204" pitchFamily="66" charset="0"/>
+              </a:rPr>
+              <a:t>Probl</a:t>
+            </a:r>
+            <a:r>
+              <a:rPr lang="en-US" sz="4400" b="1" dirty="0" err="1" smtClean="0">
+                <a:latin typeface="Comic Sans MS" panose="030F0702030302020204" pitchFamily="66" charset="0"/>
+                <a:cs typeface="Calibri" panose="020F0502020204030204" pitchFamily="34" charset="0"/>
+              </a:rPr>
+              <a:t>é</a:t>
+            </a:r>
+            <a:r>
+              <a:rPr lang="en-US" sz="4400" b="1" dirty="0" err="1" smtClean="0">
+                <a:latin typeface="Comic Sans MS" panose="030F0702030302020204" pitchFamily="66" charset="0"/>
+              </a:rPr>
+              <a:t>matiques</a:t>
+            </a:r>
+            <a:endParaRPr lang="en-US" sz="4400" b="1" dirty="0">
+              <a:latin typeface="Comic Sans MS" panose="030F0702030302020204" pitchFamily="66" charset="0"/>
+            </a:endParaRPr>
+          </a:p>
+        </p:txBody>
+      </p:sp>
+      <p:pic>
+        <p:nvPicPr>
+          <p:cNvPr id="5" name="Picture 4"/>
+          <p:cNvPicPr>
+            <a:picLocks noChangeAspect="1"/>
+          </p:cNvPicPr>
+          <p:nvPr/>
+        </p:nvPicPr>
+        <p:blipFill>
+          <a:blip r:embed="rId2">
+            <a:extLst>
+              <a:ext uri="{28A0092B-C50C-407E-A947-70E740481C1C}">
+                <a14:useLocalDpi xmlns:a14="http://schemas.microsoft.com/office/drawing/2010/main" val="0"/>
+              </a:ext>
+            </a:extLst>
+          </a:blip>
+          <a:stretch>
+            <a:fillRect/>
+          </a:stretch>
+        </p:blipFill>
+        <p:spPr>
+          <a:xfrm>
+            <a:off x="6018212" y="1828800"/>
+            <a:ext cx="5943600" cy="4908614"/>
+          </a:xfrm>
+          <a:prstGeom prst="rect">
+            <a:avLst/>
+          </a:prstGeom>
+        </p:spPr>
+      </p:pic>
+      <p:sp>
+        <p:nvSpPr>
+          <p:cNvPr id="6" name="TextBox 5"/>
+          <p:cNvSpPr txBox="1"/>
+          <p:nvPr/>
+        </p:nvSpPr>
+        <p:spPr>
+          <a:xfrm>
+            <a:off x="1598612" y="2209800"/>
+            <a:ext cx="3547766" cy="830997"/>
+          </a:xfrm>
+          <a:prstGeom prst="rect">
+            <a:avLst/>
+          </a:prstGeom>
+          <a:noFill/>
+        </p:spPr>
+        <p:txBody>
+          <a:bodyPr wrap="none" rtlCol="0">
+            <a:spAutoFit/>
+          </a:bodyPr>
+          <a:lstStyle/>
+          <a:p>
+            <a:pPr marL="285750" indent="-285750">
+              <a:buFont typeface="Arial" panose="020B0604020202020204" pitchFamily="34" charset="0"/>
+              <a:buChar char="•"/>
+            </a:pPr>
+            <a:r>
+              <a:rPr lang="en-US" sz="2400" dirty="0" err="1" smtClean="0">
+                <a:latin typeface="Comic Sans MS" panose="030F0702030302020204" pitchFamily="66" charset="0"/>
+              </a:rPr>
+              <a:t>Manque</a:t>
+            </a:r>
+            <a:r>
+              <a:rPr lang="en-US" sz="2400" dirty="0" smtClean="0">
+                <a:latin typeface="Comic Sans MS" panose="030F0702030302020204" pitchFamily="66" charset="0"/>
+              </a:rPr>
+              <a:t> de formation</a:t>
+            </a:r>
+          </a:p>
+          <a:p>
+            <a:pPr marL="285750" indent="-285750">
+              <a:buFont typeface="Arial" panose="020B0604020202020204" pitchFamily="34" charset="0"/>
+              <a:buChar char="•"/>
+            </a:pPr>
+            <a:r>
+              <a:rPr lang="en-US" sz="2400" dirty="0" err="1" smtClean="0">
+                <a:latin typeface="Comic Sans MS" panose="030F0702030302020204" pitchFamily="66" charset="0"/>
+              </a:rPr>
+              <a:t>Manque</a:t>
+            </a:r>
+            <a:r>
+              <a:rPr lang="en-US" sz="2400" dirty="0" smtClean="0">
+                <a:latin typeface="Comic Sans MS" panose="030F0702030302020204" pitchFamily="66" charset="0"/>
+              </a:rPr>
+              <a:t> </a:t>
+            </a:r>
+            <a:r>
+              <a:rPr lang="en-US" sz="2400" dirty="0" err="1" smtClean="0">
+                <a:latin typeface="Comic Sans MS" panose="030F0702030302020204" pitchFamily="66" charset="0"/>
+              </a:rPr>
+              <a:t>d’information</a:t>
+            </a:r>
+            <a:endParaRPr lang="en-US" sz="2400" dirty="0">
+              <a:latin typeface="Comic Sans MS" panose="030F0702030302020204" pitchFamily="66" charset="0"/>
+            </a:endParaRPr>
+          </a:p>
+        </p:txBody>
+      </p:sp>
+    </p:spTree>
+    <p:extLst>
+      <p:ext uri="{BB962C8B-B14F-4D97-AF65-F5344CB8AC3E}">
+        <p14:creationId xmlns:p14="http://schemas.microsoft.com/office/powerpoint/2010/main" val="1308047405"/>
+      </p:ext>
+    </p:extLst>
+  </p:cSld>
+  <p:clrMapOvr>
+    <a:masterClrMapping/>
+  </p:clrMapOvr>
+  <mc:AlternateContent xmlns:mc="http://schemas.openxmlformats.org/markup-compatibility/2006" xmlns:p14="http://schemas.microsoft.com/office/powerpoint/2010/main">
+    <mc:Choice Requires="p14">
+      <p:transition spd="med" p14:dur="700">
+        <p:fade/>
+      </p:transition>
+    </mc:Choice>
+    <mc:Fallback xmlns="">
+      <p:transition spd="med">
+        <p:fade/>
+      </p:transition>
+    </mc:Fallback>
+  </mc:AlternateContent>
+  <p:timing>
+    <p:tnLst>
+      <p:par>
+        <p:cTn id="1" dur="indefinite" restart="never" nodeType="tmRoot"/>
+      </p:par>
+    </p:tnLst>
+  </p:timing>
+</p:sld>
+</file>
+
+<file path=ppt/slides/slide5.xml><?xml version="1.0" encoding="utf-8"?>
+<p:sld xmlns:a="http://schemas.openxmlformats.org/drawingml/2006/main" xmlns:r="http://schemas.openxmlformats.org/officeDocument/2006/relationships" xmlns:p="http://schemas.openxmlformats.org/presentationml/2006/main">
+  <p:cSld>
+    <p:spTree>
+      <p:nvGrpSpPr>
+        <p:cNvPr id="1" name=""/>
+        <p:cNvGrpSpPr/>
+        <p:nvPr/>
+      </p:nvGrpSpPr>
+      <p:grpSpPr>
+        <a:xfrm>
+          <a:off x="0" y="0"/>
+          <a:ext cx="0" cy="0"/>
+          <a:chOff x="0" y="0"/>
+          <a:chExt cx="0" cy="0"/>
+        </a:xfrm>
+      </p:grpSpPr>
+      <p:sp>
+        <p:nvSpPr>
+          <p:cNvPr id="2" name="Title 1"/>
+          <p:cNvSpPr>
+            <a:spLocks noGrp="1"/>
+          </p:cNvSpPr>
+          <p:nvPr>
+            <p:ph type="title"/>
+          </p:nvPr>
+        </p:nvSpPr>
+        <p:spPr>
+          <a:xfrm>
             <a:off x="-687389" y="114300"/>
             <a:ext cx="9601200" cy="1143000"/>
           </a:xfrm>
@@ -15035,7 +15315,7 @@
 </p:sld>
 </file>
 
-<file path=ppt/slides/slide5.xml><?xml version="1.0" encoding="utf-8"?>
+<file path=ppt/slides/slide6.xml><?xml version="1.0" encoding="utf-8"?>
 <p:sld xmlns:a="http://schemas.openxmlformats.org/drawingml/2006/main" xmlns:r="http://schemas.openxmlformats.org/officeDocument/2006/relationships" xmlns:p="http://schemas.openxmlformats.org/presentationml/2006/main">
   <p:cSld>
     <p:spTree>
@@ -15148,7 +15428,7 @@
 </p:sld>
 </file>
 
-<file path=ppt/slides/slide6.xml><?xml version="1.0" encoding="utf-8"?>
+<file path=ppt/slides/slide7.xml><?xml version="1.0" encoding="utf-8"?>
 <p:sld xmlns:a="http://schemas.openxmlformats.org/drawingml/2006/main" xmlns:r="http://schemas.openxmlformats.org/officeDocument/2006/relationships" xmlns:p="http://schemas.openxmlformats.org/presentationml/2006/main">
   <p:cSld>
     <p:spTree>
@@ -15262,7 +15542,7 @@
 </p:sld>
 </file>
 
-<file path=ppt/slides/slide7.xml><?xml version="1.0" encoding="utf-8"?>
+<file path=ppt/slides/slide8.xml><?xml version="1.0" encoding="utf-8"?>
 <p:sld xmlns:a="http://schemas.openxmlformats.org/drawingml/2006/main" xmlns:r="http://schemas.openxmlformats.org/officeDocument/2006/relationships" xmlns:p="http://schemas.openxmlformats.org/presentationml/2006/main">
   <p:cSld>
     <p:spTree>
@@ -15306,25 +15586,7 @@
               <a:rPr lang="en-US" sz="4400" b="1" dirty="0" smtClean="0">
                 <a:latin typeface="Comic Sans MS" panose="030F0702030302020204" pitchFamily="66" charset="0"/>
               </a:rPr>
-              <a:t>Notre Produit </a:t>
-            </a:r>
-            <a:r>
-              <a:rPr lang="en-US" sz="4400" b="1" dirty="0" smtClean="0">
-                <a:latin typeface="Comic Sans MS" panose="030F0702030302020204" pitchFamily="66" charset="0"/>
-              </a:rPr>
-              <a:t>(</a:t>
-            </a:r>
-            <a:r>
-              <a:rPr lang="en-US" sz="4400" b="1" dirty="0" smtClean="0">
-                <a:latin typeface="Comic Sans MS" panose="030F0702030302020204" pitchFamily="66" charset="0"/>
-              </a:rPr>
-              <a:t>Web</a:t>
-            </a:r>
-            <a:r>
-              <a:rPr lang="en-US" sz="4400" b="1" dirty="0" smtClean="0">
-                <a:latin typeface="Comic Sans MS" panose="030F0702030302020204" pitchFamily="66" charset="0"/>
-              </a:rPr>
-              <a:t>)</a:t>
+              <a:t>Notre Produit (Web)</a:t>
             </a:r>
             <a:endParaRPr lang="en-US" sz="4400" b="1" dirty="0">
               <a:latin typeface="Comic Sans MS" panose="030F0702030302020204" pitchFamily="66" charset="0"/>
@@ -15366,90 +15628,6 @@
     <p:extLst>
       <p:ext uri="{BB962C8B-B14F-4D97-AF65-F5344CB8AC3E}">
         <p14:creationId xmlns:p14="http://schemas.microsoft.com/office/powerpoint/2010/main" val="285194977"/>
-      </p:ext>
-    </p:extLst>
-  </p:cSld>
-  <p:clrMapOvr>
-    <a:masterClrMapping/>
-  </p:clrMapOvr>
-  <mc:AlternateContent xmlns:mc="http://schemas.openxmlformats.org/markup-compatibility/2006" xmlns:p14="http://schemas.microsoft.com/office/powerpoint/2010/main">
-    <mc:Choice Requires="p14">
-      <p:transition spd="med" p14:dur="700">
-        <p:fade/>
-      </p:transition>
-    </mc:Choice>
-    <mc:Fallback xmlns="">
-      <p:transition spd="med">
-        <p:fade/>
-      </p:transition>
-    </mc:Fallback>
-  </mc:AlternateContent>
-  <p:timing>
-    <p:tnLst>
-      <p:par>
-        <p:cTn id="1" dur="indefinite" restart="never" nodeType="tmRoot"/>
-      </p:par>
-    </p:tnLst>
-  </p:timing>
-</p:sld>
-</file>
-
-<file path=ppt/slides/slide8.xml><?xml version="1.0" encoding="utf-8"?>
-<p:sld xmlns:a="http://schemas.openxmlformats.org/drawingml/2006/main" xmlns:r="http://schemas.openxmlformats.org/officeDocument/2006/relationships" xmlns:p="http://schemas.openxmlformats.org/presentationml/2006/main">
-  <p:cSld>
-    <p:spTree>
-      <p:nvGrpSpPr>
-        <p:cNvPr id="1" name=""/>
-        <p:cNvGrpSpPr/>
-        <p:nvPr/>
-      </p:nvGrpSpPr>
-      <p:grpSpPr>
-        <a:xfrm>
-          <a:off x="0" y="0"/>
-          <a:ext cx="0" cy="0"/>
-          <a:chOff x="0" y="0"/>
-          <a:chExt cx="0" cy="0"/>
-        </a:xfrm>
-      </p:grpSpPr>
-      <p:sp>
-        <p:nvSpPr>
-          <p:cNvPr id="2" name="Title 1"/>
-          <p:cNvSpPr>
-            <a:spLocks noGrp="1"/>
-          </p:cNvSpPr>
-          <p:nvPr>
-            <p:ph type="title"/>
-          </p:nvPr>
-        </p:nvSpPr>
-        <p:spPr>
-          <a:xfrm>
-            <a:off x="1598612" y="457200"/>
-            <a:ext cx="9601200" cy="1143000"/>
-          </a:xfrm>
-        </p:spPr>
-        <p:txBody>
-          <a:bodyPr>
-            <a:normAutofit/>
-          </a:bodyPr>
-          <a:lstStyle/>
-          <a:p>
-            <a:pPr algn="l"/>
-            <a:r>
-              <a:rPr lang="en-US" sz="4400" b="1" dirty="0" smtClean="0">
-                <a:latin typeface="Comic Sans MS" panose="030F0702030302020204" pitchFamily="66" charset="0"/>
-              </a:rPr>
-              <a:t>Notre Produit (Mobile)</a:t>
-            </a:r>
-            <a:endParaRPr lang="en-US" sz="4400" b="1" dirty="0">
-              <a:latin typeface="Comic Sans MS" panose="030F0702030302020204" pitchFamily="66" charset="0"/>
-            </a:endParaRPr>
-          </a:p>
-        </p:txBody>
-      </p:sp>
-    </p:spTree>
-    <p:extLst>
-      <p:ext uri="{BB962C8B-B14F-4D97-AF65-F5344CB8AC3E}">
-        <p14:creationId xmlns:p14="http://schemas.microsoft.com/office/powerpoint/2010/main" val="1305913753"/>
       </p:ext>
     </p:extLst>
   </p:cSld>
@@ -15533,7 +15711,7 @@
     </p:spTree>
     <p:extLst>
       <p:ext uri="{BB962C8B-B14F-4D97-AF65-F5344CB8AC3E}">
-        <p14:creationId xmlns:p14="http://schemas.microsoft.com/office/powerpoint/2010/main" val="363244663"/>
+        <p14:creationId xmlns:p14="http://schemas.microsoft.com/office/powerpoint/2010/main" val="1305913753"/>
       </p:ext>
     </p:extLst>
   </p:cSld>
@@ -16266,6 +16444,132 @@
 </file>
 
 <file path=customXml/item2.xml><?xml version="1.0" encoding="utf-8"?>
+<p:properties xmlns:p="http://schemas.microsoft.com/office/2006/metadata/properties" xmlns:xsi="http://www.w3.org/2001/XMLSchema-instance" xmlns:pc="http://schemas.microsoft.com/office/infopath/2007/PartnerControls">
+  <documentManagement>
+    <DirectSourceMarket xmlns="4873beb7-5857-4685-be1f-d57550cc96cc" xsi:nil="true"/>
+    <ApprovalStatus xmlns="4873beb7-5857-4685-be1f-d57550cc96cc">InProgress</ApprovalStatus>
+    <MarketSpecific xmlns="4873beb7-5857-4685-be1f-d57550cc96cc">false</MarketSpecific>
+    <LocComments xmlns="4873beb7-5857-4685-be1f-d57550cc96cc" xsi:nil="true"/>
+    <ThumbnailAssetId xmlns="4873beb7-5857-4685-be1f-d57550cc96cc" xsi:nil="true"/>
+    <PrimaryImageGen xmlns="4873beb7-5857-4685-be1f-d57550cc96cc">false</PrimaryImageGen>
+    <LegacyData xmlns="4873beb7-5857-4685-be1f-d57550cc96cc" xsi:nil="true"/>
+    <LocRecommendedHandoff xmlns="4873beb7-5857-4685-be1f-d57550cc96cc" xsi:nil="true"/>
+    <BusinessGroup xmlns="4873beb7-5857-4685-be1f-d57550cc96cc" xsi:nil="true"/>
+    <BlockPublish xmlns="4873beb7-5857-4685-be1f-d57550cc96cc">false</BlockPublish>
+    <TPFriendlyName xmlns="4873beb7-5857-4685-be1f-d57550cc96cc" xsi:nil="true"/>
+    <NumericId xmlns="4873beb7-5857-4685-be1f-d57550cc96cc" xsi:nil="true"/>
+    <APEditor xmlns="4873beb7-5857-4685-be1f-d57550cc96cc">
+      <UserInfo>
+        <DisplayName/>
+        <AccountId xsi:nil="true"/>
+        <AccountType/>
+      </UserInfo>
+    </APEditor>
+    <SourceTitle xmlns="4873beb7-5857-4685-be1f-d57550cc96cc" xsi:nil="true"/>
+    <OpenTemplate xmlns="4873beb7-5857-4685-be1f-d57550cc96cc">true</OpenTemplate>
+    <UALocComments xmlns="4873beb7-5857-4685-be1f-d57550cc96cc" xsi:nil="true"/>
+    <ParentAssetId xmlns="4873beb7-5857-4685-be1f-d57550cc96cc" xsi:nil="true"/>
+    <IntlLangReviewDate xmlns="4873beb7-5857-4685-be1f-d57550cc96cc" xsi:nil="true"/>
+    <FeatureTagsTaxHTField0 xmlns="4873beb7-5857-4685-be1f-d57550cc96cc">
+      <Terms xmlns="http://schemas.microsoft.com/office/infopath/2007/PartnerControls"/>
+    </FeatureTagsTaxHTField0>
+    <PublishStatusLookup xmlns="4873beb7-5857-4685-be1f-d57550cc96cc">
+      <Value>1360511</Value>
+    </PublishStatusLookup>
+    <Providers xmlns="4873beb7-5857-4685-be1f-d57550cc96cc" xsi:nil="true"/>
+    <MachineTranslated xmlns="4873beb7-5857-4685-be1f-d57550cc96cc">false</MachineTranslated>
+    <OriginalSourceMarket xmlns="4873beb7-5857-4685-be1f-d57550cc96cc" xsi:nil="true"/>
+    <APDescription xmlns="4873beb7-5857-4685-be1f-d57550cc96cc" xsi:nil="true"/>
+    <ClipArtFilename xmlns="4873beb7-5857-4685-be1f-d57550cc96cc" xsi:nil="true"/>
+    <ContentItem xmlns="4873beb7-5857-4685-be1f-d57550cc96cc" xsi:nil="true"/>
+    <TPInstallLocation xmlns="4873beb7-5857-4685-be1f-d57550cc96cc" xsi:nil="true"/>
+    <PublishTargets xmlns="4873beb7-5857-4685-be1f-d57550cc96cc">OfficeOnlineVNext</PublishTargets>
+    <TimesCloned xmlns="4873beb7-5857-4685-be1f-d57550cc96cc" xsi:nil="true"/>
+    <AssetStart xmlns="4873beb7-5857-4685-be1f-d57550cc96cc">2011-12-12T13:37:00+00:00</AssetStart>
+    <Provider xmlns="4873beb7-5857-4685-be1f-d57550cc96cc" xsi:nil="true"/>
+    <AcquiredFrom xmlns="4873beb7-5857-4685-be1f-d57550cc96cc">Internal MS</AcquiredFrom>
+    <FriendlyTitle xmlns="4873beb7-5857-4685-be1f-d57550cc96cc" xsi:nil="true"/>
+    <LastHandOff xmlns="4873beb7-5857-4685-be1f-d57550cc96cc" xsi:nil="true"/>
+    <TPClientViewer xmlns="4873beb7-5857-4685-be1f-d57550cc96cc" xsi:nil="true"/>
+    <UACurrentWords xmlns="4873beb7-5857-4685-be1f-d57550cc96cc" xsi:nil="true"/>
+    <ArtSampleDocs xmlns="4873beb7-5857-4685-be1f-d57550cc96cc" xsi:nil="true"/>
+    <UALocRecommendation xmlns="4873beb7-5857-4685-be1f-d57550cc96cc">Localize</UALocRecommendation>
+    <Manager xmlns="4873beb7-5857-4685-be1f-d57550cc96cc" xsi:nil="true"/>
+    <ShowIn xmlns="4873beb7-5857-4685-be1f-d57550cc96cc">Show everywhere</ShowIn>
+    <UANotes xmlns="4873beb7-5857-4685-be1f-d57550cc96cc" xsi:nil="true"/>
+    <TemplateStatus xmlns="4873beb7-5857-4685-be1f-d57550cc96cc">Complete</TemplateStatus>
+    <InternalTagsTaxHTField0 xmlns="4873beb7-5857-4685-be1f-d57550cc96cc">
+      <Terms xmlns="http://schemas.microsoft.com/office/infopath/2007/PartnerControls"/>
+    </InternalTagsTaxHTField0>
+    <CSXHash xmlns="4873beb7-5857-4685-be1f-d57550cc96cc" xsi:nil="true"/>
+    <Downloads xmlns="4873beb7-5857-4685-be1f-d57550cc96cc">0</Downloads>
+    <VoteCount xmlns="4873beb7-5857-4685-be1f-d57550cc96cc" xsi:nil="true"/>
+    <OOCacheId xmlns="4873beb7-5857-4685-be1f-d57550cc96cc" xsi:nil="true"/>
+    <IsDeleted xmlns="4873beb7-5857-4685-be1f-d57550cc96cc">false</IsDeleted>
+    <AssetExpire xmlns="4873beb7-5857-4685-be1f-d57550cc96cc">2035-01-01T08:00:00+00:00</AssetExpire>
+    <DSATActionTaken xmlns="4873beb7-5857-4685-be1f-d57550cc96cc" xsi:nil="true"/>
+    <CSXSubmissionMarket xmlns="4873beb7-5857-4685-be1f-d57550cc96cc" xsi:nil="true"/>
+    <TPExecutable xmlns="4873beb7-5857-4685-be1f-d57550cc96cc" xsi:nil="true"/>
+    <SubmitterId xmlns="4873beb7-5857-4685-be1f-d57550cc96cc" xsi:nil="true"/>
+    <EditorialTags xmlns="4873beb7-5857-4685-be1f-d57550cc96cc" xsi:nil="true"/>
+    <ApprovalLog xmlns="4873beb7-5857-4685-be1f-d57550cc96cc" xsi:nil="true"/>
+    <AssetType xmlns="4873beb7-5857-4685-be1f-d57550cc96cc">TP</AssetType>
+    <BugNumber xmlns="4873beb7-5857-4685-be1f-d57550cc96cc" xsi:nil="true"/>
+    <CSXSubmissionDate xmlns="4873beb7-5857-4685-be1f-d57550cc96cc" xsi:nil="true"/>
+    <CSXUpdate xmlns="4873beb7-5857-4685-be1f-d57550cc96cc">false</CSXUpdate>
+    <Milestone xmlns="4873beb7-5857-4685-be1f-d57550cc96cc" xsi:nil="true"/>
+    <RecommendationsModifier xmlns="4873beb7-5857-4685-be1f-d57550cc96cc" xsi:nil="true"/>
+    <OriginAsset xmlns="4873beb7-5857-4685-be1f-d57550cc96cc" xsi:nil="true"/>
+    <TPComponent xmlns="4873beb7-5857-4685-be1f-d57550cc96cc" xsi:nil="true"/>
+    <AssetId xmlns="4873beb7-5857-4685-be1f-d57550cc96cc">TP102801114</AssetId>
+    <IntlLocPriority xmlns="4873beb7-5857-4685-be1f-d57550cc96cc" xsi:nil="true"/>
+    <PolicheckWords xmlns="4873beb7-5857-4685-be1f-d57550cc96cc" xsi:nil="true"/>
+    <TPLaunchHelpLink xmlns="4873beb7-5857-4685-be1f-d57550cc96cc" xsi:nil="true"/>
+    <TPApplication xmlns="4873beb7-5857-4685-be1f-d57550cc96cc" xsi:nil="true"/>
+    <CrawlForDependencies xmlns="4873beb7-5857-4685-be1f-d57550cc96cc">false</CrawlForDependencies>
+    <HandoffToMSDN xmlns="4873beb7-5857-4685-be1f-d57550cc96cc" xsi:nil="true"/>
+    <PlannedPubDate xmlns="4873beb7-5857-4685-be1f-d57550cc96cc" xsi:nil="true"/>
+    <IntlLangReviewer xmlns="4873beb7-5857-4685-be1f-d57550cc96cc" xsi:nil="true"/>
+    <TrustLevel xmlns="4873beb7-5857-4685-be1f-d57550cc96cc">1 Microsoft Managed Content</TrustLevel>
+    <LocLastLocAttemptVersionLookup xmlns="4873beb7-5857-4685-be1f-d57550cc96cc">706531</LocLastLocAttemptVersionLookup>
+    <IsSearchable xmlns="4873beb7-5857-4685-be1f-d57550cc96cc">true</IsSearchable>
+    <TemplateTemplateType xmlns="4873beb7-5857-4685-be1f-d57550cc96cc">PowerPoint Presentation Template</TemplateTemplateType>
+    <CampaignTagsTaxHTField0 xmlns="4873beb7-5857-4685-be1f-d57550cc96cc">
+      <Terms xmlns="http://schemas.microsoft.com/office/infopath/2007/PartnerControls"/>
+    </CampaignTagsTaxHTField0>
+    <TPNamespace xmlns="4873beb7-5857-4685-be1f-d57550cc96cc" xsi:nil="true"/>
+    <TaxCatchAll xmlns="4873beb7-5857-4685-be1f-d57550cc96cc"/>
+    <Markets xmlns="4873beb7-5857-4685-be1f-d57550cc96cc"/>
+    <UAProjectedTotalWords xmlns="4873beb7-5857-4685-be1f-d57550cc96cc" xsi:nil="true"/>
+    <IntlLangReview xmlns="4873beb7-5857-4685-be1f-d57550cc96cc">false</IntlLangReview>
+    <OutputCachingOn xmlns="4873beb7-5857-4685-be1f-d57550cc96cc">false</OutputCachingOn>
+    <AverageRating xmlns="4873beb7-5857-4685-be1f-d57550cc96cc" xsi:nil="true"/>
+    <APAuthor xmlns="4873beb7-5857-4685-be1f-d57550cc96cc">
+      <UserInfo>
+        <DisplayName>REDMOND\v-soujap</DisplayName>
+        <AccountId>1954</AccountId>
+        <AccountType/>
+      </UserInfo>
+    </APAuthor>
+    <LocManualTestRequired xmlns="4873beb7-5857-4685-be1f-d57550cc96cc">false</LocManualTestRequired>
+    <TPCommandLine xmlns="4873beb7-5857-4685-be1f-d57550cc96cc" xsi:nil="true"/>
+    <TPAppVersion xmlns="4873beb7-5857-4685-be1f-d57550cc96cc" xsi:nil="true"/>
+    <EditorialStatus xmlns="4873beb7-5857-4685-be1f-d57550cc96cc">Complete</EditorialStatus>
+    <LastModifiedDateTime xmlns="4873beb7-5857-4685-be1f-d57550cc96cc" xsi:nil="true"/>
+    <ScenarioTagsTaxHTField0 xmlns="4873beb7-5857-4685-be1f-d57550cc96cc">
+      <Terms xmlns="http://schemas.microsoft.com/office/infopath/2007/PartnerControls"/>
+    </ScenarioTagsTaxHTField0>
+    <OriginalRelease xmlns="4873beb7-5857-4685-be1f-d57550cc96cc">14</OriginalRelease>
+    <TPLaunchHelpLinkType xmlns="4873beb7-5857-4685-be1f-d57550cc96cc">Template</TPLaunchHelpLinkType>
+    <LocalizationTagsTaxHTField0 xmlns="4873beb7-5857-4685-be1f-d57550cc96cc">
+      <Terms xmlns="http://schemas.microsoft.com/office/infopath/2007/PartnerControls"/>
+    </LocalizationTagsTaxHTField0>
+    <LocMarketGroupTiers2 xmlns="4873beb7-5857-4685-be1f-d57550cc96cc" xsi:nil="true"/>
+  </documentManagement>
+</p:properties>
+</file>
+
+<file path=customXml/item3.xml><?xml version="1.0" encoding="utf-8"?>
 <ct:contentTypeSchema xmlns:ct="http://schemas.microsoft.com/office/2006/metadata/contentType" xmlns:ma="http://schemas.microsoft.com/office/2006/metadata/properties/metaAttributes" ct:_="" ma:_="" ma:contentTypeName="TemplateFile" ma:contentTypeID="0x0101006EDDDB5EE6D98C44930B742096920B300400F5B6D36B3EF94B4E9A635CDF2A18F5B8" ma:contentTypeVersion="72" ma:contentTypeDescription="Create a new document." ma:contentTypeScope="" ma:versionID="a23e56308344d904b51738559c3d67c9">
   <xsd:schema xmlns:xsd="http://www.w3.org/2001/XMLSchema" xmlns:xs="http://www.w3.org/2001/XMLSchema" xmlns:p="http://schemas.microsoft.com/office/2006/metadata/properties" xmlns:ns2="4873beb7-5857-4685-be1f-d57550cc96cc" targetNamespace="http://schemas.microsoft.com/office/2006/metadata/properties" ma:root="true" ma:fieldsID="cd0908cc4600e77bf5da051303e00c8d" ns2:_="">
     <xsd:import namespace="4873beb7-5857-4685-be1f-d57550cc96cc"/>
@@ -17305,132 +17609,6 @@
 </ct:contentTypeSchema>
 </file>
 
-<file path=customXml/item3.xml><?xml version="1.0" encoding="utf-8"?>
-<p:properties xmlns:p="http://schemas.microsoft.com/office/2006/metadata/properties" xmlns:xsi="http://www.w3.org/2001/XMLSchema-instance" xmlns:pc="http://schemas.microsoft.com/office/infopath/2007/PartnerControls">
-  <documentManagement>
-    <DirectSourceMarket xmlns="4873beb7-5857-4685-be1f-d57550cc96cc" xsi:nil="true"/>
-    <ApprovalStatus xmlns="4873beb7-5857-4685-be1f-d57550cc96cc">InProgress</ApprovalStatus>
-    <MarketSpecific xmlns="4873beb7-5857-4685-be1f-d57550cc96cc">false</MarketSpecific>
-    <LocComments xmlns="4873beb7-5857-4685-be1f-d57550cc96cc" xsi:nil="true"/>
-    <ThumbnailAssetId xmlns="4873beb7-5857-4685-be1f-d57550cc96cc" xsi:nil="true"/>
-    <PrimaryImageGen xmlns="4873beb7-5857-4685-be1f-d57550cc96cc">false</PrimaryImageGen>
-    <LegacyData xmlns="4873beb7-5857-4685-be1f-d57550cc96cc" xsi:nil="true"/>
-    <LocRecommendedHandoff xmlns="4873beb7-5857-4685-be1f-d57550cc96cc" xsi:nil="true"/>
-    <BusinessGroup xmlns="4873beb7-5857-4685-be1f-d57550cc96cc" xsi:nil="true"/>
-    <BlockPublish xmlns="4873beb7-5857-4685-be1f-d57550cc96cc">false</BlockPublish>
-    <TPFriendlyName xmlns="4873beb7-5857-4685-be1f-d57550cc96cc" xsi:nil="true"/>
-    <NumericId xmlns="4873beb7-5857-4685-be1f-d57550cc96cc" xsi:nil="true"/>
-    <APEditor xmlns="4873beb7-5857-4685-be1f-d57550cc96cc">
-      <UserInfo>
-        <DisplayName/>
-        <AccountId xsi:nil="true"/>
-        <AccountType/>
-      </UserInfo>
-    </APEditor>
-    <SourceTitle xmlns="4873beb7-5857-4685-be1f-d57550cc96cc" xsi:nil="true"/>
-    <OpenTemplate xmlns="4873beb7-5857-4685-be1f-d57550cc96cc">true</OpenTemplate>
-    <UALocComments xmlns="4873beb7-5857-4685-be1f-d57550cc96cc" xsi:nil="true"/>
-    <ParentAssetId xmlns="4873beb7-5857-4685-be1f-d57550cc96cc" xsi:nil="true"/>
-    <IntlLangReviewDate xmlns="4873beb7-5857-4685-be1f-d57550cc96cc" xsi:nil="true"/>
-    <FeatureTagsTaxHTField0 xmlns="4873beb7-5857-4685-be1f-d57550cc96cc">
-      <Terms xmlns="http://schemas.microsoft.com/office/infopath/2007/PartnerControls"/>
-    </FeatureTagsTaxHTField0>
-    <PublishStatusLookup xmlns="4873beb7-5857-4685-be1f-d57550cc96cc">
-      <Value>1360511</Value>
-    </PublishStatusLookup>
-    <Providers xmlns="4873beb7-5857-4685-be1f-d57550cc96cc" xsi:nil="true"/>
-    <MachineTranslated xmlns="4873beb7-5857-4685-be1f-d57550cc96cc">false</MachineTranslated>
-    <OriginalSourceMarket xmlns="4873beb7-5857-4685-be1f-d57550cc96cc" xsi:nil="true"/>
-    <APDescription xmlns="4873beb7-5857-4685-be1f-d57550cc96cc" xsi:nil="true"/>
-    <ClipArtFilename xmlns="4873beb7-5857-4685-be1f-d57550cc96cc" xsi:nil="true"/>
-    <ContentItem xmlns="4873beb7-5857-4685-be1f-d57550cc96cc" xsi:nil="true"/>
-    <TPInstallLocation xmlns="4873beb7-5857-4685-be1f-d57550cc96cc" xsi:nil="true"/>
-    <PublishTargets xmlns="4873beb7-5857-4685-be1f-d57550cc96cc">OfficeOnlineVNext</PublishTargets>
-    <TimesCloned xmlns="4873beb7-5857-4685-be1f-d57550cc96cc" xsi:nil="true"/>
-    <AssetStart xmlns="4873beb7-5857-4685-be1f-d57550cc96cc">2011-12-12T13:37:00+00:00</AssetStart>
-    <Provider xmlns="4873beb7-5857-4685-be1f-d57550cc96cc" xsi:nil="true"/>
-    <AcquiredFrom xmlns="4873beb7-5857-4685-be1f-d57550cc96cc">Internal MS</AcquiredFrom>
-    <FriendlyTitle xmlns="4873beb7-5857-4685-be1f-d57550cc96cc" xsi:nil="true"/>
-    <LastHandOff xmlns="4873beb7-5857-4685-be1f-d57550cc96cc" xsi:nil="true"/>
-    <TPClientViewer xmlns="4873beb7-5857-4685-be1f-d57550cc96cc" xsi:nil="true"/>
-    <UACurrentWords xmlns="4873beb7-5857-4685-be1f-d57550cc96cc" xsi:nil="true"/>
-    <ArtSampleDocs xmlns="4873beb7-5857-4685-be1f-d57550cc96cc" xsi:nil="true"/>
-    <UALocRecommendation xmlns="4873beb7-5857-4685-be1f-d57550cc96cc">Localize</UALocRecommendation>
-    <Manager xmlns="4873beb7-5857-4685-be1f-d57550cc96cc" xsi:nil="true"/>
-    <ShowIn xmlns="4873beb7-5857-4685-be1f-d57550cc96cc">Show everywhere</ShowIn>
-    <UANotes xmlns="4873beb7-5857-4685-be1f-d57550cc96cc" xsi:nil="true"/>
-    <TemplateStatus xmlns="4873beb7-5857-4685-be1f-d57550cc96cc">Complete</TemplateStatus>
-    <InternalTagsTaxHTField0 xmlns="4873beb7-5857-4685-be1f-d57550cc96cc">
-      <Terms xmlns="http://schemas.microsoft.com/office/infopath/2007/PartnerControls"/>
-    </InternalTagsTaxHTField0>
-    <CSXHash xmlns="4873beb7-5857-4685-be1f-d57550cc96cc" xsi:nil="true"/>
-    <Downloads xmlns="4873beb7-5857-4685-be1f-d57550cc96cc">0</Downloads>
-    <VoteCount xmlns="4873beb7-5857-4685-be1f-d57550cc96cc" xsi:nil="true"/>
-    <OOCacheId xmlns="4873beb7-5857-4685-be1f-d57550cc96cc" xsi:nil="true"/>
-    <IsDeleted xmlns="4873beb7-5857-4685-be1f-d57550cc96cc">false</IsDeleted>
-    <AssetExpire xmlns="4873beb7-5857-4685-be1f-d57550cc96cc">2035-01-01T08:00:00+00:00</AssetExpire>
-    <DSATActionTaken xmlns="4873beb7-5857-4685-be1f-d57550cc96cc" xsi:nil="true"/>
-    <CSXSubmissionMarket xmlns="4873beb7-5857-4685-be1f-d57550cc96cc" xsi:nil="true"/>
-    <TPExecutable xmlns="4873beb7-5857-4685-be1f-d57550cc96cc" xsi:nil="true"/>
-    <SubmitterId xmlns="4873beb7-5857-4685-be1f-d57550cc96cc" xsi:nil="true"/>
-    <EditorialTags xmlns="4873beb7-5857-4685-be1f-d57550cc96cc" xsi:nil="true"/>
-    <ApprovalLog xmlns="4873beb7-5857-4685-be1f-d57550cc96cc" xsi:nil="true"/>
-    <AssetType xmlns="4873beb7-5857-4685-be1f-d57550cc96cc">TP</AssetType>
-    <BugNumber xmlns="4873beb7-5857-4685-be1f-d57550cc96cc" xsi:nil="true"/>
-    <CSXSubmissionDate xmlns="4873beb7-5857-4685-be1f-d57550cc96cc" xsi:nil="true"/>
-    <CSXUpdate xmlns="4873beb7-5857-4685-be1f-d57550cc96cc">false</CSXUpdate>
-    <Milestone xmlns="4873beb7-5857-4685-be1f-d57550cc96cc" xsi:nil="true"/>
-    <RecommendationsModifier xmlns="4873beb7-5857-4685-be1f-d57550cc96cc" xsi:nil="true"/>
-    <OriginAsset xmlns="4873beb7-5857-4685-be1f-d57550cc96cc" xsi:nil="true"/>
-    <TPComponent xmlns="4873beb7-5857-4685-be1f-d57550cc96cc" xsi:nil="true"/>
-    <AssetId xmlns="4873beb7-5857-4685-be1f-d57550cc96cc">TP102801114</AssetId>
-    <IntlLocPriority xmlns="4873beb7-5857-4685-be1f-d57550cc96cc" xsi:nil="true"/>
-    <PolicheckWords xmlns="4873beb7-5857-4685-be1f-d57550cc96cc" xsi:nil="true"/>
-    <TPLaunchHelpLink xmlns="4873beb7-5857-4685-be1f-d57550cc96cc" xsi:nil="true"/>
-    <TPApplication xmlns="4873beb7-5857-4685-be1f-d57550cc96cc" xsi:nil="true"/>
-    <CrawlForDependencies xmlns="4873beb7-5857-4685-be1f-d57550cc96cc">false</CrawlForDependencies>
-    <HandoffToMSDN xmlns="4873beb7-5857-4685-be1f-d57550cc96cc" xsi:nil="true"/>
-    <PlannedPubDate xmlns="4873beb7-5857-4685-be1f-d57550cc96cc" xsi:nil="true"/>
-    <IntlLangReviewer xmlns="4873beb7-5857-4685-be1f-d57550cc96cc" xsi:nil="true"/>
-    <TrustLevel xmlns="4873beb7-5857-4685-be1f-d57550cc96cc">1 Microsoft Managed Content</TrustLevel>
-    <LocLastLocAttemptVersionLookup xmlns="4873beb7-5857-4685-be1f-d57550cc96cc">706531</LocLastLocAttemptVersionLookup>
-    <IsSearchable xmlns="4873beb7-5857-4685-be1f-d57550cc96cc">true</IsSearchable>
-    <TemplateTemplateType xmlns="4873beb7-5857-4685-be1f-d57550cc96cc">PowerPoint Presentation Template</TemplateTemplateType>
-    <CampaignTagsTaxHTField0 xmlns="4873beb7-5857-4685-be1f-d57550cc96cc">
-      <Terms xmlns="http://schemas.microsoft.com/office/infopath/2007/PartnerControls"/>
-    </CampaignTagsTaxHTField0>
-    <TPNamespace xmlns="4873beb7-5857-4685-be1f-d57550cc96cc" xsi:nil="true"/>
-    <TaxCatchAll xmlns="4873beb7-5857-4685-be1f-d57550cc96cc"/>
-    <Markets xmlns="4873beb7-5857-4685-be1f-d57550cc96cc"/>
-    <UAProjectedTotalWords xmlns="4873beb7-5857-4685-be1f-d57550cc96cc" xsi:nil="true"/>
-    <IntlLangReview xmlns="4873beb7-5857-4685-be1f-d57550cc96cc">false</IntlLangReview>
-    <OutputCachingOn xmlns="4873beb7-5857-4685-be1f-d57550cc96cc">false</OutputCachingOn>
-    <AverageRating xmlns="4873beb7-5857-4685-be1f-d57550cc96cc" xsi:nil="true"/>
-    <APAuthor xmlns="4873beb7-5857-4685-be1f-d57550cc96cc">
-      <UserInfo>
-        <DisplayName>REDMOND\v-soujap</DisplayName>
-        <AccountId>1954</AccountId>
-        <AccountType/>
-      </UserInfo>
-    </APAuthor>
-    <LocManualTestRequired xmlns="4873beb7-5857-4685-be1f-d57550cc96cc">false</LocManualTestRequired>
-    <TPCommandLine xmlns="4873beb7-5857-4685-be1f-d57550cc96cc" xsi:nil="true"/>
-    <TPAppVersion xmlns="4873beb7-5857-4685-be1f-d57550cc96cc" xsi:nil="true"/>
-    <EditorialStatus xmlns="4873beb7-5857-4685-be1f-d57550cc96cc">Complete</EditorialStatus>
-    <LastModifiedDateTime xmlns="4873beb7-5857-4685-be1f-d57550cc96cc" xsi:nil="true"/>
-    <ScenarioTagsTaxHTField0 xmlns="4873beb7-5857-4685-be1f-d57550cc96cc">
-      <Terms xmlns="http://schemas.microsoft.com/office/infopath/2007/PartnerControls"/>
-    </ScenarioTagsTaxHTField0>
-    <OriginalRelease xmlns="4873beb7-5857-4685-be1f-d57550cc96cc">14</OriginalRelease>
-    <TPLaunchHelpLinkType xmlns="4873beb7-5857-4685-be1f-d57550cc96cc">Template</TPLaunchHelpLinkType>
-    <LocalizationTagsTaxHTField0 xmlns="4873beb7-5857-4685-be1f-d57550cc96cc">
-      <Terms xmlns="http://schemas.microsoft.com/office/infopath/2007/PartnerControls"/>
-    </LocalizationTagsTaxHTField0>
-    <LocMarketGroupTiers2 xmlns="4873beb7-5857-4685-be1f-d57550cc96cc" xsi:nil="true"/>
-  </documentManagement>
-</p:properties>
-</file>
-
 <file path=customXml/itemProps1.xml><?xml version="1.0" encoding="utf-8"?>
 <ds:datastoreItem xmlns:ds="http://schemas.openxmlformats.org/officeDocument/2006/customXml" ds:itemID="{3C20563B-C646-42AF-9D0D-76DF086793C3}">
   <ds:schemaRefs>
@@ -17440,6 +17618,22 @@
 </file>
 
 <file path=customXml/itemProps2.xml><?xml version="1.0" encoding="utf-8"?>
+<ds:datastoreItem xmlns:ds="http://schemas.openxmlformats.org/officeDocument/2006/customXml" ds:itemID="{C335E791-7449-4708-8DE9-182EC4D8A134}">
+  <ds:schemaRefs>
+    <ds:schemaRef ds:uri="http://schemas.microsoft.com/office/2006/metadata/properties"/>
+    <ds:schemaRef ds:uri="http://schemas.microsoft.com/office/2006/documentManagement/types"/>
+    <ds:schemaRef ds:uri="http://schemas.microsoft.com/office/infopath/2007/PartnerControls"/>
+    <ds:schemaRef ds:uri="http://schemas.openxmlformats.org/package/2006/metadata/core-properties"/>
+    <ds:schemaRef ds:uri="http://www.w3.org/XML/1998/namespace"/>
+    <ds:schemaRef ds:uri="http://purl.org/dc/dcmitype/"/>
+    <ds:schemaRef ds:uri="4873beb7-5857-4685-be1f-d57550cc96cc"/>
+    <ds:schemaRef ds:uri="http://purl.org/dc/terms/"/>
+    <ds:schemaRef ds:uri="http://purl.org/dc/elements/1.1/"/>
+  </ds:schemaRefs>
+</ds:datastoreItem>
+</file>
+
+<file path=customXml/itemProps3.xml><?xml version="1.0" encoding="utf-8"?>
 <ds:datastoreItem xmlns:ds="http://schemas.openxmlformats.org/officeDocument/2006/customXml" ds:itemID="{6EB9514F-6A45-47F4-BC6D-A865E2971712}">
   <ds:schemaRefs>
     <ds:schemaRef ds:uri="http://schemas.microsoft.com/office/2006/metadata/contentType"/>
@@ -17455,20 +17649,4 @@
     <ds:schemaRef ds:uri="http://schemas.microsoft.com/internal/obd"/>
   </ds:schemaRefs>
 </ds:datastoreItem>
-</file>
-
-<file path=customXml/itemProps3.xml><?xml version="1.0" encoding="utf-8"?>
-<ds:datastoreItem xmlns:ds="http://schemas.openxmlformats.org/officeDocument/2006/customXml" ds:itemID="{C335E791-7449-4708-8DE9-182EC4D8A134}">
-  <ds:schemaRefs>
-    <ds:schemaRef ds:uri="http://schemas.microsoft.com/office/2006/metadata/properties"/>
-    <ds:schemaRef ds:uri="http://schemas.microsoft.com/office/2006/documentManagement/types"/>
-    <ds:schemaRef ds:uri="http://schemas.microsoft.com/office/infopath/2007/PartnerControls"/>
-    <ds:schemaRef ds:uri="http://schemas.openxmlformats.org/package/2006/metadata/core-properties"/>
-    <ds:schemaRef ds:uri="http://www.w3.org/XML/1998/namespace"/>
-    <ds:schemaRef ds:uri="http://purl.org/dc/dcmitype/"/>
-    <ds:schemaRef ds:uri="4873beb7-5857-4685-be1f-d57550cc96cc"/>
-    <ds:schemaRef ds:uri="http://purl.org/dc/terms/"/>
-    <ds:schemaRef ds:uri="http://purl.org/dc/elements/1.1/"/>
-  </ds:schemaRefs>
-</ds:datastoreItem>
 </file>
--- a/Presentation/Chwa PaN’ - presentation2.pptx
+++ b/Presentation/Chwa PaN’ - presentation2.pptx
@@ -5,10 +5,10 @@
     <p:sldMasterId id="2147483819" r:id="rId4"/>
   </p:sldMasterIdLst>
   <p:notesMasterIdLst>
-    <p:notesMasterId r:id="rId20"/>
+    <p:notesMasterId r:id="rId21"/>
   </p:notesMasterIdLst>
   <p:handoutMasterIdLst>
-    <p:handoutMasterId r:id="rId21"/>
+    <p:handoutMasterId r:id="rId22"/>
   </p:handoutMasterIdLst>
   <p:sldIdLst>
     <p:sldId id="256" r:id="rId5"/>
@@ -24,8 +24,9 @@
     <p:sldId id="283" r:id="rId15"/>
     <p:sldId id="273" r:id="rId16"/>
     <p:sldId id="285" r:id="rId17"/>
-    <p:sldId id="284" r:id="rId18"/>
-    <p:sldId id="266" r:id="rId19"/>
+    <p:sldId id="287" r:id="rId18"/>
+    <p:sldId id="284" r:id="rId19"/>
+    <p:sldId id="266" r:id="rId20"/>
   </p:sldIdLst>
   <p:sldSz cx="12188825" cy="6858000"/>
   <p:notesSz cx="6858000" cy="9144000"/>
@@ -283,11 +284,11 @@
         </c:dLbls>
         <c:gapWidth val="100"/>
         <c:overlap val="-24"/>
-        <c:axId val="-1357960912"/>
-        <c:axId val="-1255695072"/>
+        <c:axId val="2047238256"/>
+        <c:axId val="2047240976"/>
       </c:barChart>
       <c:catAx>
-        <c:axId val="-1357960912"/>
+        <c:axId val="2047238256"/>
         <c:scaling>
           <c:orientation val="minMax"/>
         </c:scaling>
@@ -327,7 +328,7 @@
             <a:endParaRPr lang="en-US"/>
           </a:p>
         </c:txPr>
-        <c:crossAx val="-1255695072"/>
+        <c:crossAx val="2047240976"/>
         <c:crosses val="autoZero"/>
         <c:auto val="1"/>
         <c:lblAlgn val="ctr"/>
@@ -335,7 +336,7 @@
         <c:noMultiLvlLbl val="0"/>
       </c:catAx>
       <c:valAx>
-        <c:axId val="-1255695072"/>
+        <c:axId val="2047240976"/>
         <c:scaling>
           <c:orientation val="minMax"/>
         </c:scaling>
@@ -386,7 +387,7 @@
             <a:endParaRPr lang="en-US"/>
           </a:p>
         </c:txPr>
-        <c:crossAx val="-1357960912"/>
+        <c:crossAx val="2047238256"/>
         <c:crosses val="autoZero"/>
         <c:crossBetween val="between"/>
       </c:valAx>
@@ -400,7 +401,6 @@
     </c:plotArea>
     <c:legend>
       <c:legendPos val="b"/>
-      <c:layout/>
       <c:overlay val="0"/>
       <c:spPr>
         <a:noFill/>
@@ -2173,8 +2173,8 @@
     </dgm:pt>
   </dgm:ptLst>
   <dgm:cxnLst>
+    <dgm:cxn modelId="{54CA38E1-8678-4786-A265-770FD25C3115}" type="presOf" srcId="{CC6B7442-0B72-4EF2-9F13-1325B51AFF9F}" destId="{99560A19-63A4-4F58-BF54-93D1A84B1A1C}" srcOrd="1" destOrd="0" presId="urn:microsoft.com/office/officeart/2005/8/layout/venn1"/>
     <dgm:cxn modelId="{8314FB70-092A-47FB-83E3-C595090DBA48}" type="presOf" srcId="{477D14C5-CED9-4CFC-B338-DFB0C8090B9F}" destId="{1114C5CF-9DB7-4B7A-9D02-B353869E5D38}" srcOrd="1" destOrd="0" presId="urn:microsoft.com/office/officeart/2005/8/layout/venn1"/>
-    <dgm:cxn modelId="{54CA38E1-8678-4786-A265-770FD25C3115}" type="presOf" srcId="{CC6B7442-0B72-4EF2-9F13-1325B51AFF9F}" destId="{99560A19-63A4-4F58-BF54-93D1A84B1A1C}" srcOrd="1" destOrd="0" presId="urn:microsoft.com/office/officeart/2005/8/layout/venn1"/>
     <dgm:cxn modelId="{7D461F02-AB37-447A-AC6B-D31C4D2EC6A9}" srcId="{90119837-5B71-4D44-BB01-DB0B084933C8}" destId="{477D14C5-CED9-4CFC-B338-DFB0C8090B9F}" srcOrd="0" destOrd="0" parTransId="{92DFCBC7-BC14-4697-8ECD-BF0D5B1EDA3B}" sibTransId="{87E3C0DB-7BEE-424E-8E11-B838D238D595}"/>
     <dgm:cxn modelId="{98BEF9E1-8D57-4A22-93E0-87299CF8A4AD}" type="presOf" srcId="{CC6B7442-0B72-4EF2-9F13-1325B51AFF9F}" destId="{2B11D8EC-23D3-4EEE-B141-81E29A0B04B6}" srcOrd="0" destOrd="0" presId="urn:microsoft.com/office/officeart/2005/8/layout/venn1"/>
     <dgm:cxn modelId="{25C8D00E-7E96-4A36-A375-D219ADDEF7E1}" type="presOf" srcId="{90119837-5B71-4D44-BB01-DB0B084933C8}" destId="{E16D65B4-494C-45C0-82F5-A63E581063CB}" srcOrd="0" destOrd="0" presId="urn:microsoft.com/office/officeart/2005/8/layout/venn1"/>
@@ -2215,8 +2215,8 @@
       </dsp:nvSpPr>
       <dsp:spPr>
         <a:xfrm>
-          <a:off x="1165860" y="56197"/>
-          <a:ext cx="2697480" cy="2697480"/>
+          <a:off x="1200245" y="57585"/>
+          <a:ext cx="2764128" cy="2764128"/>
         </a:xfrm>
         <a:prstGeom prst="ellipse">
           <a:avLst/>
@@ -2275,7 +2275,7 @@
         </a:bodyPr>
         <a:lstStyle/>
         <a:p>
-          <a:pPr lvl="0" algn="ctr" defTabSz="1422400">
+          <a:pPr lvl="0" algn="ctr" defTabSz="1466850">
             <a:lnSpc>
               <a:spcPct val="90000"/>
             </a:lnSpc>
@@ -2287,19 +2287,19 @@
             </a:spcAft>
           </a:pPr>
           <a:r>
-            <a:rPr lang="fr-HT" sz="3200" kern="1200" noProof="0" dirty="0" smtClean="0">
+            <a:rPr lang="fr-HT" sz="3300" kern="1200" noProof="0" dirty="0" smtClean="0">
               <a:latin typeface="Comic Sans MS" panose="030F0702030302020204" pitchFamily="66" charset="0"/>
             </a:rPr>
             <a:t>Calendrier</a:t>
           </a:r>
-          <a:endParaRPr lang="fr-HT" sz="3200" kern="1200" noProof="0" dirty="0">
+          <a:endParaRPr lang="fr-HT" sz="3300" kern="1200" noProof="0" dirty="0">
             <a:latin typeface="Comic Sans MS" panose="030F0702030302020204" pitchFamily="66" charset="0"/>
           </a:endParaRPr>
         </a:p>
       </dsp:txBody>
       <dsp:txXfrm>
-        <a:off x="1525524" y="528256"/>
-        <a:ext cx="1978152" cy="1213866"/>
+        <a:off x="1568796" y="541308"/>
+        <a:ext cx="2027027" cy="1243857"/>
       </dsp:txXfrm>
     </dsp:sp>
     <dsp:sp modelId="{3469E5A2-93C2-49EF-825C-26E5802651A1}">
@@ -2309,8 +2309,8 @@
       </dsp:nvSpPr>
       <dsp:spPr>
         <a:xfrm>
-          <a:off x="2139201" y="1742122"/>
-          <a:ext cx="2697480" cy="2697480"/>
+          <a:off x="2197635" y="1785166"/>
+          <a:ext cx="2764128" cy="2764128"/>
         </a:xfrm>
         <a:prstGeom prst="ellipse">
           <a:avLst/>
@@ -2369,7 +2369,7 @@
         </a:bodyPr>
         <a:lstStyle/>
         <a:p>
-          <a:pPr lvl="0" algn="ctr" defTabSz="1422400">
+          <a:pPr lvl="0" algn="ctr" defTabSz="1466850">
             <a:lnSpc>
               <a:spcPct val="90000"/>
             </a:lnSpc>
@@ -2381,15 +2381,15 @@
             </a:spcAft>
           </a:pPr>
           <a:r>
-            <a:rPr lang="en-US" sz="3200" kern="1200" dirty="0" smtClean="0"/>
+            <a:rPr lang="en-US" sz="3300" kern="1200" dirty="0" smtClean="0"/>
             <a:t>Adoption</a:t>
           </a:r>
-          <a:endParaRPr lang="en-US" sz="3200" kern="1200" dirty="0"/>
+          <a:endParaRPr lang="en-US" sz="3300" kern="1200" dirty="0"/>
         </a:p>
       </dsp:txBody>
       <dsp:txXfrm>
-        <a:off x="2964180" y="2438971"/>
-        <a:ext cx="1618488" cy="1483614"/>
+        <a:off x="3042998" y="2499232"/>
+        <a:ext cx="1658476" cy="1520270"/>
       </dsp:txXfrm>
     </dsp:sp>
     <dsp:sp modelId="{2B11D8EC-23D3-4EEE-B141-81E29A0B04B6}">
@@ -2399,8 +2399,8 @@
       </dsp:nvSpPr>
       <dsp:spPr>
         <a:xfrm>
-          <a:off x="192519" y="1742122"/>
-          <a:ext cx="2697480" cy="2697480"/>
+          <a:off x="202856" y="1785166"/>
+          <a:ext cx="2764128" cy="2764128"/>
         </a:xfrm>
         <a:prstGeom prst="ellipse">
           <a:avLst/>
@@ -2459,7 +2459,7 @@
         </a:bodyPr>
         <a:lstStyle/>
         <a:p>
-          <a:pPr lvl="0" algn="ctr" defTabSz="1422400">
+          <a:pPr lvl="0" algn="ctr" defTabSz="1466850">
             <a:lnSpc>
               <a:spcPct val="90000"/>
             </a:lnSpc>
@@ -2471,15 +2471,15 @@
             </a:spcAft>
           </a:pPr>
           <a:r>
-            <a:rPr lang="en-US" sz="3200" kern="1200" dirty="0" smtClean="0"/>
+            <a:rPr lang="en-US" sz="3300" kern="1200" dirty="0" smtClean="0"/>
             <a:t>Forum</a:t>
           </a:r>
-          <a:endParaRPr lang="en-US" sz="3200" kern="1200" dirty="0"/>
+          <a:endParaRPr lang="en-US" sz="3300" kern="1200" dirty="0"/>
         </a:p>
       </dsp:txBody>
       <dsp:txXfrm>
-        <a:off x="446532" y="2438971"/>
-        <a:ext cx="1618488" cy="1483614"/>
+        <a:off x="463145" y="2499232"/>
+        <a:ext cx="1658476" cy="1520270"/>
       </dsp:txXfrm>
     </dsp:sp>
   </dsp:spTree>
@@ -13352,6 +13352,119 @@
             <p:ph type="title"/>
           </p:nvPr>
         </p:nvSpPr>
+        <p:spPr/>
+        <p:txBody>
+          <a:bodyPr>
+            <a:normAutofit/>
+          </a:bodyPr>
+          <a:lstStyle/>
+          <a:p>
+            <a:pPr algn="l"/>
+            <a:r>
+              <a:rPr lang="en-US" sz="4400" b="1" dirty="0" smtClean="0">
+                <a:latin typeface="Comic Sans MS" panose="030F0702030302020204" pitchFamily="66" charset="0"/>
+              </a:rPr>
+              <a:t>Source de revenue</a:t>
+            </a:r>
+            <a:endParaRPr lang="en-US" sz="4400" b="1" dirty="0">
+              <a:latin typeface="Comic Sans MS" panose="030F0702030302020204" pitchFamily="66" charset="0"/>
+            </a:endParaRPr>
+          </a:p>
+        </p:txBody>
+      </p:sp>
+      <p:sp>
+        <p:nvSpPr>
+          <p:cNvPr id="3" name="TextBox 2"/>
+          <p:cNvSpPr txBox="1"/>
+          <p:nvPr/>
+        </p:nvSpPr>
+        <p:spPr>
+          <a:xfrm>
+            <a:off x="1979612" y="2286000"/>
+            <a:ext cx="1393330" cy="369332"/>
+          </a:xfrm>
+          <a:prstGeom prst="rect">
+            <a:avLst/>
+          </a:prstGeom>
+          <a:noFill/>
+        </p:spPr>
+        <p:txBody>
+          <a:bodyPr wrap="none" rtlCol="0">
+            <a:spAutoFit/>
+          </a:bodyPr>
+          <a:lstStyle/>
+          <a:p>
+            <a:pPr marL="285750" indent="-285750">
+              <a:buFont typeface="Arial" panose="020B0604020202020204" pitchFamily="34" charset="0"/>
+              <a:buChar char="•"/>
+            </a:pPr>
+            <a:r>
+              <a:rPr lang="en-US" dirty="0" err="1" smtClean="0"/>
+              <a:t>Publicit</a:t>
+            </a:r>
+            <a:r>
+              <a:rPr lang="en-US" dirty="0" err="1" smtClean="0">
+                <a:latin typeface="Calibri" panose="020F0502020204030204" pitchFamily="34" charset="0"/>
+                <a:cs typeface="Calibri" panose="020F0502020204030204" pitchFamily="34" charset="0"/>
+              </a:rPr>
+              <a:t>és</a:t>
+            </a:r>
+            <a:endParaRPr lang="en-US" dirty="0"/>
+          </a:p>
+        </p:txBody>
+      </p:sp>
+    </p:spTree>
+    <p:extLst>
+      <p:ext uri="{BB962C8B-B14F-4D97-AF65-F5344CB8AC3E}">
+        <p14:creationId xmlns:p14="http://schemas.microsoft.com/office/powerpoint/2010/main" val="4147872884"/>
+      </p:ext>
+    </p:extLst>
+  </p:cSld>
+  <p:clrMapOvr>
+    <a:masterClrMapping/>
+  </p:clrMapOvr>
+  <mc:AlternateContent xmlns:mc="http://schemas.openxmlformats.org/markup-compatibility/2006" xmlns:p14="http://schemas.microsoft.com/office/powerpoint/2010/main">
+    <mc:Choice Requires="p14">
+      <p:transition spd="med" p14:dur="700">
+        <p:fade/>
+      </p:transition>
+    </mc:Choice>
+    <mc:Fallback xmlns="">
+      <p:transition spd="med">
+        <p:fade/>
+      </p:transition>
+    </mc:Fallback>
+  </mc:AlternateContent>
+</p:sld>
+</file>
+
+<file path=ppt/slides/slide15.xml><?xml version="1.0" encoding="utf-8"?>
+<p:sld xmlns:a="http://schemas.openxmlformats.org/drawingml/2006/main" xmlns:r="http://schemas.openxmlformats.org/officeDocument/2006/relationships" xmlns:p="http://schemas.openxmlformats.org/presentationml/2006/main">
+  <p:cSld>
+    <p:spTree>
+      <p:nvGrpSpPr>
+        <p:cNvPr id="1" name=""/>
+        <p:cNvGrpSpPr/>
+        <p:nvPr/>
+      </p:nvGrpSpPr>
+      <p:grpSpPr>
+        <a:xfrm>
+          <a:off x="0" y="0"/>
+          <a:ext cx="0" cy="0"/>
+          <a:chOff x="0" y="0"/>
+          <a:chExt cx="0" cy="0"/>
+        </a:xfrm>
+      </p:grpSpPr>
+      <p:sp>
+        <p:nvSpPr>
+          <p:cNvPr id="2" name="Title 1"/>
+          <p:cNvSpPr>
+            <a:spLocks noGrp="1"/>
+          </p:cNvSpPr>
+          <p:nvPr>
+            <p:ph type="title"/>
+          </p:nvPr>
+        </p:nvSpPr>
         <p:spPr>
           <a:xfrm>
             <a:off x="1674812" y="76200"/>
@@ -13748,7 +13861,7 @@
 </p:sld>
 </file>
 
-<file path=ppt/slides/slide15.xml><?xml version="1.0" encoding="utf-8"?>
+<file path=ppt/slides/slide16.xml><?xml version="1.0" encoding="utf-8"?>
 <p:sld xmlns:a="http://schemas.openxmlformats.org/drawingml/2006/main" xmlns:r="http://schemas.openxmlformats.org/officeDocument/2006/relationships" xmlns:p="http://schemas.openxmlformats.org/presentationml/2006/main">
   <p:cSld>
     <p:spTree>
@@ -15043,14 +15156,14 @@
             <p:ph sz="half" idx="1"/>
             <p:extLst>
               <p:ext uri="{D42A27DB-BD31-4B8C-83A1-F6EECF244321}">
-                <p14:modId xmlns:p14="http://schemas.microsoft.com/office/powerpoint/2010/main" val="2088727245"/>
+                <p14:modId xmlns:p14="http://schemas.microsoft.com/office/powerpoint/2010/main" val="362387633"/>
               </p:ext>
             </p:extLst>
           </p:nvPr>
         </p:nvGraphicFramePr>
         <p:xfrm>
-          <a:off x="6856412" y="1254080"/>
-          <a:ext cx="5029201" cy="4495800"/>
+          <a:off x="6720994" y="1143000"/>
+          <a:ext cx="5164620" cy="4606880"/>
         </p:xfrm>
         <a:graphic>
           <a:graphicData uri="http://schemas.openxmlformats.org/drawingml/2006/diagram">
@@ -16435,15 +16548,6 @@
 </file>
 
 <file path=customXml/item1.xml><?xml version="1.0" encoding="utf-8"?>
-<?mso-contentType ?>
-<FormTemplates xmlns="http://schemas.microsoft.com/sharepoint/v3/contenttype/forms">
-  <Display>DocumentLibraryForm</Display>
-  <Edit>AssetEditForm</Edit>
-  <New>DocumentLibraryForm</New>
-</FormTemplates>
-</file>
-
-<file path=customXml/item2.xml><?xml version="1.0" encoding="utf-8"?>
 <p:properties xmlns:p="http://schemas.microsoft.com/office/2006/metadata/properties" xmlns:xsi="http://www.w3.org/2001/XMLSchema-instance" xmlns:pc="http://schemas.microsoft.com/office/infopath/2007/PartnerControls">
   <documentManagement>
     <DirectSourceMarket xmlns="4873beb7-5857-4685-be1f-d57550cc96cc" xsi:nil="true"/>
@@ -16567,6 +16671,15 @@
     <LocMarketGroupTiers2 xmlns="4873beb7-5857-4685-be1f-d57550cc96cc" xsi:nil="true"/>
   </documentManagement>
 </p:properties>
+</file>
+
+<file path=customXml/item2.xml><?xml version="1.0" encoding="utf-8"?>
+<?mso-contentType ?>
+<FormTemplates xmlns="http://schemas.microsoft.com/sharepoint/v3/contenttype/forms">
+  <Display>DocumentLibraryForm</Display>
+  <Edit>AssetEditForm</Edit>
+  <New>DocumentLibraryForm</New>
+</FormTemplates>
 </file>
 
 <file path=customXml/item3.xml><?xml version="1.0" encoding="utf-8"?>
@@ -17610,14 +17723,6 @@
 </file>
 
 <file path=customXml/itemProps1.xml><?xml version="1.0" encoding="utf-8"?>
-<ds:datastoreItem xmlns:ds="http://schemas.openxmlformats.org/officeDocument/2006/customXml" ds:itemID="{3C20563B-C646-42AF-9D0D-76DF086793C3}">
-  <ds:schemaRefs>
-    <ds:schemaRef ds:uri="http://schemas.microsoft.com/sharepoint/v3/contenttype/forms"/>
-  </ds:schemaRefs>
-</ds:datastoreItem>
-</file>
-
-<file path=customXml/itemProps2.xml><?xml version="1.0" encoding="utf-8"?>
 <ds:datastoreItem xmlns:ds="http://schemas.openxmlformats.org/officeDocument/2006/customXml" ds:itemID="{C335E791-7449-4708-8DE9-182EC4D8A134}">
   <ds:schemaRefs>
     <ds:schemaRef ds:uri="http://schemas.microsoft.com/office/2006/metadata/properties"/>
@@ -17629,6 +17734,14 @@
     <ds:schemaRef ds:uri="4873beb7-5857-4685-be1f-d57550cc96cc"/>
     <ds:schemaRef ds:uri="http://purl.org/dc/terms/"/>
     <ds:schemaRef ds:uri="http://purl.org/dc/elements/1.1/"/>
+  </ds:schemaRefs>
+</ds:datastoreItem>
+</file>
+
+<file path=customXml/itemProps2.xml><?xml version="1.0" encoding="utf-8"?>
+<ds:datastoreItem xmlns:ds="http://schemas.openxmlformats.org/officeDocument/2006/customXml" ds:itemID="{3C20563B-C646-42AF-9D0D-76DF086793C3}">
+  <ds:schemaRefs>
+    <ds:schemaRef ds:uri="http://schemas.microsoft.com/sharepoint/v3/contenttype/forms"/>
   </ds:schemaRefs>
 </ds:datastoreItem>
 </file>

--- a/Presentation/Chwa PaN’ - presentation2.pptx
+++ b/Presentation/Chwa PaN’ - presentation2.pptx
@@ -16,9 +16,9 @@
     <p:sldId id="265" r:id="rId7"/>
     <p:sldId id="286" r:id="rId8"/>
     <p:sldId id="274" r:id="rId9"/>
-    <p:sldId id="262" r:id="rId10"/>
-    <p:sldId id="279" r:id="rId11"/>
-    <p:sldId id="278" r:id="rId12"/>
+    <p:sldId id="279" r:id="rId10"/>
+    <p:sldId id="278" r:id="rId11"/>
+    <p:sldId id="262" r:id="rId12"/>
     <p:sldId id="277" r:id="rId13"/>
     <p:sldId id="282" r:id="rId14"/>
     <p:sldId id="283" r:id="rId15"/>
@@ -284,11 +284,11 @@
         </c:dLbls>
         <c:gapWidth val="100"/>
         <c:overlap val="-24"/>
-        <c:axId val="2047238256"/>
-        <c:axId val="2047240976"/>
+        <c:axId val="2047237168"/>
+        <c:axId val="2047244784"/>
       </c:barChart>
       <c:catAx>
-        <c:axId val="2047238256"/>
+        <c:axId val="2047237168"/>
         <c:scaling>
           <c:orientation val="minMax"/>
         </c:scaling>
@@ -328,7 +328,7 @@
             <a:endParaRPr lang="en-US"/>
           </a:p>
         </c:txPr>
-        <c:crossAx val="2047240976"/>
+        <c:crossAx val="2047244784"/>
         <c:crosses val="autoZero"/>
         <c:auto val="1"/>
         <c:lblAlgn val="ctr"/>
@@ -336,7 +336,7 @@
         <c:noMultiLvlLbl val="0"/>
       </c:catAx>
       <c:valAx>
-        <c:axId val="2047240976"/>
+        <c:axId val="2047244784"/>
         <c:scaling>
           <c:orientation val="minMax"/>
         </c:scaling>
@@ -387,7 +387,7 @@
             <a:endParaRPr lang="en-US"/>
           </a:p>
         </c:txPr>
-        <c:crossAx val="2047238256"/>
+        <c:crossAx val="2047237168"/>
         <c:crosses val="autoZero"/>
         <c:crossBetween val="between"/>
       </c:valAx>
@@ -2173,8 +2173,8 @@
     </dgm:pt>
   </dgm:ptLst>
   <dgm:cxnLst>
+    <dgm:cxn modelId="{8314FB70-092A-47FB-83E3-C595090DBA48}" type="presOf" srcId="{477D14C5-CED9-4CFC-B338-DFB0C8090B9F}" destId="{1114C5CF-9DB7-4B7A-9D02-B353869E5D38}" srcOrd="1" destOrd="0" presId="urn:microsoft.com/office/officeart/2005/8/layout/venn1"/>
     <dgm:cxn modelId="{54CA38E1-8678-4786-A265-770FD25C3115}" type="presOf" srcId="{CC6B7442-0B72-4EF2-9F13-1325B51AFF9F}" destId="{99560A19-63A4-4F58-BF54-93D1A84B1A1C}" srcOrd="1" destOrd="0" presId="urn:microsoft.com/office/officeart/2005/8/layout/venn1"/>
-    <dgm:cxn modelId="{8314FB70-092A-47FB-83E3-C595090DBA48}" type="presOf" srcId="{477D14C5-CED9-4CFC-B338-DFB0C8090B9F}" destId="{1114C5CF-9DB7-4B7A-9D02-B353869E5D38}" srcOrd="1" destOrd="0" presId="urn:microsoft.com/office/officeart/2005/8/layout/venn1"/>
     <dgm:cxn modelId="{7D461F02-AB37-447A-AC6B-D31C4D2EC6A9}" srcId="{90119837-5B71-4D44-BB01-DB0B084933C8}" destId="{477D14C5-CED9-4CFC-B338-DFB0C8090B9F}" srcOrd="0" destOrd="0" parTransId="{92DFCBC7-BC14-4697-8ECD-BF0D5B1EDA3B}" sibTransId="{87E3C0DB-7BEE-424E-8E11-B838D238D595}"/>
     <dgm:cxn modelId="{98BEF9E1-8D57-4A22-93E0-87299CF8A4AD}" type="presOf" srcId="{CC6B7442-0B72-4EF2-9F13-1325B51AFF9F}" destId="{2B11D8EC-23D3-4EEE-B141-81E29A0B04B6}" srcOrd="0" destOrd="0" presId="urn:microsoft.com/office/officeart/2005/8/layout/venn1"/>
     <dgm:cxn modelId="{25C8D00E-7E96-4A36-A375-D219ADDEF7E1}" type="presOf" srcId="{90119837-5B71-4D44-BB01-DB0B084933C8}" destId="{E16D65B4-494C-45C0-82F5-A63E581063CB}" srcOrd="0" destOrd="0" presId="urn:microsoft.com/office/officeart/2005/8/layout/venn1"/>
@@ -13293,6 +13293,30 @@
           </a:p>
         </p:txBody>
       </p:sp>
+      <p:pic>
+        <p:nvPicPr>
+          <p:cNvPr id="3" name="Image 5" descr="download.jpeg"/>
+          <p:cNvPicPr>
+            <a:picLocks noChangeAspect="1"/>
+          </p:cNvPicPr>
+          <p:nvPr/>
+        </p:nvPicPr>
+        <p:blipFill>
+          <a:blip r:embed="rId2"/>
+          <a:stretch>
+            <a:fillRect/>
+          </a:stretch>
+        </p:blipFill>
+        <p:spPr>
+          <a:xfrm>
+            <a:off x="3198812" y="1981200"/>
+            <a:ext cx="5867400" cy="3911600"/>
+          </a:xfrm>
+          <a:prstGeom prst="rect">
+            <a:avLst/>
+          </a:prstGeom>
+        </p:spPr>
+      </p:pic>
     </p:spTree>
     <p:extLst>
       <p:ext uri="{BB962C8B-B14F-4D97-AF65-F5344CB8AC3E}">
@@ -13352,7 +13376,12 @@
             <p:ph type="title"/>
           </p:nvPr>
         </p:nvSpPr>
-        <p:spPr/>
+        <p:spPr>
+          <a:xfrm>
+            <a:off x="3046412" y="1828800"/>
+            <a:ext cx="10016104" cy="1752599"/>
+          </a:xfrm>
+        </p:spPr>
         <p:txBody>
           <a:bodyPr>
             <a:normAutofit/>
@@ -13364,52 +13393,11 @@
               <a:rPr lang="en-US" sz="4400" b="1" dirty="0" smtClean="0">
                 <a:latin typeface="Comic Sans MS" panose="030F0702030302020204" pitchFamily="66" charset="0"/>
               </a:rPr>
-              <a:t>Source de revenue</a:t>
+              <a:t>Business Model</a:t>
             </a:r>
             <a:endParaRPr lang="en-US" sz="4400" b="1" dirty="0">
               <a:latin typeface="Comic Sans MS" panose="030F0702030302020204" pitchFamily="66" charset="0"/>
             </a:endParaRPr>
-          </a:p>
-        </p:txBody>
-      </p:sp>
-      <p:sp>
-        <p:nvSpPr>
-          <p:cNvPr id="3" name="TextBox 2"/>
-          <p:cNvSpPr txBox="1"/>
-          <p:nvPr/>
-        </p:nvSpPr>
-        <p:spPr>
-          <a:xfrm>
-            <a:off x="1979612" y="2286000"/>
-            <a:ext cx="1393330" cy="369332"/>
-          </a:xfrm>
-          <a:prstGeom prst="rect">
-            <a:avLst/>
-          </a:prstGeom>
-          <a:noFill/>
-        </p:spPr>
-        <p:txBody>
-          <a:bodyPr wrap="none" rtlCol="0">
-            <a:spAutoFit/>
-          </a:bodyPr>
-          <a:lstStyle/>
-          <a:p>
-            <a:pPr marL="285750" indent="-285750">
-              <a:buFont typeface="Arial" panose="020B0604020202020204" pitchFamily="34" charset="0"/>
-              <a:buChar char="•"/>
-            </a:pPr>
-            <a:r>
-              <a:rPr lang="en-US" dirty="0" err="1" smtClean="0"/>
-              <a:t>Publicit</a:t>
-            </a:r>
-            <a:r>
-              <a:rPr lang="en-US" dirty="0" err="1" smtClean="0">
-                <a:latin typeface="Calibri" panose="020F0502020204030204" pitchFamily="34" charset="0"/>
-                <a:cs typeface="Calibri" panose="020F0502020204030204" pitchFamily="34" charset="0"/>
-              </a:rPr>
-              <a:t>és</a:t>
-            </a:r>
-            <a:endParaRPr lang="en-US" dirty="0"/>
           </a:p>
         </p:txBody>
       </p:sp>
@@ -15457,119 +15445,6 @@
         </p:nvSpPr>
         <p:spPr>
           <a:xfrm>
-            <a:off x="1598612" y="163132"/>
-            <a:ext cx="9601200" cy="1143000"/>
-          </a:xfrm>
-        </p:spPr>
-        <p:txBody>
-          <a:bodyPr>
-            <a:normAutofit/>
-          </a:bodyPr>
-          <a:lstStyle/>
-          <a:p>
-            <a:pPr algn="l"/>
-            <a:r>
-              <a:rPr lang="en-US" sz="4400" b="1" dirty="0" smtClean="0">
-                <a:latin typeface="Comic Sans MS" panose="030F0702030302020204" pitchFamily="66" charset="0"/>
-              </a:rPr>
-              <a:t>Notre Produit (Web)</a:t>
-            </a:r>
-            <a:endParaRPr lang="en-US" sz="4400" b="1" dirty="0">
-              <a:latin typeface="Comic Sans MS" panose="030F0702030302020204" pitchFamily="66" charset="0"/>
-            </a:endParaRPr>
-          </a:p>
-        </p:txBody>
-      </p:sp>
-      <p:pic>
-        <p:nvPicPr>
-          <p:cNvPr id="3" name="Content Placeholder 3"/>
-          <p:cNvPicPr>
-            <a:picLocks noChangeAspect="1"/>
-          </p:cNvPicPr>
-          <p:nvPr/>
-        </p:nvPicPr>
-        <p:blipFill rotWithShape="1">
-          <a:blip r:embed="rId2">
-            <a:extLst>
-              <a:ext uri="{28A0092B-C50C-407E-A947-70E740481C1C}">
-                <a14:useLocalDpi xmlns:a14="http://schemas.microsoft.com/office/drawing/2010/main" val="0"/>
-              </a:ext>
-            </a:extLst>
-          </a:blip>
-          <a:srcRect t="9864" b="6830"/>
-          <a:stretch/>
-        </p:blipFill>
-        <p:spPr>
-          <a:xfrm>
-            <a:off x="2589212" y="1295400"/>
-            <a:ext cx="9410482" cy="5181600"/>
-          </a:xfrm>
-          <a:prstGeom prst="rect">
-            <a:avLst/>
-          </a:prstGeom>
-        </p:spPr>
-      </p:pic>
-    </p:spTree>
-    <p:extLst>
-      <p:ext uri="{BB962C8B-B14F-4D97-AF65-F5344CB8AC3E}">
-        <p14:creationId xmlns:p14="http://schemas.microsoft.com/office/powerpoint/2010/main" val="371841401"/>
-      </p:ext>
-    </p:extLst>
-  </p:cSld>
-  <p:clrMapOvr>
-    <a:masterClrMapping/>
-  </p:clrMapOvr>
-  <mc:AlternateContent xmlns:mc="http://schemas.openxmlformats.org/markup-compatibility/2006" xmlns:p14="http://schemas.microsoft.com/office/powerpoint/2010/main">
-    <mc:Choice Requires="p14">
-      <p:transition spd="med" p14:dur="700">
-        <p:fade/>
-      </p:transition>
-    </mc:Choice>
-    <mc:Fallback xmlns="">
-      <p:transition spd="med">
-        <p:fade/>
-      </p:transition>
-    </mc:Fallback>
-  </mc:AlternateContent>
-  <p:timing>
-    <p:tnLst>
-      <p:par>
-        <p:cTn id="1" dur="indefinite" restart="never" nodeType="tmRoot"/>
-      </p:par>
-    </p:tnLst>
-  </p:timing>
-</p:sld>
-</file>
-
-<file path=ppt/slides/slide7.xml><?xml version="1.0" encoding="utf-8"?>
-<p:sld xmlns:a="http://schemas.openxmlformats.org/drawingml/2006/main" xmlns:r="http://schemas.openxmlformats.org/officeDocument/2006/relationships" xmlns:p="http://schemas.openxmlformats.org/presentationml/2006/main">
-  <p:cSld>
-    <p:spTree>
-      <p:nvGrpSpPr>
-        <p:cNvPr id="1" name=""/>
-        <p:cNvGrpSpPr/>
-        <p:nvPr/>
-      </p:nvGrpSpPr>
-      <p:grpSpPr>
-        <a:xfrm>
-          <a:off x="0" y="0"/>
-          <a:ext cx="0" cy="0"/>
-          <a:chOff x="0" y="0"/>
-          <a:chExt cx="0" cy="0"/>
-        </a:xfrm>
-      </p:grpSpPr>
-      <p:sp>
-        <p:nvSpPr>
-          <p:cNvPr id="2" name="Title 1"/>
-          <p:cNvSpPr>
-            <a:spLocks noGrp="1"/>
-          </p:cNvSpPr>
-          <p:nvPr>
-            <p:ph type="title"/>
-          </p:nvPr>
-        </p:nvSpPr>
-        <p:spPr>
-          <a:xfrm>
             <a:off x="1579155" y="137631"/>
             <a:ext cx="9601200" cy="1143000"/>
           </a:xfrm>
@@ -15655,7 +15530,7 @@
 </p:sld>
 </file>
 
-<file path=ppt/slides/slide8.xml><?xml version="1.0" encoding="utf-8"?>
+<file path=ppt/slides/slide7.xml><?xml version="1.0" encoding="utf-8"?>
 <p:sld xmlns:a="http://schemas.openxmlformats.org/drawingml/2006/main" xmlns:r="http://schemas.openxmlformats.org/officeDocument/2006/relationships" xmlns:p="http://schemas.openxmlformats.org/presentationml/2006/main">
   <p:cSld>
     <p:spTree>
@@ -15741,6 +15616,119 @@
     <p:extLst>
       <p:ext uri="{BB962C8B-B14F-4D97-AF65-F5344CB8AC3E}">
         <p14:creationId xmlns:p14="http://schemas.microsoft.com/office/powerpoint/2010/main" val="285194977"/>
+      </p:ext>
+    </p:extLst>
+  </p:cSld>
+  <p:clrMapOvr>
+    <a:masterClrMapping/>
+  </p:clrMapOvr>
+  <mc:AlternateContent xmlns:mc="http://schemas.openxmlformats.org/markup-compatibility/2006" xmlns:p14="http://schemas.microsoft.com/office/powerpoint/2010/main">
+    <mc:Choice Requires="p14">
+      <p:transition spd="med" p14:dur="700">
+        <p:fade/>
+      </p:transition>
+    </mc:Choice>
+    <mc:Fallback xmlns="">
+      <p:transition spd="med">
+        <p:fade/>
+      </p:transition>
+    </mc:Fallback>
+  </mc:AlternateContent>
+  <p:timing>
+    <p:tnLst>
+      <p:par>
+        <p:cTn id="1" dur="indefinite" restart="never" nodeType="tmRoot"/>
+      </p:par>
+    </p:tnLst>
+  </p:timing>
+</p:sld>
+</file>
+
+<file path=ppt/slides/slide8.xml><?xml version="1.0" encoding="utf-8"?>
+<p:sld xmlns:a="http://schemas.openxmlformats.org/drawingml/2006/main" xmlns:r="http://schemas.openxmlformats.org/officeDocument/2006/relationships" xmlns:p="http://schemas.openxmlformats.org/presentationml/2006/main">
+  <p:cSld>
+    <p:spTree>
+      <p:nvGrpSpPr>
+        <p:cNvPr id="1" name=""/>
+        <p:cNvGrpSpPr/>
+        <p:nvPr/>
+      </p:nvGrpSpPr>
+      <p:grpSpPr>
+        <a:xfrm>
+          <a:off x="0" y="0"/>
+          <a:ext cx="0" cy="0"/>
+          <a:chOff x="0" y="0"/>
+          <a:chExt cx="0" cy="0"/>
+        </a:xfrm>
+      </p:grpSpPr>
+      <p:sp>
+        <p:nvSpPr>
+          <p:cNvPr id="2" name="Title 1"/>
+          <p:cNvSpPr>
+            <a:spLocks noGrp="1"/>
+          </p:cNvSpPr>
+          <p:nvPr>
+            <p:ph type="title"/>
+          </p:nvPr>
+        </p:nvSpPr>
+        <p:spPr>
+          <a:xfrm>
+            <a:off x="1598612" y="163132"/>
+            <a:ext cx="9601200" cy="1143000"/>
+          </a:xfrm>
+        </p:spPr>
+        <p:txBody>
+          <a:bodyPr>
+            <a:normAutofit/>
+          </a:bodyPr>
+          <a:lstStyle/>
+          <a:p>
+            <a:pPr algn="l"/>
+            <a:r>
+              <a:rPr lang="en-US" sz="4400" b="1" dirty="0" smtClean="0">
+                <a:latin typeface="Comic Sans MS" panose="030F0702030302020204" pitchFamily="66" charset="0"/>
+              </a:rPr>
+              <a:t>Notre Produit (Web)</a:t>
+            </a:r>
+            <a:endParaRPr lang="en-US" sz="4400" b="1" dirty="0">
+              <a:latin typeface="Comic Sans MS" panose="030F0702030302020204" pitchFamily="66" charset="0"/>
+            </a:endParaRPr>
+          </a:p>
+        </p:txBody>
+      </p:sp>
+      <p:pic>
+        <p:nvPicPr>
+          <p:cNvPr id="3" name="Content Placeholder 3"/>
+          <p:cNvPicPr>
+            <a:picLocks noChangeAspect="1"/>
+          </p:cNvPicPr>
+          <p:nvPr/>
+        </p:nvPicPr>
+        <p:blipFill rotWithShape="1">
+          <a:blip r:embed="rId2">
+            <a:extLst>
+              <a:ext uri="{28A0092B-C50C-407E-A947-70E740481C1C}">
+                <a14:useLocalDpi xmlns:a14="http://schemas.microsoft.com/office/drawing/2010/main" val="0"/>
+              </a:ext>
+            </a:extLst>
+          </a:blip>
+          <a:srcRect t="9864" b="6830"/>
+          <a:stretch/>
+        </p:blipFill>
+        <p:spPr>
+          <a:xfrm>
+            <a:off x="2589212" y="1295400"/>
+            <a:ext cx="9410482" cy="5181600"/>
+          </a:xfrm>
+          <a:prstGeom prst="rect">
+            <a:avLst/>
+          </a:prstGeom>
+        </p:spPr>
+      </p:pic>
+    </p:spTree>
+    <p:extLst>
+      <p:ext uri="{BB962C8B-B14F-4D97-AF65-F5344CB8AC3E}">
+        <p14:creationId xmlns:p14="http://schemas.microsoft.com/office/powerpoint/2010/main" val="371841401"/>
       </p:ext>
     </p:extLst>
   </p:cSld>
@@ -16674,15 +16662,6 @@
 </file>
 
 <file path=customXml/item2.xml><?xml version="1.0" encoding="utf-8"?>
-<?mso-contentType ?>
-<FormTemplates xmlns="http://schemas.microsoft.com/sharepoint/v3/contenttype/forms">
-  <Display>DocumentLibraryForm</Display>
-  <Edit>AssetEditForm</Edit>
-  <New>DocumentLibraryForm</New>
-</FormTemplates>
-</file>
-
-<file path=customXml/item3.xml><?xml version="1.0" encoding="utf-8"?>
 <ct:contentTypeSchema xmlns:ct="http://schemas.microsoft.com/office/2006/metadata/contentType" xmlns:ma="http://schemas.microsoft.com/office/2006/metadata/properties/metaAttributes" ct:_="" ma:_="" ma:contentTypeName="TemplateFile" ma:contentTypeID="0x0101006EDDDB5EE6D98C44930B742096920B300400F5B6D36B3EF94B4E9A635CDF2A18F5B8" ma:contentTypeVersion="72" ma:contentTypeDescription="Create a new document." ma:contentTypeScope="" ma:versionID="a23e56308344d904b51738559c3d67c9">
   <xsd:schema xmlns:xsd="http://www.w3.org/2001/XMLSchema" xmlns:xs="http://www.w3.org/2001/XMLSchema" xmlns:p="http://schemas.microsoft.com/office/2006/metadata/properties" xmlns:ns2="4873beb7-5857-4685-be1f-d57550cc96cc" targetNamespace="http://schemas.microsoft.com/office/2006/metadata/properties" ma:root="true" ma:fieldsID="cd0908cc4600e77bf5da051303e00c8d" ns2:_="">
     <xsd:import namespace="4873beb7-5857-4685-be1f-d57550cc96cc"/>
@@ -17722,6 +17701,15 @@
 </ct:contentTypeSchema>
 </file>
 
+<file path=customXml/item3.xml><?xml version="1.0" encoding="utf-8"?>
+<?mso-contentType ?>
+<FormTemplates xmlns="http://schemas.microsoft.com/sharepoint/v3/contenttype/forms">
+  <Display>DocumentLibraryForm</Display>
+  <Edit>AssetEditForm</Edit>
+  <New>DocumentLibraryForm</New>
+</FormTemplates>
+</file>
+
 <file path=customXml/itemProps1.xml><?xml version="1.0" encoding="utf-8"?>
 <ds:datastoreItem xmlns:ds="http://schemas.openxmlformats.org/officeDocument/2006/customXml" ds:itemID="{C335E791-7449-4708-8DE9-182EC4D8A134}">
   <ds:schemaRefs>
@@ -17739,14 +17727,6 @@
 </file>
 
 <file path=customXml/itemProps2.xml><?xml version="1.0" encoding="utf-8"?>
-<ds:datastoreItem xmlns:ds="http://schemas.openxmlformats.org/officeDocument/2006/customXml" ds:itemID="{3C20563B-C646-42AF-9D0D-76DF086793C3}">
-  <ds:schemaRefs>
-    <ds:schemaRef ds:uri="http://schemas.microsoft.com/sharepoint/v3/contenttype/forms"/>
-  </ds:schemaRefs>
-</ds:datastoreItem>
-</file>
-
-<file path=customXml/itemProps3.xml><?xml version="1.0" encoding="utf-8"?>
 <ds:datastoreItem xmlns:ds="http://schemas.openxmlformats.org/officeDocument/2006/customXml" ds:itemID="{6EB9514F-6A45-47F4-BC6D-A865E2971712}">
   <ds:schemaRefs>
     <ds:schemaRef ds:uri="http://schemas.microsoft.com/office/2006/metadata/contentType"/>
@@ -17762,4 +17742,12 @@
     <ds:schemaRef ds:uri="http://schemas.microsoft.com/internal/obd"/>
   </ds:schemaRefs>
 </ds:datastoreItem>
+</file>
+
+<file path=customXml/itemProps3.xml><?xml version="1.0" encoding="utf-8"?>
+<ds:datastoreItem xmlns:ds="http://schemas.openxmlformats.org/officeDocument/2006/customXml" ds:itemID="{3C20563B-C646-42AF-9D0D-76DF086793C3}">
+  <ds:schemaRefs>
+    <ds:schemaRef ds:uri="http://schemas.microsoft.com/sharepoint/v3/contenttype/forms"/>
+  </ds:schemaRefs>
+</ds:datastoreItem>
 </file>
--- a/Presentation/Chwa PaN’ - presentation2.pptx
+++ b/Presentation/Chwa PaN’ - presentation2.pptx
@@ -284,11 +284,11 @@
         </c:dLbls>
         <c:gapWidth val="100"/>
         <c:overlap val="-24"/>
-        <c:axId val="2047237168"/>
-        <c:axId val="2047244784"/>
+        <c:axId val="-991805008"/>
+        <c:axId val="-991812624"/>
       </c:barChart>
       <c:catAx>
-        <c:axId val="2047237168"/>
+        <c:axId val="-991805008"/>
         <c:scaling>
           <c:orientation val="minMax"/>
         </c:scaling>
@@ -328,7 +328,7 @@
             <a:endParaRPr lang="en-US"/>
           </a:p>
         </c:txPr>
-        <c:crossAx val="2047244784"/>
+        <c:crossAx val="-991812624"/>
         <c:crosses val="autoZero"/>
         <c:auto val="1"/>
         <c:lblAlgn val="ctr"/>
@@ -336,7 +336,7 @@
         <c:noMultiLvlLbl val="0"/>
       </c:catAx>
       <c:valAx>
-        <c:axId val="2047244784"/>
+        <c:axId val="-991812624"/>
         <c:scaling>
           <c:orientation val="minMax"/>
         </c:scaling>
@@ -387,7 +387,7 @@
             <a:endParaRPr lang="en-US"/>
           </a:p>
         </c:txPr>
-        <c:crossAx val="2047237168"/>
+        <c:crossAx val="-991805008"/>
         <c:crosses val="autoZero"/>
         <c:crossBetween val="between"/>
       </c:valAx>
@@ -401,6 +401,7 @@
     </c:plotArea>
     <c:legend>
       <c:legendPos val="b"/>
+      <c:layout/>
       <c:overlay val="0"/>
       <c:spPr>
         <a:noFill/>
@@ -2173,8 +2174,8 @@
     </dgm:pt>
   </dgm:ptLst>
   <dgm:cxnLst>
+    <dgm:cxn modelId="{54CA38E1-8678-4786-A265-770FD25C3115}" type="presOf" srcId="{CC6B7442-0B72-4EF2-9F13-1325B51AFF9F}" destId="{99560A19-63A4-4F58-BF54-93D1A84B1A1C}" srcOrd="1" destOrd="0" presId="urn:microsoft.com/office/officeart/2005/8/layout/venn1"/>
     <dgm:cxn modelId="{8314FB70-092A-47FB-83E3-C595090DBA48}" type="presOf" srcId="{477D14C5-CED9-4CFC-B338-DFB0C8090B9F}" destId="{1114C5CF-9DB7-4B7A-9D02-B353869E5D38}" srcOrd="1" destOrd="0" presId="urn:microsoft.com/office/officeart/2005/8/layout/venn1"/>
-    <dgm:cxn modelId="{54CA38E1-8678-4786-A265-770FD25C3115}" type="presOf" srcId="{CC6B7442-0B72-4EF2-9F13-1325B51AFF9F}" destId="{99560A19-63A4-4F58-BF54-93D1A84B1A1C}" srcOrd="1" destOrd="0" presId="urn:microsoft.com/office/officeart/2005/8/layout/venn1"/>
     <dgm:cxn modelId="{7D461F02-AB37-447A-AC6B-D31C4D2EC6A9}" srcId="{90119837-5B71-4D44-BB01-DB0B084933C8}" destId="{477D14C5-CED9-4CFC-B338-DFB0C8090B9F}" srcOrd="0" destOrd="0" parTransId="{92DFCBC7-BC14-4697-8ECD-BF0D5B1EDA3B}" sibTransId="{87E3C0DB-7BEE-424E-8E11-B838D238D595}"/>
     <dgm:cxn modelId="{98BEF9E1-8D57-4A22-93E0-87299CF8A4AD}" type="presOf" srcId="{CC6B7442-0B72-4EF2-9F13-1325B51AFF9F}" destId="{2B11D8EC-23D3-4EEE-B141-81E29A0B04B6}" srcOrd="0" destOrd="0" presId="urn:microsoft.com/office/officeart/2005/8/layout/venn1"/>
     <dgm:cxn modelId="{25C8D00E-7E96-4A36-A375-D219ADDEF7E1}" type="presOf" srcId="{90119837-5B71-4D44-BB01-DB0B084933C8}" destId="{E16D65B4-494C-45C0-82F5-A63E581063CB}" srcOrd="0" destOrd="0" presId="urn:microsoft.com/office/officeart/2005/8/layout/venn1"/>
@@ -16536,129 +16537,12 @@
 </file>
 
 <file path=customXml/item1.xml><?xml version="1.0" encoding="utf-8"?>
-<p:properties xmlns:p="http://schemas.microsoft.com/office/2006/metadata/properties" xmlns:xsi="http://www.w3.org/2001/XMLSchema-instance" xmlns:pc="http://schemas.microsoft.com/office/infopath/2007/PartnerControls">
-  <documentManagement>
-    <DirectSourceMarket xmlns="4873beb7-5857-4685-be1f-d57550cc96cc" xsi:nil="true"/>
-    <ApprovalStatus xmlns="4873beb7-5857-4685-be1f-d57550cc96cc">InProgress</ApprovalStatus>
-    <MarketSpecific xmlns="4873beb7-5857-4685-be1f-d57550cc96cc">false</MarketSpecific>
-    <LocComments xmlns="4873beb7-5857-4685-be1f-d57550cc96cc" xsi:nil="true"/>
-    <ThumbnailAssetId xmlns="4873beb7-5857-4685-be1f-d57550cc96cc" xsi:nil="true"/>
-    <PrimaryImageGen xmlns="4873beb7-5857-4685-be1f-d57550cc96cc">false</PrimaryImageGen>
-    <LegacyData xmlns="4873beb7-5857-4685-be1f-d57550cc96cc" xsi:nil="true"/>
-    <LocRecommendedHandoff xmlns="4873beb7-5857-4685-be1f-d57550cc96cc" xsi:nil="true"/>
-    <BusinessGroup xmlns="4873beb7-5857-4685-be1f-d57550cc96cc" xsi:nil="true"/>
-    <BlockPublish xmlns="4873beb7-5857-4685-be1f-d57550cc96cc">false</BlockPublish>
-    <TPFriendlyName xmlns="4873beb7-5857-4685-be1f-d57550cc96cc" xsi:nil="true"/>
-    <NumericId xmlns="4873beb7-5857-4685-be1f-d57550cc96cc" xsi:nil="true"/>
-    <APEditor xmlns="4873beb7-5857-4685-be1f-d57550cc96cc">
-      <UserInfo>
-        <DisplayName/>
-        <AccountId xsi:nil="true"/>
-        <AccountType/>
-      </UserInfo>
-    </APEditor>
-    <SourceTitle xmlns="4873beb7-5857-4685-be1f-d57550cc96cc" xsi:nil="true"/>
-    <OpenTemplate xmlns="4873beb7-5857-4685-be1f-d57550cc96cc">true</OpenTemplate>
-    <UALocComments xmlns="4873beb7-5857-4685-be1f-d57550cc96cc" xsi:nil="true"/>
-    <ParentAssetId xmlns="4873beb7-5857-4685-be1f-d57550cc96cc" xsi:nil="true"/>
-    <IntlLangReviewDate xmlns="4873beb7-5857-4685-be1f-d57550cc96cc" xsi:nil="true"/>
-    <FeatureTagsTaxHTField0 xmlns="4873beb7-5857-4685-be1f-d57550cc96cc">
-      <Terms xmlns="http://schemas.microsoft.com/office/infopath/2007/PartnerControls"/>
-    </FeatureTagsTaxHTField0>
-    <PublishStatusLookup xmlns="4873beb7-5857-4685-be1f-d57550cc96cc">
-      <Value>1360511</Value>
-    </PublishStatusLookup>
-    <Providers xmlns="4873beb7-5857-4685-be1f-d57550cc96cc" xsi:nil="true"/>
-    <MachineTranslated xmlns="4873beb7-5857-4685-be1f-d57550cc96cc">false</MachineTranslated>
-    <OriginalSourceMarket xmlns="4873beb7-5857-4685-be1f-d57550cc96cc" xsi:nil="true"/>
-    <APDescription xmlns="4873beb7-5857-4685-be1f-d57550cc96cc" xsi:nil="true"/>
-    <ClipArtFilename xmlns="4873beb7-5857-4685-be1f-d57550cc96cc" xsi:nil="true"/>
-    <ContentItem xmlns="4873beb7-5857-4685-be1f-d57550cc96cc" xsi:nil="true"/>
-    <TPInstallLocation xmlns="4873beb7-5857-4685-be1f-d57550cc96cc" xsi:nil="true"/>
-    <PublishTargets xmlns="4873beb7-5857-4685-be1f-d57550cc96cc">OfficeOnlineVNext</PublishTargets>
-    <TimesCloned xmlns="4873beb7-5857-4685-be1f-d57550cc96cc" xsi:nil="true"/>
-    <AssetStart xmlns="4873beb7-5857-4685-be1f-d57550cc96cc">2011-12-12T13:37:00+00:00</AssetStart>
-    <Provider xmlns="4873beb7-5857-4685-be1f-d57550cc96cc" xsi:nil="true"/>
-    <AcquiredFrom xmlns="4873beb7-5857-4685-be1f-d57550cc96cc">Internal MS</AcquiredFrom>
-    <FriendlyTitle xmlns="4873beb7-5857-4685-be1f-d57550cc96cc" xsi:nil="true"/>
-    <LastHandOff xmlns="4873beb7-5857-4685-be1f-d57550cc96cc" xsi:nil="true"/>
-    <TPClientViewer xmlns="4873beb7-5857-4685-be1f-d57550cc96cc" xsi:nil="true"/>
-    <UACurrentWords xmlns="4873beb7-5857-4685-be1f-d57550cc96cc" xsi:nil="true"/>
-    <ArtSampleDocs xmlns="4873beb7-5857-4685-be1f-d57550cc96cc" xsi:nil="true"/>
-    <UALocRecommendation xmlns="4873beb7-5857-4685-be1f-d57550cc96cc">Localize</UALocRecommendation>
-    <Manager xmlns="4873beb7-5857-4685-be1f-d57550cc96cc" xsi:nil="true"/>
-    <ShowIn xmlns="4873beb7-5857-4685-be1f-d57550cc96cc">Show everywhere</ShowIn>
-    <UANotes xmlns="4873beb7-5857-4685-be1f-d57550cc96cc" xsi:nil="true"/>
-    <TemplateStatus xmlns="4873beb7-5857-4685-be1f-d57550cc96cc">Complete</TemplateStatus>
-    <InternalTagsTaxHTField0 xmlns="4873beb7-5857-4685-be1f-d57550cc96cc">
-      <Terms xmlns="http://schemas.microsoft.com/office/infopath/2007/PartnerControls"/>
-    </InternalTagsTaxHTField0>
-    <CSXHash xmlns="4873beb7-5857-4685-be1f-d57550cc96cc" xsi:nil="true"/>
-    <Downloads xmlns="4873beb7-5857-4685-be1f-d57550cc96cc">0</Downloads>
-    <VoteCount xmlns="4873beb7-5857-4685-be1f-d57550cc96cc" xsi:nil="true"/>
-    <OOCacheId xmlns="4873beb7-5857-4685-be1f-d57550cc96cc" xsi:nil="true"/>
-    <IsDeleted xmlns="4873beb7-5857-4685-be1f-d57550cc96cc">false</IsDeleted>
-    <AssetExpire xmlns="4873beb7-5857-4685-be1f-d57550cc96cc">2035-01-01T08:00:00+00:00</AssetExpire>
-    <DSATActionTaken xmlns="4873beb7-5857-4685-be1f-d57550cc96cc" xsi:nil="true"/>
-    <CSXSubmissionMarket xmlns="4873beb7-5857-4685-be1f-d57550cc96cc" xsi:nil="true"/>
-    <TPExecutable xmlns="4873beb7-5857-4685-be1f-d57550cc96cc" xsi:nil="true"/>
-    <SubmitterId xmlns="4873beb7-5857-4685-be1f-d57550cc96cc" xsi:nil="true"/>
-    <EditorialTags xmlns="4873beb7-5857-4685-be1f-d57550cc96cc" xsi:nil="true"/>
-    <ApprovalLog xmlns="4873beb7-5857-4685-be1f-d57550cc96cc" xsi:nil="true"/>
-    <AssetType xmlns="4873beb7-5857-4685-be1f-d57550cc96cc">TP</AssetType>
-    <BugNumber xmlns="4873beb7-5857-4685-be1f-d57550cc96cc" xsi:nil="true"/>
-    <CSXSubmissionDate xmlns="4873beb7-5857-4685-be1f-d57550cc96cc" xsi:nil="true"/>
-    <CSXUpdate xmlns="4873beb7-5857-4685-be1f-d57550cc96cc">false</CSXUpdate>
-    <Milestone xmlns="4873beb7-5857-4685-be1f-d57550cc96cc" xsi:nil="true"/>
-    <RecommendationsModifier xmlns="4873beb7-5857-4685-be1f-d57550cc96cc" xsi:nil="true"/>
-    <OriginAsset xmlns="4873beb7-5857-4685-be1f-d57550cc96cc" xsi:nil="true"/>
-    <TPComponent xmlns="4873beb7-5857-4685-be1f-d57550cc96cc" xsi:nil="true"/>
-    <AssetId xmlns="4873beb7-5857-4685-be1f-d57550cc96cc">TP102801114</AssetId>
-    <IntlLocPriority xmlns="4873beb7-5857-4685-be1f-d57550cc96cc" xsi:nil="true"/>
-    <PolicheckWords xmlns="4873beb7-5857-4685-be1f-d57550cc96cc" xsi:nil="true"/>
-    <TPLaunchHelpLink xmlns="4873beb7-5857-4685-be1f-d57550cc96cc" xsi:nil="true"/>
-    <TPApplication xmlns="4873beb7-5857-4685-be1f-d57550cc96cc" xsi:nil="true"/>
-    <CrawlForDependencies xmlns="4873beb7-5857-4685-be1f-d57550cc96cc">false</CrawlForDependencies>
-    <HandoffToMSDN xmlns="4873beb7-5857-4685-be1f-d57550cc96cc" xsi:nil="true"/>
-    <PlannedPubDate xmlns="4873beb7-5857-4685-be1f-d57550cc96cc" xsi:nil="true"/>
-    <IntlLangReviewer xmlns="4873beb7-5857-4685-be1f-d57550cc96cc" xsi:nil="true"/>
-    <TrustLevel xmlns="4873beb7-5857-4685-be1f-d57550cc96cc">1 Microsoft Managed Content</TrustLevel>
-    <LocLastLocAttemptVersionLookup xmlns="4873beb7-5857-4685-be1f-d57550cc96cc">706531</LocLastLocAttemptVersionLookup>
-    <IsSearchable xmlns="4873beb7-5857-4685-be1f-d57550cc96cc">true</IsSearchable>
-    <TemplateTemplateType xmlns="4873beb7-5857-4685-be1f-d57550cc96cc">PowerPoint Presentation Template</TemplateTemplateType>
-    <CampaignTagsTaxHTField0 xmlns="4873beb7-5857-4685-be1f-d57550cc96cc">
-      <Terms xmlns="http://schemas.microsoft.com/office/infopath/2007/PartnerControls"/>
-    </CampaignTagsTaxHTField0>
-    <TPNamespace xmlns="4873beb7-5857-4685-be1f-d57550cc96cc" xsi:nil="true"/>
-    <TaxCatchAll xmlns="4873beb7-5857-4685-be1f-d57550cc96cc"/>
-    <Markets xmlns="4873beb7-5857-4685-be1f-d57550cc96cc"/>
-    <UAProjectedTotalWords xmlns="4873beb7-5857-4685-be1f-d57550cc96cc" xsi:nil="true"/>
-    <IntlLangReview xmlns="4873beb7-5857-4685-be1f-d57550cc96cc">false</IntlLangReview>
-    <OutputCachingOn xmlns="4873beb7-5857-4685-be1f-d57550cc96cc">false</OutputCachingOn>
-    <AverageRating xmlns="4873beb7-5857-4685-be1f-d57550cc96cc" xsi:nil="true"/>
-    <APAuthor xmlns="4873beb7-5857-4685-be1f-d57550cc96cc">
-      <UserInfo>
-        <DisplayName>REDMOND\v-soujap</DisplayName>
-        <AccountId>1954</AccountId>
-        <AccountType/>
-      </UserInfo>
-    </APAuthor>
-    <LocManualTestRequired xmlns="4873beb7-5857-4685-be1f-d57550cc96cc">false</LocManualTestRequired>
-    <TPCommandLine xmlns="4873beb7-5857-4685-be1f-d57550cc96cc" xsi:nil="true"/>
-    <TPAppVersion xmlns="4873beb7-5857-4685-be1f-d57550cc96cc" xsi:nil="true"/>
-    <EditorialStatus xmlns="4873beb7-5857-4685-be1f-d57550cc96cc">Complete</EditorialStatus>
-    <LastModifiedDateTime xmlns="4873beb7-5857-4685-be1f-d57550cc96cc" xsi:nil="true"/>
-    <ScenarioTagsTaxHTField0 xmlns="4873beb7-5857-4685-be1f-d57550cc96cc">
-      <Terms xmlns="http://schemas.microsoft.com/office/infopath/2007/PartnerControls"/>
-    </ScenarioTagsTaxHTField0>
-    <OriginalRelease xmlns="4873beb7-5857-4685-be1f-d57550cc96cc">14</OriginalRelease>
-    <TPLaunchHelpLinkType xmlns="4873beb7-5857-4685-be1f-d57550cc96cc">Template</TPLaunchHelpLinkType>
-    <LocalizationTagsTaxHTField0 xmlns="4873beb7-5857-4685-be1f-d57550cc96cc">
-      <Terms xmlns="http://schemas.microsoft.com/office/infopath/2007/PartnerControls"/>
-    </LocalizationTagsTaxHTField0>
-    <LocMarketGroupTiers2 xmlns="4873beb7-5857-4685-be1f-d57550cc96cc" xsi:nil="true"/>
-  </documentManagement>
-</p:properties>
+<?mso-contentType ?>
+<FormTemplates xmlns="http://schemas.microsoft.com/sharepoint/v3/contenttype/forms">
+  <Display>DocumentLibraryForm</Display>
+  <Edit>AssetEditForm</Edit>
+  <New>DocumentLibraryForm</New>
+</FormTemplates>
 </file>
 
 <file path=customXml/item2.xml><?xml version="1.0" encoding="utf-8"?>
@@ -17702,26 +17586,135 @@
 </file>
 
 <file path=customXml/item3.xml><?xml version="1.0" encoding="utf-8"?>
-<?mso-contentType ?>
-<FormTemplates xmlns="http://schemas.microsoft.com/sharepoint/v3/contenttype/forms">
-  <Display>DocumentLibraryForm</Display>
-  <Edit>AssetEditForm</Edit>
-  <New>DocumentLibraryForm</New>
-</FormTemplates>
+<p:properties xmlns:p="http://schemas.microsoft.com/office/2006/metadata/properties" xmlns:xsi="http://www.w3.org/2001/XMLSchema-instance" xmlns:pc="http://schemas.microsoft.com/office/infopath/2007/PartnerControls">
+  <documentManagement>
+    <DirectSourceMarket xmlns="4873beb7-5857-4685-be1f-d57550cc96cc" xsi:nil="true"/>
+    <ApprovalStatus xmlns="4873beb7-5857-4685-be1f-d57550cc96cc">InProgress</ApprovalStatus>
+    <MarketSpecific xmlns="4873beb7-5857-4685-be1f-d57550cc96cc">false</MarketSpecific>
+    <LocComments xmlns="4873beb7-5857-4685-be1f-d57550cc96cc" xsi:nil="true"/>
+    <ThumbnailAssetId xmlns="4873beb7-5857-4685-be1f-d57550cc96cc" xsi:nil="true"/>
+    <PrimaryImageGen xmlns="4873beb7-5857-4685-be1f-d57550cc96cc">false</PrimaryImageGen>
+    <LegacyData xmlns="4873beb7-5857-4685-be1f-d57550cc96cc" xsi:nil="true"/>
+    <LocRecommendedHandoff xmlns="4873beb7-5857-4685-be1f-d57550cc96cc" xsi:nil="true"/>
+    <BusinessGroup xmlns="4873beb7-5857-4685-be1f-d57550cc96cc" xsi:nil="true"/>
+    <BlockPublish xmlns="4873beb7-5857-4685-be1f-d57550cc96cc">false</BlockPublish>
+    <TPFriendlyName xmlns="4873beb7-5857-4685-be1f-d57550cc96cc" xsi:nil="true"/>
+    <NumericId xmlns="4873beb7-5857-4685-be1f-d57550cc96cc" xsi:nil="true"/>
+    <APEditor xmlns="4873beb7-5857-4685-be1f-d57550cc96cc">
+      <UserInfo>
+        <DisplayName/>
+        <AccountId xsi:nil="true"/>
+        <AccountType/>
+      </UserInfo>
+    </APEditor>
+    <SourceTitle xmlns="4873beb7-5857-4685-be1f-d57550cc96cc" xsi:nil="true"/>
+    <OpenTemplate xmlns="4873beb7-5857-4685-be1f-d57550cc96cc">true</OpenTemplate>
+    <UALocComments xmlns="4873beb7-5857-4685-be1f-d57550cc96cc" xsi:nil="true"/>
+    <ParentAssetId xmlns="4873beb7-5857-4685-be1f-d57550cc96cc" xsi:nil="true"/>
+    <IntlLangReviewDate xmlns="4873beb7-5857-4685-be1f-d57550cc96cc" xsi:nil="true"/>
+    <FeatureTagsTaxHTField0 xmlns="4873beb7-5857-4685-be1f-d57550cc96cc">
+      <Terms xmlns="http://schemas.microsoft.com/office/infopath/2007/PartnerControls"/>
+    </FeatureTagsTaxHTField0>
+    <PublishStatusLookup xmlns="4873beb7-5857-4685-be1f-d57550cc96cc">
+      <Value>1360511</Value>
+    </PublishStatusLookup>
+    <Providers xmlns="4873beb7-5857-4685-be1f-d57550cc96cc" xsi:nil="true"/>
+    <MachineTranslated xmlns="4873beb7-5857-4685-be1f-d57550cc96cc">false</MachineTranslated>
+    <OriginalSourceMarket xmlns="4873beb7-5857-4685-be1f-d57550cc96cc" xsi:nil="true"/>
+    <APDescription xmlns="4873beb7-5857-4685-be1f-d57550cc96cc" xsi:nil="true"/>
+    <ClipArtFilename xmlns="4873beb7-5857-4685-be1f-d57550cc96cc" xsi:nil="true"/>
+    <ContentItem xmlns="4873beb7-5857-4685-be1f-d57550cc96cc" xsi:nil="true"/>
+    <TPInstallLocation xmlns="4873beb7-5857-4685-be1f-d57550cc96cc" xsi:nil="true"/>
+    <PublishTargets xmlns="4873beb7-5857-4685-be1f-d57550cc96cc">OfficeOnlineVNext</PublishTargets>
+    <TimesCloned xmlns="4873beb7-5857-4685-be1f-d57550cc96cc" xsi:nil="true"/>
+    <AssetStart xmlns="4873beb7-5857-4685-be1f-d57550cc96cc">2011-12-12T13:37:00+00:00</AssetStart>
+    <Provider xmlns="4873beb7-5857-4685-be1f-d57550cc96cc" xsi:nil="true"/>
+    <AcquiredFrom xmlns="4873beb7-5857-4685-be1f-d57550cc96cc">Internal MS</AcquiredFrom>
+    <FriendlyTitle xmlns="4873beb7-5857-4685-be1f-d57550cc96cc" xsi:nil="true"/>
+    <LastHandOff xmlns="4873beb7-5857-4685-be1f-d57550cc96cc" xsi:nil="true"/>
+    <TPClientViewer xmlns="4873beb7-5857-4685-be1f-d57550cc96cc" xsi:nil="true"/>
+    <UACurrentWords xmlns="4873beb7-5857-4685-be1f-d57550cc96cc" xsi:nil="true"/>
+    <ArtSampleDocs xmlns="4873beb7-5857-4685-be1f-d57550cc96cc" xsi:nil="true"/>
+    <UALocRecommendation xmlns="4873beb7-5857-4685-be1f-d57550cc96cc">Localize</UALocRecommendation>
+    <Manager xmlns="4873beb7-5857-4685-be1f-d57550cc96cc" xsi:nil="true"/>
+    <ShowIn xmlns="4873beb7-5857-4685-be1f-d57550cc96cc">Show everywhere</ShowIn>
+    <UANotes xmlns="4873beb7-5857-4685-be1f-d57550cc96cc" xsi:nil="true"/>
+    <TemplateStatus xmlns="4873beb7-5857-4685-be1f-d57550cc96cc">Complete</TemplateStatus>
+    <InternalTagsTaxHTField0 xmlns="4873beb7-5857-4685-be1f-d57550cc96cc">
+      <Terms xmlns="http://schemas.microsoft.com/office/infopath/2007/PartnerControls"/>
+    </InternalTagsTaxHTField0>
+    <CSXHash xmlns="4873beb7-5857-4685-be1f-d57550cc96cc" xsi:nil="true"/>
+    <Downloads xmlns="4873beb7-5857-4685-be1f-d57550cc96cc">0</Downloads>
+    <VoteCount xmlns="4873beb7-5857-4685-be1f-d57550cc96cc" xsi:nil="true"/>
+    <OOCacheId xmlns="4873beb7-5857-4685-be1f-d57550cc96cc" xsi:nil="true"/>
+    <IsDeleted xmlns="4873beb7-5857-4685-be1f-d57550cc96cc">false</IsDeleted>
+    <AssetExpire xmlns="4873beb7-5857-4685-be1f-d57550cc96cc">2035-01-01T08:00:00+00:00</AssetExpire>
+    <DSATActionTaken xmlns="4873beb7-5857-4685-be1f-d57550cc96cc" xsi:nil="true"/>
+    <CSXSubmissionMarket xmlns="4873beb7-5857-4685-be1f-d57550cc96cc" xsi:nil="true"/>
+    <TPExecutable xmlns="4873beb7-5857-4685-be1f-d57550cc96cc" xsi:nil="true"/>
+    <SubmitterId xmlns="4873beb7-5857-4685-be1f-d57550cc96cc" xsi:nil="true"/>
+    <EditorialTags xmlns="4873beb7-5857-4685-be1f-d57550cc96cc" xsi:nil="true"/>
+    <ApprovalLog xmlns="4873beb7-5857-4685-be1f-d57550cc96cc" xsi:nil="true"/>
+    <AssetType xmlns="4873beb7-5857-4685-be1f-d57550cc96cc">TP</AssetType>
+    <BugNumber xmlns="4873beb7-5857-4685-be1f-d57550cc96cc" xsi:nil="true"/>
+    <CSXSubmissionDate xmlns="4873beb7-5857-4685-be1f-d57550cc96cc" xsi:nil="true"/>
+    <CSXUpdate xmlns="4873beb7-5857-4685-be1f-d57550cc96cc">false</CSXUpdate>
+    <Milestone xmlns="4873beb7-5857-4685-be1f-d57550cc96cc" xsi:nil="true"/>
+    <RecommendationsModifier xmlns="4873beb7-5857-4685-be1f-d57550cc96cc" xsi:nil="true"/>
+    <OriginAsset xmlns="4873beb7-5857-4685-be1f-d57550cc96cc" xsi:nil="true"/>
+    <TPComponent xmlns="4873beb7-5857-4685-be1f-d57550cc96cc" xsi:nil="true"/>
+    <AssetId xmlns="4873beb7-5857-4685-be1f-d57550cc96cc">TP102801114</AssetId>
+    <IntlLocPriority xmlns="4873beb7-5857-4685-be1f-d57550cc96cc" xsi:nil="true"/>
+    <PolicheckWords xmlns="4873beb7-5857-4685-be1f-d57550cc96cc" xsi:nil="true"/>
+    <TPLaunchHelpLink xmlns="4873beb7-5857-4685-be1f-d57550cc96cc" xsi:nil="true"/>
+    <TPApplication xmlns="4873beb7-5857-4685-be1f-d57550cc96cc" xsi:nil="true"/>
+    <CrawlForDependencies xmlns="4873beb7-5857-4685-be1f-d57550cc96cc">false</CrawlForDependencies>
+    <HandoffToMSDN xmlns="4873beb7-5857-4685-be1f-d57550cc96cc" xsi:nil="true"/>
+    <PlannedPubDate xmlns="4873beb7-5857-4685-be1f-d57550cc96cc" xsi:nil="true"/>
+    <IntlLangReviewer xmlns="4873beb7-5857-4685-be1f-d57550cc96cc" xsi:nil="true"/>
+    <TrustLevel xmlns="4873beb7-5857-4685-be1f-d57550cc96cc">1 Microsoft Managed Content</TrustLevel>
+    <LocLastLocAttemptVersionLookup xmlns="4873beb7-5857-4685-be1f-d57550cc96cc">706531</LocLastLocAttemptVersionLookup>
+    <IsSearchable xmlns="4873beb7-5857-4685-be1f-d57550cc96cc">true</IsSearchable>
+    <TemplateTemplateType xmlns="4873beb7-5857-4685-be1f-d57550cc96cc">PowerPoint Presentation Template</TemplateTemplateType>
+    <CampaignTagsTaxHTField0 xmlns="4873beb7-5857-4685-be1f-d57550cc96cc">
+      <Terms xmlns="http://schemas.microsoft.com/office/infopath/2007/PartnerControls"/>
+    </CampaignTagsTaxHTField0>
+    <TPNamespace xmlns="4873beb7-5857-4685-be1f-d57550cc96cc" xsi:nil="true"/>
+    <TaxCatchAll xmlns="4873beb7-5857-4685-be1f-d57550cc96cc"/>
+    <Markets xmlns="4873beb7-5857-4685-be1f-d57550cc96cc"/>
+    <UAProjectedTotalWords xmlns="4873beb7-5857-4685-be1f-d57550cc96cc" xsi:nil="true"/>
+    <IntlLangReview xmlns="4873beb7-5857-4685-be1f-d57550cc96cc">false</IntlLangReview>
+    <OutputCachingOn xmlns="4873beb7-5857-4685-be1f-d57550cc96cc">false</OutputCachingOn>
+    <AverageRating xmlns="4873beb7-5857-4685-be1f-d57550cc96cc" xsi:nil="true"/>
+    <APAuthor xmlns="4873beb7-5857-4685-be1f-d57550cc96cc">
+      <UserInfo>
+        <DisplayName>REDMOND\v-soujap</DisplayName>
+        <AccountId>1954</AccountId>
+        <AccountType/>
+      </UserInfo>
+    </APAuthor>
+    <LocManualTestRequired xmlns="4873beb7-5857-4685-be1f-d57550cc96cc">false</LocManualTestRequired>
+    <TPCommandLine xmlns="4873beb7-5857-4685-be1f-d57550cc96cc" xsi:nil="true"/>
+    <TPAppVersion xmlns="4873beb7-5857-4685-be1f-d57550cc96cc" xsi:nil="true"/>
+    <EditorialStatus xmlns="4873beb7-5857-4685-be1f-d57550cc96cc">Complete</EditorialStatus>
+    <LastModifiedDateTime xmlns="4873beb7-5857-4685-be1f-d57550cc96cc" xsi:nil="true"/>
+    <ScenarioTagsTaxHTField0 xmlns="4873beb7-5857-4685-be1f-d57550cc96cc">
+      <Terms xmlns="http://schemas.microsoft.com/office/infopath/2007/PartnerControls"/>
+    </ScenarioTagsTaxHTField0>
+    <OriginalRelease xmlns="4873beb7-5857-4685-be1f-d57550cc96cc">14</OriginalRelease>
+    <TPLaunchHelpLinkType xmlns="4873beb7-5857-4685-be1f-d57550cc96cc">Template</TPLaunchHelpLinkType>
+    <LocalizationTagsTaxHTField0 xmlns="4873beb7-5857-4685-be1f-d57550cc96cc">
+      <Terms xmlns="http://schemas.microsoft.com/office/infopath/2007/PartnerControls"/>
+    </LocalizationTagsTaxHTField0>
+    <LocMarketGroupTiers2 xmlns="4873beb7-5857-4685-be1f-d57550cc96cc" xsi:nil="true"/>
+  </documentManagement>
+</p:properties>
 </file>
 
 <file path=customXml/itemProps1.xml><?xml version="1.0" encoding="utf-8"?>
-<ds:datastoreItem xmlns:ds="http://schemas.openxmlformats.org/officeDocument/2006/customXml" ds:itemID="{C335E791-7449-4708-8DE9-182EC4D8A134}">
+<ds:datastoreItem xmlns:ds="http://schemas.openxmlformats.org/officeDocument/2006/customXml" ds:itemID="{3C20563B-C646-42AF-9D0D-76DF086793C3}">
   <ds:schemaRefs>
-    <ds:schemaRef ds:uri="http://schemas.microsoft.com/office/2006/metadata/properties"/>
-    <ds:schemaRef ds:uri="http://schemas.microsoft.com/office/2006/documentManagement/types"/>
-    <ds:schemaRef ds:uri="http://schemas.microsoft.com/office/infopath/2007/PartnerControls"/>
-    <ds:schemaRef ds:uri="http://schemas.openxmlformats.org/package/2006/metadata/core-properties"/>
-    <ds:schemaRef ds:uri="http://www.w3.org/XML/1998/namespace"/>
-    <ds:schemaRef ds:uri="http://purl.org/dc/dcmitype/"/>
-    <ds:schemaRef ds:uri="4873beb7-5857-4685-be1f-d57550cc96cc"/>
-    <ds:schemaRef ds:uri="http://purl.org/dc/terms/"/>
-    <ds:schemaRef ds:uri="http://purl.org/dc/elements/1.1/"/>
+    <ds:schemaRef ds:uri="http://schemas.microsoft.com/sharepoint/v3/contenttype/forms"/>
   </ds:schemaRefs>
 </ds:datastoreItem>
 </file>
@@ -17745,9 +17738,17 @@
 </file>
 
 <file path=customXml/itemProps3.xml><?xml version="1.0" encoding="utf-8"?>
-<ds:datastoreItem xmlns:ds="http://schemas.openxmlformats.org/officeDocument/2006/customXml" ds:itemID="{3C20563B-C646-42AF-9D0D-76DF086793C3}">
+<ds:datastoreItem xmlns:ds="http://schemas.openxmlformats.org/officeDocument/2006/customXml" ds:itemID="{C335E791-7449-4708-8DE9-182EC4D8A134}">
   <ds:schemaRefs>
-    <ds:schemaRef ds:uri="http://schemas.microsoft.com/sharepoint/v3/contenttype/forms"/>
+    <ds:schemaRef ds:uri="http://schemas.microsoft.com/office/2006/metadata/properties"/>
+    <ds:schemaRef ds:uri="http://schemas.microsoft.com/office/2006/documentManagement/types"/>
+    <ds:schemaRef ds:uri="http://schemas.microsoft.com/office/infopath/2007/PartnerControls"/>
+    <ds:schemaRef ds:uri="http://schemas.openxmlformats.org/package/2006/metadata/core-properties"/>
+    <ds:schemaRef ds:uri="http://www.w3.org/XML/1998/namespace"/>
+    <ds:schemaRef ds:uri="http://purl.org/dc/dcmitype/"/>
+    <ds:schemaRef ds:uri="4873beb7-5857-4685-be1f-d57550cc96cc"/>
+    <ds:schemaRef ds:uri="http://purl.org/dc/terms/"/>
+    <ds:schemaRef ds:uri="http://purl.org/dc/elements/1.1/"/>
   </ds:schemaRefs>
 </ds:datastoreItem>
 </file>